--- a/Documents/Präsentationen/2014.09.16_Finale Präsentation – Projekt Studiduell.pptx
+++ b/Documents/Präsentationen/2014.09.16_Finale Präsentation – Projekt Studiduell.pptx
@@ -13,9 +13,9 @@
     <p:sldId id="286" r:id="rId4"/>
     <p:sldId id="287" r:id="rId5"/>
     <p:sldId id="288" r:id="rId6"/>
-    <p:sldId id="291" r:id="rId7"/>
-    <p:sldId id="278" r:id="rId8"/>
-    <p:sldId id="289" r:id="rId9"/>
+    <p:sldId id="289" r:id="rId7"/>
+    <p:sldId id="291" r:id="rId8"/>
+    <p:sldId id="278" r:id="rId9"/>
     <p:sldId id="283" r:id="rId10"/>
     <p:sldId id="284" r:id="rId11"/>
     <p:sldId id="292" r:id="rId12"/>
@@ -2609,6 +2609,13 @@
         </dgm:presLayoutVars>
       </dgm:prSet>
       <dgm:spPr/>
+      <dgm:t>
+        <a:bodyPr/>
+        <a:lstStyle/>
+        <a:p>
+          <a:endParaRPr lang="de-DE"/>
+        </a:p>
+      </dgm:t>
     </dgm:pt>
     <dgm:pt modelId="{E0AA8906-746B-479A-B85D-391A4EB14944}" type="pres">
       <dgm:prSet presAssocID="{D6779172-05E5-46EC-90F9-39814294B16B}" presName="node" presStyleLbl="node1" presStyleIdx="0" presStyleCnt="6">
@@ -2617,6 +2624,13 @@
         </dgm:presLayoutVars>
       </dgm:prSet>
       <dgm:spPr/>
+      <dgm:t>
+        <a:bodyPr/>
+        <a:lstStyle/>
+        <a:p>
+          <a:endParaRPr lang="de-DE"/>
+        </a:p>
+      </dgm:t>
     </dgm:pt>
     <dgm:pt modelId="{0767B27D-310A-4908-A88E-F98E97D36E87}" type="pres">
       <dgm:prSet presAssocID="{D6779172-05E5-46EC-90F9-39814294B16B}" presName="spNode" presStyleCnt="0"/>
@@ -2625,6 +2639,13 @@
     <dgm:pt modelId="{F8D8ED5F-1475-462E-9EFF-43C815CB50AC}" type="pres">
       <dgm:prSet presAssocID="{7BE1457E-91E0-41EF-AC7E-B5C838B1663F}" presName="sibTrans" presStyleLbl="sibTrans1D1" presStyleIdx="0" presStyleCnt="6"/>
       <dgm:spPr/>
+      <dgm:t>
+        <a:bodyPr/>
+        <a:lstStyle/>
+        <a:p>
+          <a:endParaRPr lang="de-DE"/>
+        </a:p>
+      </dgm:t>
     </dgm:pt>
     <dgm:pt modelId="{8023AC75-DA5A-405C-9EE7-CB97226BF179}" type="pres">
       <dgm:prSet presAssocID="{1EB40678-B874-4C86-B461-5BB2E74DCAD4}" presName="node" presStyleLbl="node1" presStyleIdx="1" presStyleCnt="6">
@@ -2633,6 +2654,13 @@
         </dgm:presLayoutVars>
       </dgm:prSet>
       <dgm:spPr/>
+      <dgm:t>
+        <a:bodyPr/>
+        <a:lstStyle/>
+        <a:p>
+          <a:endParaRPr lang="de-DE"/>
+        </a:p>
+      </dgm:t>
     </dgm:pt>
     <dgm:pt modelId="{639DEEBF-A5A3-47DF-B39B-E8DC00236EFC}" type="pres">
       <dgm:prSet presAssocID="{1EB40678-B874-4C86-B461-5BB2E74DCAD4}" presName="spNode" presStyleCnt="0"/>
@@ -2641,6 +2669,13 @@
     <dgm:pt modelId="{A11085DB-FEFF-44B2-BFAB-0904F655BE2E}" type="pres">
       <dgm:prSet presAssocID="{8BDE4BF6-EDB3-4EB3-BB2D-DD79150B5C51}" presName="sibTrans" presStyleLbl="sibTrans1D1" presStyleIdx="1" presStyleCnt="6"/>
       <dgm:spPr/>
+      <dgm:t>
+        <a:bodyPr/>
+        <a:lstStyle/>
+        <a:p>
+          <a:endParaRPr lang="de-DE"/>
+        </a:p>
+      </dgm:t>
     </dgm:pt>
     <dgm:pt modelId="{D1089635-6A4D-447C-84EF-09F181E32976}" type="pres">
       <dgm:prSet presAssocID="{E3DE8230-F4F3-4C92-BA9A-3CCE6735673F}" presName="node" presStyleLbl="node1" presStyleIdx="2" presStyleCnt="6">
@@ -2649,6 +2684,13 @@
         </dgm:presLayoutVars>
       </dgm:prSet>
       <dgm:spPr/>
+      <dgm:t>
+        <a:bodyPr/>
+        <a:lstStyle/>
+        <a:p>
+          <a:endParaRPr lang="de-DE"/>
+        </a:p>
+      </dgm:t>
     </dgm:pt>
     <dgm:pt modelId="{4B27139B-3695-4FA7-9EC3-D9150FE93395}" type="pres">
       <dgm:prSet presAssocID="{E3DE8230-F4F3-4C92-BA9A-3CCE6735673F}" presName="spNode" presStyleCnt="0"/>
@@ -2657,6 +2699,13 @@
     <dgm:pt modelId="{C144F3D6-1A36-4EDD-A6F0-9F9C466701A7}" type="pres">
       <dgm:prSet presAssocID="{35FB2631-6F7A-484A-A5F7-F031B4480E39}" presName="sibTrans" presStyleLbl="sibTrans1D1" presStyleIdx="2" presStyleCnt="6"/>
       <dgm:spPr/>
+      <dgm:t>
+        <a:bodyPr/>
+        <a:lstStyle/>
+        <a:p>
+          <a:endParaRPr lang="de-DE"/>
+        </a:p>
+      </dgm:t>
     </dgm:pt>
     <dgm:pt modelId="{D9369DA6-DFD2-4D37-908E-DE80D6DE3AF1}" type="pres">
       <dgm:prSet presAssocID="{F78BE2B8-FAEB-41CF-AA5C-A9459CF403A0}" presName="node" presStyleLbl="node1" presStyleIdx="3" presStyleCnt="6">
@@ -2665,6 +2714,13 @@
         </dgm:presLayoutVars>
       </dgm:prSet>
       <dgm:spPr/>
+      <dgm:t>
+        <a:bodyPr/>
+        <a:lstStyle/>
+        <a:p>
+          <a:endParaRPr lang="de-DE"/>
+        </a:p>
+      </dgm:t>
     </dgm:pt>
     <dgm:pt modelId="{04F9503E-8A98-4E7A-8202-E7DEE406D269}" type="pres">
       <dgm:prSet presAssocID="{F78BE2B8-FAEB-41CF-AA5C-A9459CF403A0}" presName="spNode" presStyleCnt="0"/>
@@ -2673,6 +2729,13 @@
     <dgm:pt modelId="{E14E9F6E-4ED3-48A2-AE70-E1A58EB71DC0}" type="pres">
       <dgm:prSet presAssocID="{7D32E5F0-DFA8-4556-80AE-6652154255C0}" presName="sibTrans" presStyleLbl="sibTrans1D1" presStyleIdx="3" presStyleCnt="6"/>
       <dgm:spPr/>
+      <dgm:t>
+        <a:bodyPr/>
+        <a:lstStyle/>
+        <a:p>
+          <a:endParaRPr lang="de-DE"/>
+        </a:p>
+      </dgm:t>
     </dgm:pt>
     <dgm:pt modelId="{FE18D7BE-BCE6-4A22-997F-605F78A25415}" type="pres">
       <dgm:prSet presAssocID="{0EAC14DD-4217-40AC-A88E-74102AEC66EA}" presName="node" presStyleLbl="node1" presStyleIdx="4" presStyleCnt="6">
@@ -2681,6 +2744,13 @@
         </dgm:presLayoutVars>
       </dgm:prSet>
       <dgm:spPr/>
+      <dgm:t>
+        <a:bodyPr/>
+        <a:lstStyle/>
+        <a:p>
+          <a:endParaRPr lang="de-DE"/>
+        </a:p>
+      </dgm:t>
     </dgm:pt>
     <dgm:pt modelId="{1A36DEB5-0337-41B8-9D80-81CF6CB29B01}" type="pres">
       <dgm:prSet presAssocID="{0EAC14DD-4217-40AC-A88E-74102AEC66EA}" presName="spNode" presStyleCnt="0"/>
@@ -2689,6 +2759,13 @@
     <dgm:pt modelId="{5DC74C96-7BF9-466E-B39D-99B1005971EF}" type="pres">
       <dgm:prSet presAssocID="{3FCA3503-AF7C-41FC-AF60-8578727DBCF0}" presName="sibTrans" presStyleLbl="sibTrans1D1" presStyleIdx="4" presStyleCnt="6"/>
       <dgm:spPr/>
+      <dgm:t>
+        <a:bodyPr/>
+        <a:lstStyle/>
+        <a:p>
+          <a:endParaRPr lang="de-DE"/>
+        </a:p>
+      </dgm:t>
     </dgm:pt>
     <dgm:pt modelId="{BB70311C-ACD8-404A-ABD7-71E4BE3B8439}" type="pres">
       <dgm:prSet presAssocID="{84074390-AB96-4FCA-9817-1BD6322F361F}" presName="node" presStyleLbl="node1" presStyleIdx="5" presStyleCnt="6">
@@ -2697,6 +2774,13 @@
         </dgm:presLayoutVars>
       </dgm:prSet>
       <dgm:spPr/>
+      <dgm:t>
+        <a:bodyPr/>
+        <a:lstStyle/>
+        <a:p>
+          <a:endParaRPr lang="de-DE"/>
+        </a:p>
+      </dgm:t>
     </dgm:pt>
     <dgm:pt modelId="{2877ECC9-D980-475F-80CF-55E990093896}" type="pres">
       <dgm:prSet presAssocID="{84074390-AB96-4FCA-9817-1BD6322F361F}" presName="spNode" presStyleCnt="0"/>
@@ -2705,28 +2789,35 @@
     <dgm:pt modelId="{33FB842C-1051-419E-BA30-F3FC9A4E4B67}" type="pres">
       <dgm:prSet presAssocID="{97EC66AE-0B5D-4CC5-A072-CD8E5575E67E}" presName="sibTrans" presStyleLbl="sibTrans1D1" presStyleIdx="5" presStyleCnt="6"/>
       <dgm:spPr/>
+      <dgm:t>
+        <a:bodyPr/>
+        <a:lstStyle/>
+        <a:p>
+          <a:endParaRPr lang="de-DE"/>
+        </a:p>
+      </dgm:t>
     </dgm:pt>
   </dgm:ptLst>
   <dgm:cxnLst>
+    <dgm:cxn modelId="{9A0576CA-30D7-473A-8F0B-7D110CA35BA6}" srcId="{21453008-B2BA-4764-A53A-139104551C90}" destId="{F78BE2B8-FAEB-41CF-AA5C-A9459CF403A0}" srcOrd="3" destOrd="0" parTransId="{D6130FB3-5FAF-48C1-88C2-C0637910A744}" sibTransId="{7D32E5F0-DFA8-4556-80AE-6652154255C0}"/>
+    <dgm:cxn modelId="{38E09670-0E23-4865-B0B0-44BDBC4DFFFA}" type="presOf" srcId="{0EAC14DD-4217-40AC-A88E-74102AEC66EA}" destId="{FE18D7BE-BCE6-4A22-997F-605F78A25415}" srcOrd="0" destOrd="0" presId="urn:microsoft.com/office/officeart/2005/8/layout/cycle6"/>
+    <dgm:cxn modelId="{D36991B9-42AB-4BC6-8F50-9A45C662BA8F}" type="presOf" srcId="{E3DE8230-F4F3-4C92-BA9A-3CCE6735673F}" destId="{D1089635-6A4D-447C-84EF-09F181E32976}" srcOrd="0" destOrd="0" presId="urn:microsoft.com/office/officeart/2005/8/layout/cycle6"/>
+    <dgm:cxn modelId="{1C37A2F8-F8CD-489E-AA6F-E23BFEDE575C}" type="presOf" srcId="{35FB2631-6F7A-484A-A5F7-F031B4480E39}" destId="{C144F3D6-1A36-4EDD-A6F0-9F9C466701A7}" srcOrd="0" destOrd="0" presId="urn:microsoft.com/office/officeart/2005/8/layout/cycle6"/>
+    <dgm:cxn modelId="{4BEA3A04-3FB0-4D20-ACEB-0907AB4F3233}" srcId="{21453008-B2BA-4764-A53A-139104551C90}" destId="{84074390-AB96-4FCA-9817-1BD6322F361F}" srcOrd="5" destOrd="0" parTransId="{B7CB0306-5B46-448B-8F74-F07D1168910D}" sibTransId="{97EC66AE-0B5D-4CC5-A072-CD8E5575E67E}"/>
+    <dgm:cxn modelId="{8EE5A500-5EC1-4AC4-9230-48994D7329C9}" type="presOf" srcId="{8BDE4BF6-EDB3-4EB3-BB2D-DD79150B5C51}" destId="{A11085DB-FEFF-44B2-BFAB-0904F655BE2E}" srcOrd="0" destOrd="0" presId="urn:microsoft.com/office/officeart/2005/8/layout/cycle6"/>
+    <dgm:cxn modelId="{840BB45D-E48B-4630-9DFD-78A6692DEC46}" type="presOf" srcId="{7D32E5F0-DFA8-4556-80AE-6652154255C0}" destId="{E14E9F6E-4ED3-48A2-AE70-E1A58EB71DC0}" srcOrd="0" destOrd="0" presId="urn:microsoft.com/office/officeart/2005/8/layout/cycle6"/>
+    <dgm:cxn modelId="{081FCC13-27F7-445A-B54C-8E72663857B9}" type="presOf" srcId="{D6779172-05E5-46EC-90F9-39814294B16B}" destId="{E0AA8906-746B-479A-B85D-391A4EB14944}" srcOrd="0" destOrd="0" presId="urn:microsoft.com/office/officeart/2005/8/layout/cycle6"/>
+    <dgm:cxn modelId="{B019699D-5002-4000-AA9A-E347717D8D13}" type="presOf" srcId="{F78BE2B8-FAEB-41CF-AA5C-A9459CF403A0}" destId="{D9369DA6-DFD2-4D37-908E-DE80D6DE3AF1}" srcOrd="0" destOrd="0" presId="urn:microsoft.com/office/officeart/2005/8/layout/cycle6"/>
+    <dgm:cxn modelId="{BC246D84-56D3-40C0-BF5D-CBAD3F82DD49}" type="presOf" srcId="{21453008-B2BA-4764-A53A-139104551C90}" destId="{A31D664C-3979-4D22-9BA8-6A9D0ACF9F9D}" srcOrd="0" destOrd="0" presId="urn:microsoft.com/office/officeart/2005/8/layout/cycle6"/>
+    <dgm:cxn modelId="{45B17662-B19F-4529-8953-448D9B06CAFE}" type="presOf" srcId="{1EB40678-B874-4C86-B461-5BB2E74DCAD4}" destId="{8023AC75-DA5A-405C-9EE7-CB97226BF179}" srcOrd="0" destOrd="0" presId="urn:microsoft.com/office/officeart/2005/8/layout/cycle6"/>
+    <dgm:cxn modelId="{D6A9D7C7-F640-421A-86ED-368675AADAAE}" srcId="{21453008-B2BA-4764-A53A-139104551C90}" destId="{1EB40678-B874-4C86-B461-5BB2E74DCAD4}" srcOrd="1" destOrd="0" parTransId="{F789B0EE-C91F-40B5-BB46-CA829B40FC2B}" sibTransId="{8BDE4BF6-EDB3-4EB3-BB2D-DD79150B5C51}"/>
     <dgm:cxn modelId="{5EF53F5F-35F0-45D4-93C7-9FD9FEEF2FDA}" srcId="{21453008-B2BA-4764-A53A-139104551C90}" destId="{0EAC14DD-4217-40AC-A88E-74102AEC66EA}" srcOrd="4" destOrd="0" parTransId="{83054910-319B-4D5D-AA1F-01FDFDD39572}" sibTransId="{3FCA3503-AF7C-41FC-AF60-8578727DBCF0}"/>
+    <dgm:cxn modelId="{6C9D5A61-8267-4A6B-B520-32C55AD285E4}" type="presOf" srcId="{7BE1457E-91E0-41EF-AC7E-B5C838B1663F}" destId="{F8D8ED5F-1475-462E-9EFF-43C815CB50AC}" srcOrd="0" destOrd="0" presId="urn:microsoft.com/office/officeart/2005/8/layout/cycle6"/>
+    <dgm:cxn modelId="{B3F8D6D2-CB95-4130-8116-B0E3E2F4E969}" type="presOf" srcId="{84074390-AB96-4FCA-9817-1BD6322F361F}" destId="{BB70311C-ACD8-404A-ABD7-71E4BE3B8439}" srcOrd="0" destOrd="0" presId="urn:microsoft.com/office/officeart/2005/8/layout/cycle6"/>
+    <dgm:cxn modelId="{949DB22B-D66A-4538-B727-B28D6A7F2885}" srcId="{21453008-B2BA-4764-A53A-139104551C90}" destId="{E3DE8230-F4F3-4C92-BA9A-3CCE6735673F}" srcOrd="2" destOrd="0" parTransId="{A9723A5F-ADF2-41EC-95FE-107FDBB9A5FF}" sibTransId="{35FB2631-6F7A-484A-A5F7-F031B4480E39}"/>
+    <dgm:cxn modelId="{40A5400F-41BF-4A88-B3B1-21AFC39F6BC9}" type="presOf" srcId="{97EC66AE-0B5D-4CC5-A072-CD8E5575E67E}" destId="{33FB842C-1051-419E-BA30-F3FC9A4E4B67}" srcOrd="0" destOrd="0" presId="urn:microsoft.com/office/officeart/2005/8/layout/cycle6"/>
+    <dgm:cxn modelId="{A77A8C03-6491-4BF9-A050-275BC2883578}" type="presOf" srcId="{3FCA3503-AF7C-41FC-AF60-8578727DBCF0}" destId="{5DC74C96-7BF9-466E-B39D-99B1005971EF}" srcOrd="0" destOrd="0" presId="urn:microsoft.com/office/officeart/2005/8/layout/cycle6"/>
     <dgm:cxn modelId="{1528323E-0772-4E92-A6C4-6203A8D1FCA6}" srcId="{21453008-B2BA-4764-A53A-139104551C90}" destId="{D6779172-05E5-46EC-90F9-39814294B16B}" srcOrd="0" destOrd="0" parTransId="{955FB8EA-396B-4719-A6F8-569412AC81D6}" sibTransId="{7BE1457E-91E0-41EF-AC7E-B5C838B1663F}"/>
-    <dgm:cxn modelId="{840BB45D-E48B-4630-9DFD-78A6692DEC46}" type="presOf" srcId="{7D32E5F0-DFA8-4556-80AE-6652154255C0}" destId="{E14E9F6E-4ED3-48A2-AE70-E1A58EB71DC0}" srcOrd="0" destOrd="0" presId="urn:microsoft.com/office/officeart/2005/8/layout/cycle6"/>
-    <dgm:cxn modelId="{BC246D84-56D3-40C0-BF5D-CBAD3F82DD49}" type="presOf" srcId="{21453008-B2BA-4764-A53A-139104551C90}" destId="{A31D664C-3979-4D22-9BA8-6A9D0ACF9F9D}" srcOrd="0" destOrd="0" presId="urn:microsoft.com/office/officeart/2005/8/layout/cycle6"/>
-    <dgm:cxn modelId="{081FCC13-27F7-445A-B54C-8E72663857B9}" type="presOf" srcId="{D6779172-05E5-46EC-90F9-39814294B16B}" destId="{E0AA8906-746B-479A-B85D-391A4EB14944}" srcOrd="0" destOrd="0" presId="urn:microsoft.com/office/officeart/2005/8/layout/cycle6"/>
-    <dgm:cxn modelId="{45B17662-B19F-4529-8953-448D9B06CAFE}" type="presOf" srcId="{1EB40678-B874-4C86-B461-5BB2E74DCAD4}" destId="{8023AC75-DA5A-405C-9EE7-CB97226BF179}" srcOrd="0" destOrd="0" presId="urn:microsoft.com/office/officeart/2005/8/layout/cycle6"/>
-    <dgm:cxn modelId="{40A5400F-41BF-4A88-B3B1-21AFC39F6BC9}" type="presOf" srcId="{97EC66AE-0B5D-4CC5-A072-CD8E5575E67E}" destId="{33FB842C-1051-419E-BA30-F3FC9A4E4B67}" srcOrd="0" destOrd="0" presId="urn:microsoft.com/office/officeart/2005/8/layout/cycle6"/>
-    <dgm:cxn modelId="{6C9D5A61-8267-4A6B-B520-32C55AD285E4}" type="presOf" srcId="{7BE1457E-91E0-41EF-AC7E-B5C838B1663F}" destId="{F8D8ED5F-1475-462E-9EFF-43C815CB50AC}" srcOrd="0" destOrd="0" presId="urn:microsoft.com/office/officeart/2005/8/layout/cycle6"/>
-    <dgm:cxn modelId="{A77A8C03-6491-4BF9-A050-275BC2883578}" type="presOf" srcId="{3FCA3503-AF7C-41FC-AF60-8578727DBCF0}" destId="{5DC74C96-7BF9-466E-B39D-99B1005971EF}" srcOrd="0" destOrd="0" presId="urn:microsoft.com/office/officeart/2005/8/layout/cycle6"/>
-    <dgm:cxn modelId="{4BEA3A04-3FB0-4D20-ACEB-0907AB4F3233}" srcId="{21453008-B2BA-4764-A53A-139104551C90}" destId="{84074390-AB96-4FCA-9817-1BD6322F361F}" srcOrd="5" destOrd="0" parTransId="{B7CB0306-5B46-448B-8F74-F07D1168910D}" sibTransId="{97EC66AE-0B5D-4CC5-A072-CD8E5575E67E}"/>
-    <dgm:cxn modelId="{38E09670-0E23-4865-B0B0-44BDBC4DFFFA}" type="presOf" srcId="{0EAC14DD-4217-40AC-A88E-74102AEC66EA}" destId="{FE18D7BE-BCE6-4A22-997F-605F78A25415}" srcOrd="0" destOrd="0" presId="urn:microsoft.com/office/officeart/2005/8/layout/cycle6"/>
-    <dgm:cxn modelId="{8EE5A500-5EC1-4AC4-9230-48994D7329C9}" type="presOf" srcId="{8BDE4BF6-EDB3-4EB3-BB2D-DD79150B5C51}" destId="{A11085DB-FEFF-44B2-BFAB-0904F655BE2E}" srcOrd="0" destOrd="0" presId="urn:microsoft.com/office/officeart/2005/8/layout/cycle6"/>
-    <dgm:cxn modelId="{D36991B9-42AB-4BC6-8F50-9A45C662BA8F}" type="presOf" srcId="{E3DE8230-F4F3-4C92-BA9A-3CCE6735673F}" destId="{D1089635-6A4D-447C-84EF-09F181E32976}" srcOrd="0" destOrd="0" presId="urn:microsoft.com/office/officeart/2005/8/layout/cycle6"/>
-    <dgm:cxn modelId="{B3F8D6D2-CB95-4130-8116-B0E3E2F4E969}" type="presOf" srcId="{84074390-AB96-4FCA-9817-1BD6322F361F}" destId="{BB70311C-ACD8-404A-ABD7-71E4BE3B8439}" srcOrd="0" destOrd="0" presId="urn:microsoft.com/office/officeart/2005/8/layout/cycle6"/>
-    <dgm:cxn modelId="{D6A9D7C7-F640-421A-86ED-368675AADAAE}" srcId="{21453008-B2BA-4764-A53A-139104551C90}" destId="{1EB40678-B874-4C86-B461-5BB2E74DCAD4}" srcOrd="1" destOrd="0" parTransId="{F789B0EE-C91F-40B5-BB46-CA829B40FC2B}" sibTransId="{8BDE4BF6-EDB3-4EB3-BB2D-DD79150B5C51}"/>
-    <dgm:cxn modelId="{9A0576CA-30D7-473A-8F0B-7D110CA35BA6}" srcId="{21453008-B2BA-4764-A53A-139104551C90}" destId="{F78BE2B8-FAEB-41CF-AA5C-A9459CF403A0}" srcOrd="3" destOrd="0" parTransId="{D6130FB3-5FAF-48C1-88C2-C0637910A744}" sibTransId="{7D32E5F0-DFA8-4556-80AE-6652154255C0}"/>
-    <dgm:cxn modelId="{949DB22B-D66A-4538-B727-B28D6A7F2885}" srcId="{21453008-B2BA-4764-A53A-139104551C90}" destId="{E3DE8230-F4F3-4C92-BA9A-3CCE6735673F}" srcOrd="2" destOrd="0" parTransId="{A9723A5F-ADF2-41EC-95FE-107FDBB9A5FF}" sibTransId="{35FB2631-6F7A-484A-A5F7-F031B4480E39}"/>
-    <dgm:cxn modelId="{B019699D-5002-4000-AA9A-E347717D8D13}" type="presOf" srcId="{F78BE2B8-FAEB-41CF-AA5C-A9459CF403A0}" destId="{D9369DA6-DFD2-4D37-908E-DE80D6DE3AF1}" srcOrd="0" destOrd="0" presId="urn:microsoft.com/office/officeart/2005/8/layout/cycle6"/>
-    <dgm:cxn modelId="{1C37A2F8-F8CD-489E-AA6F-E23BFEDE575C}" type="presOf" srcId="{35FB2631-6F7A-484A-A5F7-F031B4480E39}" destId="{C144F3D6-1A36-4EDD-A6F0-9F9C466701A7}" srcOrd="0" destOrd="0" presId="urn:microsoft.com/office/officeart/2005/8/layout/cycle6"/>
     <dgm:cxn modelId="{983CCDAC-AD08-4A7D-BCAD-148B37A78DCC}" type="presParOf" srcId="{A31D664C-3979-4D22-9BA8-6A9D0ACF9F9D}" destId="{E0AA8906-746B-479A-B85D-391A4EB14944}" srcOrd="0" destOrd="0" presId="urn:microsoft.com/office/officeart/2005/8/layout/cycle6"/>
     <dgm:cxn modelId="{6BB86E77-E6CA-431D-B120-2E61F5BF8B2F}" type="presParOf" srcId="{A31D664C-3979-4D22-9BA8-6A9D0ACF9F9D}" destId="{0767B27D-310A-4908-A88E-F98E97D36E87}" srcOrd="1" destOrd="0" presId="urn:microsoft.com/office/officeart/2005/8/layout/cycle6"/>
     <dgm:cxn modelId="{E177AFF1-D03C-4822-9B5F-98C4B6636EC3}" type="presParOf" srcId="{A31D664C-3979-4D22-9BA8-6A9D0ACF9F9D}" destId="{F8D8ED5F-1475-462E-9EFF-43C815CB50AC}" srcOrd="2" destOrd="0" presId="urn:microsoft.com/office/officeart/2005/8/layout/cycle6"/>
@@ -2809,11 +2900,7 @@
         <a:p>
           <a:r>
             <a:rPr lang="en-US" sz="1600" dirty="0" smtClean="0"/>
-            <a:t>Integration </a:t>
-          </a:r>
-          <a:r>
-            <a:rPr lang="en-US" sz="1600" dirty="0" smtClean="0"/>
-            <a:t>RV-</a:t>
+            <a:t>Integration RV-</a:t>
           </a:r>
           <a:r>
             <a:rPr lang="en-US" sz="1600" dirty="0" err="1" smtClean="0"/>
@@ -3106,17 +3193,17 @@
     </dgm:pt>
   </dgm:ptLst>
   <dgm:cxnLst>
+    <dgm:cxn modelId="{64082EA3-8E2E-4B73-83AD-8E91150FDE79}" type="presOf" srcId="{220FE9ED-8CE9-4F4D-B846-3B1B46F9B2BA}" destId="{C1E3A715-DCE2-4E4B-8C20-E6C28CAAEA4B}" srcOrd="0" destOrd="0" presId="urn:microsoft.com/office/officeart/2005/8/layout/arrow2"/>
+    <dgm:cxn modelId="{9059AB5C-4311-4FB4-BB13-69C302C82408}" type="presOf" srcId="{D6A17137-863F-45F8-9C97-85DA64F0E280}" destId="{8922E653-D892-4B86-BBC8-01BCBB028FDF}" srcOrd="0" destOrd="0" presId="urn:microsoft.com/office/officeart/2005/8/layout/arrow2"/>
+    <dgm:cxn modelId="{CAD0E171-5E83-47DE-97A6-0364E0FD45F9}" srcId="{D6A17137-863F-45F8-9C97-85DA64F0E280}" destId="{439927C9-0D1F-48D3-830B-A25377333F8E}" srcOrd="2" destOrd="0" parTransId="{FDB31CDA-6A47-4E70-931D-D3703F95E6F1}" sibTransId="{D4414C88-B11F-4D54-B211-3A12F46DD0E9}"/>
+    <dgm:cxn modelId="{49248359-18D8-4EE0-B1F5-45398C3DC45D}" srcId="{D6A17137-863F-45F8-9C97-85DA64F0E280}" destId="{775C5DE2-1504-45C6-A38B-241F07A9D6BF}" srcOrd="1" destOrd="0" parTransId="{CF0DB086-18A2-4822-A0F5-608819F45FC4}" sibTransId="{1FF556DE-3586-48F0-9AD4-599075C0EA61}"/>
     <dgm:cxn modelId="{4788E719-2E0C-40D5-8156-2C77E2BE386A}" type="presOf" srcId="{439927C9-0D1F-48D3-830B-A25377333F8E}" destId="{68DE3A82-6D25-4296-96CE-AF5C161A4817}" srcOrd="0" destOrd="0" presId="urn:microsoft.com/office/officeart/2005/8/layout/arrow2"/>
-    <dgm:cxn modelId="{E0B55F19-1AB4-489B-851B-4E1EEAD6341D}" srcId="{D6A17137-863F-45F8-9C97-85DA64F0E280}" destId="{9A890485-C252-4D08-A883-A700B745690F}" srcOrd="0" destOrd="0" parTransId="{19B004F9-89AE-432F-91FD-F5E5647A6C0C}" sibTransId="{E8B4E42F-C90E-4CE5-993C-FCF51AD0ED0E}"/>
-    <dgm:cxn modelId="{4127F2B2-8E56-414E-B1B1-6E478E46EF0D}" type="presOf" srcId="{73C59B8E-2C4F-4B3E-A1CB-41683F05CBB4}" destId="{B09AC011-2844-4E38-80CB-50FCF84ED6DE}" srcOrd="0" destOrd="0" presId="urn:microsoft.com/office/officeart/2005/8/layout/arrow2"/>
     <dgm:cxn modelId="{F8E15549-E787-41F8-9BF2-5F933B5BBFDC}" type="presOf" srcId="{775C5DE2-1504-45C6-A38B-241F07A9D6BF}" destId="{26FA743E-97BA-4315-9C04-04888E713CAA}" srcOrd="0" destOrd="0" presId="urn:microsoft.com/office/officeart/2005/8/layout/arrow2"/>
     <dgm:cxn modelId="{CF6CDA34-012B-4E98-A83F-130478160CD3}" type="presOf" srcId="{9A890485-C252-4D08-A883-A700B745690F}" destId="{ED814EC5-61BC-483F-A06E-E1B6409FF30C}" srcOrd="0" destOrd="0" presId="urn:microsoft.com/office/officeart/2005/8/layout/arrow2"/>
-    <dgm:cxn modelId="{9059AB5C-4311-4FB4-BB13-69C302C82408}" type="presOf" srcId="{D6A17137-863F-45F8-9C97-85DA64F0E280}" destId="{8922E653-D892-4B86-BBC8-01BCBB028FDF}" srcOrd="0" destOrd="0" presId="urn:microsoft.com/office/officeart/2005/8/layout/arrow2"/>
-    <dgm:cxn modelId="{49248359-18D8-4EE0-B1F5-45398C3DC45D}" srcId="{D6A17137-863F-45F8-9C97-85DA64F0E280}" destId="{775C5DE2-1504-45C6-A38B-241F07A9D6BF}" srcOrd="1" destOrd="0" parTransId="{CF0DB086-18A2-4822-A0F5-608819F45FC4}" sibTransId="{1FF556DE-3586-48F0-9AD4-599075C0EA61}"/>
+    <dgm:cxn modelId="{4127F2B2-8E56-414E-B1B1-6E478E46EF0D}" type="presOf" srcId="{73C59B8E-2C4F-4B3E-A1CB-41683F05CBB4}" destId="{B09AC011-2844-4E38-80CB-50FCF84ED6DE}" srcOrd="0" destOrd="0" presId="urn:microsoft.com/office/officeart/2005/8/layout/arrow2"/>
+    <dgm:cxn modelId="{E0B55F19-1AB4-489B-851B-4E1EEAD6341D}" srcId="{D6A17137-863F-45F8-9C97-85DA64F0E280}" destId="{9A890485-C252-4D08-A883-A700B745690F}" srcOrd="0" destOrd="0" parTransId="{19B004F9-89AE-432F-91FD-F5E5647A6C0C}" sibTransId="{E8B4E42F-C90E-4CE5-993C-FCF51AD0ED0E}"/>
     <dgm:cxn modelId="{FD2D05D2-D2F7-4734-8D20-366209423F48}" srcId="{D6A17137-863F-45F8-9C97-85DA64F0E280}" destId="{73C59B8E-2C4F-4B3E-A1CB-41683F05CBB4}" srcOrd="4" destOrd="0" parTransId="{5387E7E0-A710-43A3-A9A4-76F5A16B0882}" sibTransId="{89129B64-4515-4D45-892F-244BFD63F61D}"/>
     <dgm:cxn modelId="{BBA83DF8-E1E2-4A07-912A-2670AA145234}" srcId="{D6A17137-863F-45F8-9C97-85DA64F0E280}" destId="{220FE9ED-8CE9-4F4D-B846-3B1B46F9B2BA}" srcOrd="3" destOrd="0" parTransId="{3FE60490-14F3-4E59-939B-5596D492C456}" sibTransId="{76F8B5B3-CE74-427E-A957-C0404C01904F}"/>
-    <dgm:cxn modelId="{64082EA3-8E2E-4B73-83AD-8E91150FDE79}" type="presOf" srcId="{220FE9ED-8CE9-4F4D-B846-3B1B46F9B2BA}" destId="{C1E3A715-DCE2-4E4B-8C20-E6C28CAAEA4B}" srcOrd="0" destOrd="0" presId="urn:microsoft.com/office/officeart/2005/8/layout/arrow2"/>
-    <dgm:cxn modelId="{CAD0E171-5E83-47DE-97A6-0364E0FD45F9}" srcId="{D6A17137-863F-45F8-9C97-85DA64F0E280}" destId="{439927C9-0D1F-48D3-830B-A25377333F8E}" srcOrd="2" destOrd="0" parTransId="{FDB31CDA-6A47-4E70-931D-D3703F95E6F1}" sibTransId="{D4414C88-B11F-4D54-B211-3A12F46DD0E9}"/>
     <dgm:cxn modelId="{EDB4A4EF-CF3B-469F-A681-CD2346C714D9}" type="presParOf" srcId="{8922E653-D892-4B86-BBC8-01BCBB028FDF}" destId="{82DA6546-E878-44DD-8FA5-B78A8C4F961E}" srcOrd="0" destOrd="0" presId="urn:microsoft.com/office/officeart/2005/8/layout/arrow2"/>
     <dgm:cxn modelId="{623F5BA1-61A7-4400-B968-5BA945622CDF}" type="presParOf" srcId="{8922E653-D892-4B86-BBC8-01BCBB028FDF}" destId="{4613E9A8-A122-4B14-A8B7-F9EC8E63B9BD}" srcOrd="1" destOrd="0" presId="urn:microsoft.com/office/officeart/2005/8/layout/arrow2"/>
     <dgm:cxn modelId="{019A582C-372B-483E-BFDF-365050937086}" type="presParOf" srcId="{4613E9A8-A122-4B14-A8B7-F9EC8E63B9BD}" destId="{34549668-6618-48EC-BFB4-FAECE5059D0A}" srcOrd="0" destOrd="0" presId="urn:microsoft.com/office/officeart/2005/8/layout/arrow2"/>
@@ -4824,11 +4911,7 @@
           </a:pPr>
           <a:r>
             <a:rPr lang="en-US" sz="1600" kern="1200" dirty="0" smtClean="0"/>
-            <a:t>Integration </a:t>
-          </a:r>
-          <a:r>
-            <a:rPr lang="en-US" sz="1600" kern="1200" dirty="0" smtClean="0"/>
-            <a:t>RV-</a:t>
+            <a:t>Integration RV-</a:t>
           </a:r>
           <a:r>
             <a:rPr lang="en-US" sz="1600" kern="1200" dirty="0" err="1" smtClean="0"/>
@@ -11608,7 +11691,7 @@
           <a:p>
             <a:fld id="{BE068A66-658E-4B20-A224-C8B3BE3333BC}" type="slidenum">
               <a:rPr lang="en-US" smtClean="0"/>
-              <a:t>8</a:t>
+              <a:t>6</a:t>
             </a:fld>
             <a:endParaRPr lang="en-US"/>
           </a:p>
@@ -16104,9 +16187,14 @@
           <a:lstStyle/>
           <a:p>
             <a:r>
-              <a:rPr lang="en-US"/>
-              <a:t>Vision: Maßnahmen zur Umsetzung</a:t>
+              <a:rPr lang="en-US" dirty="0"/>
+              <a:t>Vision: </a:t>
             </a:r>
+            <a:r>
+              <a:rPr lang="en-US" dirty="0" err="1" smtClean="0"/>
+              <a:t>Erfolgsfaktoren</a:t>
+            </a:r>
+            <a:endParaRPr lang="en-US" dirty="0"/>
           </a:p>
         </p:txBody>
       </p:sp>
@@ -16282,14 +16370,14 @@
           <p:nvPr>
             <p:extLst>
               <p:ext uri="{D42A27DB-BD31-4B8C-83A1-F6EECF244321}">
-                <p14:modId xmlns:p14="http://schemas.microsoft.com/office/powerpoint/2010/main" val="2285149183"/>
+                <p14:modId xmlns:p14="http://schemas.microsoft.com/office/powerpoint/2010/main" val="592285632"/>
               </p:ext>
             </p:extLst>
           </p:nvPr>
         </p:nvGraphicFramePr>
         <p:xfrm>
           <a:off x="611560" y="1488152"/>
-          <a:ext cx="7992888" cy="4724400"/>
+          <a:ext cx="7992888" cy="4968240"/>
         </p:xfrm>
         <a:graphic>
           <a:graphicData uri="http://schemas.openxmlformats.org/drawingml/2006/table">
@@ -16309,7 +16397,7 @@
                     <a:p>
                       <a:r>
                         <a:rPr lang="de-DE" dirty="0" smtClean="0"/>
-                        <a:t>Themenbereich</a:t>
+                        <a:t>Erfolgsfaktor</a:t>
                       </a:r>
                       <a:endParaRPr lang="de-DE" dirty="0"/>
                     </a:p>
@@ -16586,7 +16674,15 @@
                       </a:pPr>
                       <a:r>
                         <a:rPr lang="de-DE" sz="1600" dirty="0" smtClean="0"/>
-                        <a:t>Prozess der Einstellung von Fragen durch Dozenten definieren</a:t>
+                        <a:t>Prozess der Einstellung von Fragen durch </a:t>
+                      </a:r>
+                      <a:r>
+                        <a:rPr lang="de-DE" sz="1600" dirty="0" smtClean="0"/>
+                        <a:t>Dozenten und via Website </a:t>
+                      </a:r>
+                      <a:r>
+                        <a:rPr lang="de-DE" sz="1600" dirty="0" smtClean="0"/>
+                        <a:t>definieren</a:t>
                       </a:r>
                       <a:r>
                         <a:rPr lang="de-DE" sz="1600" baseline="0" dirty="0" smtClean="0"/>
@@ -16598,7 +16694,11 @@
                       </a:r>
                       <a:r>
                         <a:rPr lang="de-DE" sz="1600" baseline="0" dirty="0" smtClean="0"/>
-                        <a:t>“ -2014)</a:t>
+                        <a:t>“ -2014</a:t>
+                      </a:r>
+                      <a:r>
+                        <a:rPr lang="de-DE" sz="1600" baseline="0" dirty="0" smtClean="0"/>
+                        <a:t>) und weitestgehend automatisieren</a:t>
                       </a:r>
                       <a:endParaRPr lang="de-DE" sz="1600" dirty="0"/>
                     </a:p>
@@ -17044,11 +17144,11 @@
   <p:clrMapOvr>
     <a:masterClrMapping/>
   </p:clrMapOvr>
-  <mc:AlternateContent xmlns:mc="http://schemas.openxmlformats.org/markup-compatibility/2006">
-    <mc:Choice xmlns:p14="http://schemas.microsoft.com/office/powerpoint/2010/main" Requires="p14">
+  <mc:AlternateContent xmlns:mc="http://schemas.openxmlformats.org/markup-compatibility/2006" xmlns:p14="http://schemas.microsoft.com/office/powerpoint/2010/main">
+    <mc:Choice Requires="p14">
       <p:transition spd="slow" p14:dur="2000"/>
     </mc:Choice>
-    <mc:Fallback>
+    <mc:Fallback xmlns="">
       <p:transition spd="slow"/>
     </mc:Fallback>
   </mc:AlternateContent>
@@ -17247,15 +17347,7 @@
           <a:p>
             <a:r>
               <a:rPr lang="de-DE" dirty="0" smtClean="0"/>
-              <a:t>Vorstellung der </a:t>
-            </a:r>
-            <a:r>
-              <a:rPr lang="de-DE" dirty="0" smtClean="0"/>
-              <a:t>Idee der App sowie der potenziellen </a:t>
-            </a:r>
-            <a:r>
-              <a:rPr lang="de-DE" dirty="0" smtClean="0"/>
-              <a:t>Nutzergruppe</a:t>
+              <a:t>Vorstellung der Idee der App sowie der potenziellen Nutzergruppe</a:t>
             </a:r>
           </a:p>
           <a:p>
@@ -17273,23 +17365,7 @@
           <a:p>
             <a:r>
               <a:rPr lang="de-DE" dirty="0" smtClean="0"/>
-              <a:t>Fragen über die App können direkt </a:t>
-            </a:r>
-            <a:r>
-              <a:rPr lang="de-DE" dirty="0" smtClean="0"/>
-              <a:t>ans das Studiduell-Team</a:t>
-            </a:r>
-            <a:r>
-              <a:rPr lang="de-DE" dirty="0" smtClean="0"/>
-              <a:t> </a:t>
-            </a:r>
-            <a:r>
-              <a:rPr lang="de-DE" dirty="0" smtClean="0"/>
-              <a:t>gesendet </a:t>
-            </a:r>
-            <a:r>
-              <a:rPr lang="de-DE" dirty="0" smtClean="0"/>
-              <a:t>werden</a:t>
+              <a:t>Fragen über die App können direkt ans das Studiduell-Team gesendet werden</a:t>
             </a:r>
           </a:p>
           <a:p>
@@ -17303,7 +17379,6 @@
               <a:rPr lang="de-DE" dirty="0" smtClean="0"/>
               <a:t>Video zur Vorstellung der zentralen Features von Studiduell</a:t>
             </a:r>
-            <a:endParaRPr lang="de-DE" dirty="0" smtClean="0"/>
           </a:p>
           <a:p>
             <a:pPr marL="0" indent="0">
@@ -17323,11 +17398,11 @@
   <p:clrMapOvr>
     <a:masterClrMapping/>
   </p:clrMapOvr>
-  <mc:AlternateContent xmlns:mc="http://schemas.openxmlformats.org/markup-compatibility/2006">
-    <mc:Choice xmlns:p14="http://schemas.microsoft.com/office/powerpoint/2010/main" Requires="p14">
+  <mc:AlternateContent xmlns:mc="http://schemas.openxmlformats.org/markup-compatibility/2006" xmlns:p14="http://schemas.microsoft.com/office/powerpoint/2010/main">
+    <mc:Choice Requires="p14">
       <p:transition spd="slow" p14:dur="2000"/>
     </mc:Choice>
-    <mc:Fallback>
+    <mc:Fallback xmlns="">
       <p:transition spd="slow"/>
     </mc:Fallback>
   </mc:AlternateContent>
@@ -17531,11 +17606,11 @@
   <p:clrMapOvr>
     <a:masterClrMapping/>
   </p:clrMapOvr>
-  <mc:AlternateContent xmlns:mc="http://schemas.openxmlformats.org/markup-compatibility/2006">
-    <mc:Choice xmlns:p14="http://schemas.microsoft.com/office/powerpoint/2010/main" Requires="p14">
+  <mc:AlternateContent xmlns:mc="http://schemas.openxmlformats.org/markup-compatibility/2006" xmlns:p14="http://schemas.microsoft.com/office/powerpoint/2010/main">
+    <mc:Choice Requires="p14">
       <p:transition spd="slow" p14:dur="2000"/>
     </mc:Choice>
-    <mc:Fallback>
+    <mc:Fallback xmlns="">
       <p:transition spd="slow"/>
     </mc:Fallback>
   </mc:AlternateContent>
@@ -17693,7 +17768,6 @@
               <a:rPr lang="de-DE" dirty="0" smtClean="0"/>
               <a:t>Produktpräsentation</a:t>
             </a:r>
-            <a:endParaRPr lang="de-DE" dirty="0" smtClean="0"/>
           </a:p>
           <a:p>
             <a:r>
@@ -20134,6 +20208,157 @@
 <file path=ppt/slides/slide6.xml><?xml version="1.0" encoding="utf-8"?>
 <p:sld xmlns:a="http://schemas.openxmlformats.org/drawingml/2006/main" xmlns:r="http://schemas.openxmlformats.org/officeDocument/2006/relationships" xmlns:p="http://schemas.openxmlformats.org/presentationml/2006/main">
   <p:cSld>
+    <p:spTree>
+      <p:nvGrpSpPr>
+        <p:cNvPr id="1" name=""/>
+        <p:cNvGrpSpPr/>
+        <p:nvPr/>
+      </p:nvGrpSpPr>
+      <p:grpSpPr>
+        <a:xfrm>
+          <a:off x="0" y="0"/>
+          <a:ext cx="0" cy="0"/>
+          <a:chOff x="0" y="0"/>
+          <a:chExt cx="0" cy="0"/>
+        </a:xfrm>
+      </p:grpSpPr>
+      <p:sp>
+        <p:nvSpPr>
+          <p:cNvPr id="2" name="Title 1"/>
+          <p:cNvSpPr>
+            <a:spLocks noGrp="1"/>
+          </p:cNvSpPr>
+          <p:nvPr>
+            <p:ph type="title"/>
+          </p:nvPr>
+        </p:nvSpPr>
+        <p:spPr/>
+        <p:txBody>
+          <a:bodyPr/>
+          <a:lstStyle/>
+          <a:p>
+            <a:r>
+              <a:rPr lang="de-DE" dirty="0" smtClean="0"/>
+              <a:t>Projektergebnis</a:t>
+            </a:r>
+            <a:endParaRPr lang="de-DE" dirty="0"/>
+          </a:p>
+        </p:txBody>
+      </p:sp>
+      <p:sp>
+        <p:nvSpPr>
+          <p:cNvPr id="3" name="Date Placeholder 2"/>
+          <p:cNvSpPr>
+            <a:spLocks noGrp="1"/>
+          </p:cNvSpPr>
+          <p:nvPr>
+            <p:ph type="dt" sz="half" idx="10"/>
+          </p:nvPr>
+        </p:nvSpPr>
+        <p:spPr/>
+        <p:txBody>
+          <a:bodyPr/>
+          <a:lstStyle/>
+          <a:p>
+            <a:fld id="{ECC07F21-0122-44FF-9BB4-230E083EEAEF}" type="datetime1">
+              <a:rPr lang="de-DE" smtClean="0"/>
+              <a:t>09.09.2014</a:t>
+            </a:fld>
+            <a:endParaRPr lang="en-US" dirty="0"/>
+          </a:p>
+        </p:txBody>
+      </p:sp>
+      <p:sp>
+        <p:nvSpPr>
+          <p:cNvPr id="4" name="Footer Placeholder 3"/>
+          <p:cNvSpPr>
+            <a:spLocks noGrp="1"/>
+          </p:cNvSpPr>
+          <p:nvPr>
+            <p:ph type="ftr" sz="quarter" idx="11"/>
+          </p:nvPr>
+        </p:nvSpPr>
+        <p:spPr/>
+        <p:txBody>
+          <a:bodyPr/>
+          <a:lstStyle/>
+          <a:p>
+            <a:r>
+              <a:rPr lang="de-DE" smtClean="0"/>
+              <a:t>Finale präsentation - Studiduell</a:t>
+            </a:r>
+            <a:endParaRPr lang="en-US" dirty="0"/>
+          </a:p>
+        </p:txBody>
+      </p:sp>
+      <p:sp>
+        <p:nvSpPr>
+          <p:cNvPr id="5" name="Slide Number Placeholder 4"/>
+          <p:cNvSpPr>
+            <a:spLocks noGrp="1"/>
+          </p:cNvSpPr>
+          <p:nvPr>
+            <p:ph type="sldNum" sz="quarter" idx="12"/>
+          </p:nvPr>
+        </p:nvSpPr>
+        <p:spPr/>
+        <p:txBody>
+          <a:bodyPr/>
+          <a:lstStyle/>
+          <a:p>
+            <a:fld id="{8700DC42-F920-4CC4-8FDD-7A5A47523AA1}" type="slidenum">
+              <a:rPr lang="en-US" smtClean="0"/>
+              <a:t>6</a:t>
+            </a:fld>
+            <a:endParaRPr lang="en-US"/>
+          </a:p>
+        </p:txBody>
+      </p:sp>
+      <p:graphicFrame>
+        <p:nvGraphicFramePr>
+          <p:cNvPr id="7" name="Diagram 6"/>
+          <p:cNvGraphicFramePr/>
+          <p:nvPr>
+            <p:extLst>
+              <p:ext uri="{D42A27DB-BD31-4B8C-83A1-F6EECF244321}">
+                <p14:modId xmlns:p14="http://schemas.microsoft.com/office/powerpoint/2010/main" val="1856434012"/>
+              </p:ext>
+            </p:extLst>
+          </p:nvPr>
+        </p:nvGraphicFramePr>
+        <p:xfrm>
+          <a:off x="971600" y="1412776"/>
+          <a:ext cx="6840760" cy="4464496"/>
+        </p:xfrm>
+        <a:graphic>
+          <a:graphicData uri="http://schemas.openxmlformats.org/drawingml/2006/diagram">
+            <dgm:relIds xmlns:dgm="http://schemas.openxmlformats.org/drawingml/2006/diagram" xmlns:r="http://schemas.openxmlformats.org/officeDocument/2006/relationships" r:dm="rId3" r:lo="rId4" r:qs="rId5" r:cs="rId6"/>
+          </a:graphicData>
+        </a:graphic>
+      </p:graphicFrame>
+    </p:spTree>
+    <p:extLst>
+      <p:ext uri="{BB962C8B-B14F-4D97-AF65-F5344CB8AC3E}">
+        <p14:creationId xmlns:p14="http://schemas.microsoft.com/office/powerpoint/2010/main" val="4178774446"/>
+      </p:ext>
+    </p:extLst>
+  </p:cSld>
+  <p:clrMapOvr>
+    <a:masterClrMapping/>
+  </p:clrMapOvr>
+  <p:timing>
+    <p:tnLst>
+      <p:par>
+        <p:cTn id="1" dur="indefinite" restart="never" nodeType="tmRoot"/>
+      </p:par>
+    </p:tnLst>
+  </p:timing>
+</p:sld>
+</file>
+
+<file path=ppt/slides/slide7.xml><?xml version="1.0" encoding="utf-8"?>
+<p:sld xmlns:a="http://schemas.openxmlformats.org/drawingml/2006/main" xmlns:r="http://schemas.openxmlformats.org/officeDocument/2006/relationships" xmlns:p="http://schemas.openxmlformats.org/presentationml/2006/main">
+  <p:cSld>
     <p:bg>
       <p:bgPr>
         <a:solidFill>
@@ -20229,7 +20454,7 @@
           <a:p>
             <a:fld id="{8700DC42-F920-4CC4-8FDD-7A5A47523AA1}" type="slidenum">
               <a:rPr lang="en-US" smtClean="0"/>
-              <a:t>6</a:t>
+              <a:t>7</a:t>
             </a:fld>
             <a:endParaRPr lang="en-US"/>
           </a:p>
@@ -20564,7 +20789,7 @@
 </p:sld>
 </file>
 
-<file path=ppt/slides/slide7.xml><?xml version="1.0" encoding="utf-8"?>
+<file path=ppt/slides/slide8.xml><?xml version="1.0" encoding="utf-8"?>
 <p:sld xmlns:a="http://schemas.openxmlformats.org/drawingml/2006/main" xmlns:r="http://schemas.openxmlformats.org/officeDocument/2006/relationships" xmlns:p="http://schemas.openxmlformats.org/presentationml/2006/main">
   <p:cSld>
     <p:spTree>
@@ -20644,7 +20869,7 @@
           <a:p>
             <a:fld id="{8700DC42-F920-4CC4-8FDD-7A5A47523AA1}" type="slidenum">
               <a:rPr lang="en-US" smtClean="0"/>
-              <a:t>7</a:t>
+              <a:t>8</a:t>
             </a:fld>
             <a:endParaRPr lang="en-US"/>
           </a:p>
@@ -20691,7 +20916,7 @@
           <p:nvPr>
             <p:extLst>
               <p:ext uri="{D42A27DB-BD31-4B8C-83A1-F6EECF244321}">
-                <p14:modId xmlns:p14="http://schemas.microsoft.com/office/powerpoint/2010/main" val="2007751033"/>
+                <p14:modId xmlns:p14="http://schemas.microsoft.com/office/powerpoint/2010/main" val="2573575227"/>
               </p:ext>
             </p:extLst>
           </p:nvPr>
@@ -20926,7 +21151,11 @@
                       </a:r>
                       <a:r>
                         <a:rPr lang="de-DE" baseline="0" dirty="0" smtClean="0"/>
-                        <a:t> muss an Kundenanforderungen ausgerichtet sein – diese sind aber nicht genau bekannt!</a:t>
+                        <a:t> muss an Kundenanforderungen ausgerichtet sein – diese sind aber nicht genau </a:t>
+                      </a:r>
+                      <a:r>
+                        <a:rPr lang="de-DE" baseline="0" dirty="0" smtClean="0"/>
+                        <a:t>bekannt</a:t>
                       </a:r>
                       <a:endParaRPr lang="de-DE" dirty="0"/>
                     </a:p>
@@ -21014,157 +21243,6 @@
     <p:extLst>
       <p:ext uri="{BB962C8B-B14F-4D97-AF65-F5344CB8AC3E}">
         <p14:creationId xmlns:p14="http://schemas.microsoft.com/office/powerpoint/2010/main" val="1338620743"/>
-      </p:ext>
-    </p:extLst>
-  </p:cSld>
-  <p:clrMapOvr>
-    <a:masterClrMapping/>
-  </p:clrMapOvr>
-  <p:timing>
-    <p:tnLst>
-      <p:par>
-        <p:cTn id="1" dur="indefinite" restart="never" nodeType="tmRoot"/>
-      </p:par>
-    </p:tnLst>
-  </p:timing>
-</p:sld>
-</file>
-
-<file path=ppt/slides/slide8.xml><?xml version="1.0" encoding="utf-8"?>
-<p:sld xmlns:a="http://schemas.openxmlformats.org/drawingml/2006/main" xmlns:r="http://schemas.openxmlformats.org/officeDocument/2006/relationships" xmlns:p="http://schemas.openxmlformats.org/presentationml/2006/main">
-  <p:cSld>
-    <p:spTree>
-      <p:nvGrpSpPr>
-        <p:cNvPr id="1" name=""/>
-        <p:cNvGrpSpPr/>
-        <p:nvPr/>
-      </p:nvGrpSpPr>
-      <p:grpSpPr>
-        <a:xfrm>
-          <a:off x="0" y="0"/>
-          <a:ext cx="0" cy="0"/>
-          <a:chOff x="0" y="0"/>
-          <a:chExt cx="0" cy="0"/>
-        </a:xfrm>
-      </p:grpSpPr>
-      <p:sp>
-        <p:nvSpPr>
-          <p:cNvPr id="2" name="Title 1"/>
-          <p:cNvSpPr>
-            <a:spLocks noGrp="1"/>
-          </p:cNvSpPr>
-          <p:nvPr>
-            <p:ph type="title"/>
-          </p:nvPr>
-        </p:nvSpPr>
-        <p:spPr/>
-        <p:txBody>
-          <a:bodyPr/>
-          <a:lstStyle/>
-          <a:p>
-            <a:r>
-              <a:rPr lang="de-DE" dirty="0" smtClean="0"/>
-              <a:t>Projektergebnis</a:t>
-            </a:r>
-            <a:endParaRPr lang="de-DE" dirty="0"/>
-          </a:p>
-        </p:txBody>
-      </p:sp>
-      <p:sp>
-        <p:nvSpPr>
-          <p:cNvPr id="3" name="Date Placeholder 2"/>
-          <p:cNvSpPr>
-            <a:spLocks noGrp="1"/>
-          </p:cNvSpPr>
-          <p:nvPr>
-            <p:ph type="dt" sz="half" idx="10"/>
-          </p:nvPr>
-        </p:nvSpPr>
-        <p:spPr/>
-        <p:txBody>
-          <a:bodyPr/>
-          <a:lstStyle/>
-          <a:p>
-            <a:fld id="{ECC07F21-0122-44FF-9BB4-230E083EEAEF}" type="datetime1">
-              <a:rPr lang="de-DE" smtClean="0"/>
-              <a:t>09.09.2014</a:t>
-            </a:fld>
-            <a:endParaRPr lang="en-US" dirty="0"/>
-          </a:p>
-        </p:txBody>
-      </p:sp>
-      <p:sp>
-        <p:nvSpPr>
-          <p:cNvPr id="4" name="Footer Placeholder 3"/>
-          <p:cNvSpPr>
-            <a:spLocks noGrp="1"/>
-          </p:cNvSpPr>
-          <p:nvPr>
-            <p:ph type="ftr" sz="quarter" idx="11"/>
-          </p:nvPr>
-        </p:nvSpPr>
-        <p:spPr/>
-        <p:txBody>
-          <a:bodyPr/>
-          <a:lstStyle/>
-          <a:p>
-            <a:r>
-              <a:rPr lang="de-DE" smtClean="0"/>
-              <a:t>Finale präsentation - Studiduell</a:t>
-            </a:r>
-            <a:endParaRPr lang="en-US" dirty="0"/>
-          </a:p>
-        </p:txBody>
-      </p:sp>
-      <p:sp>
-        <p:nvSpPr>
-          <p:cNvPr id="5" name="Slide Number Placeholder 4"/>
-          <p:cNvSpPr>
-            <a:spLocks noGrp="1"/>
-          </p:cNvSpPr>
-          <p:nvPr>
-            <p:ph type="sldNum" sz="quarter" idx="12"/>
-          </p:nvPr>
-        </p:nvSpPr>
-        <p:spPr/>
-        <p:txBody>
-          <a:bodyPr/>
-          <a:lstStyle/>
-          <a:p>
-            <a:fld id="{8700DC42-F920-4CC4-8FDD-7A5A47523AA1}" type="slidenum">
-              <a:rPr lang="en-US" smtClean="0"/>
-              <a:t>8</a:t>
-            </a:fld>
-            <a:endParaRPr lang="en-US"/>
-          </a:p>
-        </p:txBody>
-      </p:sp>
-      <p:graphicFrame>
-        <p:nvGraphicFramePr>
-          <p:cNvPr id="7" name="Diagram 6"/>
-          <p:cNvGraphicFramePr/>
-          <p:nvPr>
-            <p:extLst>
-              <p:ext uri="{D42A27DB-BD31-4B8C-83A1-F6EECF244321}">
-                <p14:modId xmlns:p14="http://schemas.microsoft.com/office/powerpoint/2010/main" val="1856434012"/>
-              </p:ext>
-            </p:extLst>
-          </p:nvPr>
-        </p:nvGraphicFramePr>
-        <p:xfrm>
-          <a:off x="971600" y="1412776"/>
-          <a:ext cx="6840760" cy="4464496"/>
-        </p:xfrm>
-        <a:graphic>
-          <a:graphicData uri="http://schemas.openxmlformats.org/drawingml/2006/diagram">
-            <dgm:relIds xmlns:dgm="http://schemas.openxmlformats.org/drawingml/2006/diagram" xmlns:r="http://schemas.openxmlformats.org/officeDocument/2006/relationships" r:dm="rId3" r:lo="rId4" r:qs="rId5" r:cs="rId6"/>
-          </a:graphicData>
-        </a:graphic>
-      </p:graphicFrame>
-    </p:spTree>
-    <p:extLst>
-      <p:ext uri="{BB962C8B-B14F-4D97-AF65-F5344CB8AC3E}">
-        <p14:creationId xmlns:p14="http://schemas.microsoft.com/office/powerpoint/2010/main" val="4178774446"/>
       </p:ext>
     </p:extLst>
   </p:cSld>

--- a/Documents/Präsentationen/2014.09.16_Finale Präsentation – Projekt Studiduell.pptx
+++ b/Documents/Präsentationen/2014.09.16_Finale Präsentation – Projekt Studiduell.pptx
@@ -125,753 +125,6 @@
 </file>
 
 <file path=ppt/diagrams/colors1.xml><?xml version="1.0" encoding="utf-8"?>
-<dgm:colorsDef xmlns:dgm="http://schemas.openxmlformats.org/drawingml/2006/diagram" xmlns:a="http://schemas.openxmlformats.org/drawingml/2006/main" uniqueId="urn:microsoft.com/office/officeart/2005/8/colors/accent1_2">
-  <dgm:title val=""/>
-  <dgm:desc val=""/>
-  <dgm:catLst>
-    <dgm:cat type="accent1" pri="11200"/>
-  </dgm:catLst>
-  <dgm:styleLbl name="node0">
-    <dgm:fillClrLst meth="repeat">
-      <a:schemeClr val="accent1"/>
-    </dgm:fillClrLst>
-    <dgm:linClrLst meth="repeat">
-      <a:schemeClr val="lt1"/>
-    </dgm:linClrLst>
-    <dgm:effectClrLst/>
-    <dgm:txLinClrLst/>
-    <dgm:txFillClrLst/>
-    <dgm:txEffectClrLst/>
-  </dgm:styleLbl>
-  <dgm:styleLbl name="alignNode1">
-    <dgm:fillClrLst meth="repeat">
-      <a:schemeClr val="accent1"/>
-    </dgm:fillClrLst>
-    <dgm:linClrLst meth="repeat">
-      <a:schemeClr val="accent1"/>
-    </dgm:linClrLst>
-    <dgm:effectClrLst/>
-    <dgm:txLinClrLst/>
-    <dgm:txFillClrLst/>
-    <dgm:txEffectClrLst/>
-  </dgm:styleLbl>
-  <dgm:styleLbl name="node1">
-    <dgm:fillClrLst meth="repeat">
-      <a:schemeClr val="accent1"/>
-    </dgm:fillClrLst>
-    <dgm:linClrLst meth="repeat">
-      <a:schemeClr val="lt1"/>
-    </dgm:linClrLst>
-    <dgm:effectClrLst/>
-    <dgm:txLinClrLst/>
-    <dgm:txFillClrLst/>
-    <dgm:txEffectClrLst/>
-  </dgm:styleLbl>
-  <dgm:styleLbl name="lnNode1">
-    <dgm:fillClrLst meth="repeat">
-      <a:schemeClr val="accent1"/>
-    </dgm:fillClrLst>
-    <dgm:linClrLst meth="repeat">
-      <a:schemeClr val="lt1"/>
-    </dgm:linClrLst>
-    <dgm:effectClrLst/>
-    <dgm:txLinClrLst/>
-    <dgm:txFillClrLst/>
-    <dgm:txEffectClrLst/>
-  </dgm:styleLbl>
-  <dgm:styleLbl name="vennNode1">
-    <dgm:fillClrLst meth="repeat">
-      <a:schemeClr val="accent1">
-        <a:alpha val="50000"/>
-      </a:schemeClr>
-    </dgm:fillClrLst>
-    <dgm:linClrLst meth="repeat">
-      <a:schemeClr val="lt1"/>
-    </dgm:linClrLst>
-    <dgm:effectClrLst/>
-    <dgm:txLinClrLst/>
-    <dgm:txFillClrLst/>
-    <dgm:txEffectClrLst/>
-  </dgm:styleLbl>
-  <dgm:styleLbl name="node2">
-    <dgm:fillClrLst meth="repeat">
-      <a:schemeClr val="accent1"/>
-    </dgm:fillClrLst>
-    <dgm:linClrLst meth="repeat">
-      <a:schemeClr val="lt1"/>
-    </dgm:linClrLst>
-    <dgm:effectClrLst/>
-    <dgm:txLinClrLst/>
-    <dgm:txFillClrLst/>
-    <dgm:txEffectClrLst/>
-  </dgm:styleLbl>
-  <dgm:styleLbl name="node3">
-    <dgm:fillClrLst meth="repeat">
-      <a:schemeClr val="accent1"/>
-    </dgm:fillClrLst>
-    <dgm:linClrLst meth="repeat">
-      <a:schemeClr val="lt1"/>
-    </dgm:linClrLst>
-    <dgm:effectClrLst/>
-    <dgm:txLinClrLst/>
-    <dgm:txFillClrLst/>
-    <dgm:txEffectClrLst/>
-  </dgm:styleLbl>
-  <dgm:styleLbl name="node4">
-    <dgm:fillClrLst meth="repeat">
-      <a:schemeClr val="accent1"/>
-    </dgm:fillClrLst>
-    <dgm:linClrLst meth="repeat">
-      <a:schemeClr val="lt1"/>
-    </dgm:linClrLst>
-    <dgm:effectClrLst/>
-    <dgm:txLinClrLst/>
-    <dgm:txFillClrLst/>
-    <dgm:txEffectClrLst/>
-  </dgm:styleLbl>
-  <dgm:styleLbl name="fgImgPlace1">
-    <dgm:fillClrLst meth="repeat">
-      <a:schemeClr val="accent1">
-        <a:tint val="50000"/>
-      </a:schemeClr>
-    </dgm:fillClrLst>
-    <dgm:linClrLst meth="repeat">
-      <a:schemeClr val="lt1"/>
-    </dgm:linClrLst>
-    <dgm:effectClrLst/>
-    <dgm:txLinClrLst/>
-    <dgm:txFillClrLst meth="repeat">
-      <a:schemeClr val="lt1"/>
-    </dgm:txFillClrLst>
-    <dgm:txEffectClrLst/>
-  </dgm:styleLbl>
-  <dgm:styleLbl name="alignImgPlace1">
-    <dgm:fillClrLst meth="repeat">
-      <a:schemeClr val="accent1">
-        <a:tint val="50000"/>
-      </a:schemeClr>
-    </dgm:fillClrLst>
-    <dgm:linClrLst meth="repeat">
-      <a:schemeClr val="lt1"/>
-    </dgm:linClrLst>
-    <dgm:effectClrLst/>
-    <dgm:txLinClrLst/>
-    <dgm:txFillClrLst meth="repeat">
-      <a:schemeClr val="lt1"/>
-    </dgm:txFillClrLst>
-    <dgm:txEffectClrLst/>
-  </dgm:styleLbl>
-  <dgm:styleLbl name="bgImgPlace1">
-    <dgm:fillClrLst meth="repeat">
-      <a:schemeClr val="accent1">
-        <a:tint val="50000"/>
-      </a:schemeClr>
-    </dgm:fillClrLst>
-    <dgm:linClrLst meth="repeat">
-      <a:schemeClr val="lt1"/>
-    </dgm:linClrLst>
-    <dgm:effectClrLst/>
-    <dgm:txLinClrLst/>
-    <dgm:txFillClrLst meth="repeat">
-      <a:schemeClr val="lt1"/>
-    </dgm:txFillClrLst>
-    <dgm:txEffectClrLst/>
-  </dgm:styleLbl>
-  <dgm:styleLbl name="sibTrans2D1">
-    <dgm:fillClrLst meth="repeat">
-      <a:schemeClr val="accent1">
-        <a:tint val="60000"/>
-      </a:schemeClr>
-    </dgm:fillClrLst>
-    <dgm:linClrLst meth="repeat">
-      <a:schemeClr val="accent1">
-        <a:tint val="60000"/>
-      </a:schemeClr>
-    </dgm:linClrLst>
-    <dgm:effectClrLst/>
-    <dgm:txLinClrLst/>
-    <dgm:txFillClrLst/>
-    <dgm:txEffectClrLst/>
-  </dgm:styleLbl>
-  <dgm:styleLbl name="fgSibTrans2D1">
-    <dgm:fillClrLst meth="repeat">
-      <a:schemeClr val="accent1">
-        <a:tint val="60000"/>
-      </a:schemeClr>
-    </dgm:fillClrLst>
-    <dgm:linClrLst meth="repeat">
-      <a:schemeClr val="accent1">
-        <a:tint val="60000"/>
-      </a:schemeClr>
-    </dgm:linClrLst>
-    <dgm:effectClrLst/>
-    <dgm:txLinClrLst/>
-    <dgm:txFillClrLst/>
-    <dgm:txEffectClrLst/>
-  </dgm:styleLbl>
-  <dgm:styleLbl name="bgSibTrans2D1">
-    <dgm:fillClrLst meth="repeat">
-      <a:schemeClr val="accent1">
-        <a:tint val="60000"/>
-      </a:schemeClr>
-    </dgm:fillClrLst>
-    <dgm:linClrLst meth="repeat">
-      <a:schemeClr val="accent1">
-        <a:tint val="60000"/>
-      </a:schemeClr>
-    </dgm:linClrLst>
-    <dgm:effectClrLst/>
-    <dgm:txLinClrLst/>
-    <dgm:txFillClrLst/>
-    <dgm:txEffectClrLst/>
-  </dgm:styleLbl>
-  <dgm:styleLbl name="sibTrans1D1">
-    <dgm:fillClrLst meth="repeat">
-      <a:schemeClr val="accent1"/>
-    </dgm:fillClrLst>
-    <dgm:linClrLst meth="repeat">
-      <a:schemeClr val="accent1"/>
-    </dgm:linClrLst>
-    <dgm:effectClrLst/>
-    <dgm:txLinClrLst/>
-    <dgm:txFillClrLst meth="repeat">
-      <a:schemeClr val="tx1"/>
-    </dgm:txFillClrLst>
-    <dgm:txEffectClrLst/>
-  </dgm:styleLbl>
-  <dgm:styleLbl name="callout">
-    <dgm:fillClrLst meth="repeat">
-      <a:schemeClr val="accent1"/>
-    </dgm:fillClrLst>
-    <dgm:linClrLst meth="repeat">
-      <a:schemeClr val="accent1">
-        <a:tint val="50000"/>
-      </a:schemeClr>
-    </dgm:linClrLst>
-    <dgm:effectClrLst/>
-    <dgm:txLinClrLst/>
-    <dgm:txFillClrLst meth="repeat">
-      <a:schemeClr val="tx1"/>
-    </dgm:txFillClrLst>
-    <dgm:txEffectClrLst/>
-  </dgm:styleLbl>
-  <dgm:styleLbl name="asst0">
-    <dgm:fillClrLst meth="repeat">
-      <a:schemeClr val="accent1"/>
-    </dgm:fillClrLst>
-    <dgm:linClrLst meth="repeat">
-      <a:schemeClr val="lt1"/>
-    </dgm:linClrLst>
-    <dgm:effectClrLst/>
-    <dgm:txLinClrLst/>
-    <dgm:txFillClrLst/>
-    <dgm:txEffectClrLst/>
-  </dgm:styleLbl>
-  <dgm:styleLbl name="asst1">
-    <dgm:fillClrLst meth="repeat">
-      <a:schemeClr val="accent1"/>
-    </dgm:fillClrLst>
-    <dgm:linClrLst meth="repeat">
-      <a:schemeClr val="lt1"/>
-    </dgm:linClrLst>
-    <dgm:effectClrLst/>
-    <dgm:txLinClrLst/>
-    <dgm:txFillClrLst/>
-    <dgm:txEffectClrLst/>
-  </dgm:styleLbl>
-  <dgm:styleLbl name="asst2">
-    <dgm:fillClrLst meth="repeat">
-      <a:schemeClr val="accent1"/>
-    </dgm:fillClrLst>
-    <dgm:linClrLst meth="repeat">
-      <a:schemeClr val="lt1"/>
-    </dgm:linClrLst>
-    <dgm:effectClrLst/>
-    <dgm:txLinClrLst/>
-    <dgm:txFillClrLst/>
-    <dgm:txEffectClrLst/>
-  </dgm:styleLbl>
-  <dgm:styleLbl name="asst3">
-    <dgm:fillClrLst meth="repeat">
-      <a:schemeClr val="accent1"/>
-    </dgm:fillClrLst>
-    <dgm:linClrLst meth="repeat">
-      <a:schemeClr val="lt1"/>
-    </dgm:linClrLst>
-    <dgm:effectClrLst/>
-    <dgm:txLinClrLst/>
-    <dgm:txFillClrLst/>
-    <dgm:txEffectClrLst/>
-  </dgm:styleLbl>
-  <dgm:styleLbl name="asst4">
-    <dgm:fillClrLst meth="repeat">
-      <a:schemeClr val="accent1"/>
-    </dgm:fillClrLst>
-    <dgm:linClrLst meth="repeat">
-      <a:schemeClr val="lt1"/>
-    </dgm:linClrLst>
-    <dgm:effectClrLst/>
-    <dgm:txLinClrLst/>
-    <dgm:txFillClrLst/>
-    <dgm:txEffectClrLst/>
-  </dgm:styleLbl>
-  <dgm:styleLbl name="parChTrans2D1">
-    <dgm:fillClrLst meth="repeat">
-      <a:schemeClr val="accent1">
-        <a:tint val="60000"/>
-      </a:schemeClr>
-    </dgm:fillClrLst>
-    <dgm:linClrLst meth="repeat">
-      <a:schemeClr val="accent1">
-        <a:tint val="60000"/>
-      </a:schemeClr>
-    </dgm:linClrLst>
-    <dgm:effectClrLst/>
-    <dgm:txLinClrLst/>
-    <dgm:txFillClrLst meth="repeat">
-      <a:schemeClr val="lt1"/>
-    </dgm:txFillClrLst>
-    <dgm:txEffectClrLst/>
-  </dgm:styleLbl>
-  <dgm:styleLbl name="parChTrans2D2">
-    <dgm:fillClrLst meth="repeat">
-      <a:schemeClr val="accent1"/>
-    </dgm:fillClrLst>
-    <dgm:linClrLst meth="repeat">
-      <a:schemeClr val="accent1"/>
-    </dgm:linClrLst>
-    <dgm:effectClrLst/>
-    <dgm:txLinClrLst/>
-    <dgm:txFillClrLst meth="repeat">
-      <a:schemeClr val="lt1"/>
-    </dgm:txFillClrLst>
-    <dgm:txEffectClrLst/>
-  </dgm:styleLbl>
-  <dgm:styleLbl name="parChTrans2D3">
-    <dgm:fillClrLst meth="repeat">
-      <a:schemeClr val="accent1"/>
-    </dgm:fillClrLst>
-    <dgm:linClrLst meth="repeat">
-      <a:schemeClr val="accent1"/>
-    </dgm:linClrLst>
-    <dgm:effectClrLst/>
-    <dgm:txLinClrLst/>
-    <dgm:txFillClrLst meth="repeat">
-      <a:schemeClr val="lt1"/>
-    </dgm:txFillClrLst>
-    <dgm:txEffectClrLst/>
-  </dgm:styleLbl>
-  <dgm:styleLbl name="parChTrans2D4">
-    <dgm:fillClrLst meth="repeat">
-      <a:schemeClr val="accent1"/>
-    </dgm:fillClrLst>
-    <dgm:linClrLst meth="repeat">
-      <a:schemeClr val="accent1"/>
-    </dgm:linClrLst>
-    <dgm:effectClrLst/>
-    <dgm:txLinClrLst/>
-    <dgm:txFillClrLst meth="repeat">
-      <a:schemeClr val="lt1"/>
-    </dgm:txFillClrLst>
-    <dgm:txEffectClrLst/>
-  </dgm:styleLbl>
-  <dgm:styleLbl name="parChTrans1D1">
-    <dgm:fillClrLst meth="repeat">
-      <a:schemeClr val="accent1"/>
-    </dgm:fillClrLst>
-    <dgm:linClrLst meth="repeat">
-      <a:schemeClr val="accent1">
-        <a:shade val="60000"/>
-      </a:schemeClr>
-    </dgm:linClrLst>
-    <dgm:effectClrLst/>
-    <dgm:txLinClrLst/>
-    <dgm:txFillClrLst meth="repeat">
-      <a:schemeClr val="tx1"/>
-    </dgm:txFillClrLst>
-    <dgm:txEffectClrLst/>
-  </dgm:styleLbl>
-  <dgm:styleLbl name="parChTrans1D2">
-    <dgm:fillClrLst meth="repeat">
-      <a:schemeClr val="accent1"/>
-    </dgm:fillClrLst>
-    <dgm:linClrLst meth="repeat">
-      <a:schemeClr val="accent1">
-        <a:shade val="60000"/>
-      </a:schemeClr>
-    </dgm:linClrLst>
-    <dgm:effectClrLst/>
-    <dgm:txLinClrLst/>
-    <dgm:txFillClrLst meth="repeat">
-      <a:schemeClr val="tx1"/>
-    </dgm:txFillClrLst>
-    <dgm:txEffectClrLst/>
-  </dgm:styleLbl>
-  <dgm:styleLbl name="parChTrans1D3">
-    <dgm:fillClrLst meth="repeat">
-      <a:schemeClr val="accent1"/>
-    </dgm:fillClrLst>
-    <dgm:linClrLst meth="repeat">
-      <a:schemeClr val="accent1">
-        <a:shade val="80000"/>
-      </a:schemeClr>
-    </dgm:linClrLst>
-    <dgm:effectClrLst/>
-    <dgm:txLinClrLst/>
-    <dgm:txFillClrLst meth="repeat">
-      <a:schemeClr val="tx1"/>
-    </dgm:txFillClrLst>
-    <dgm:txEffectClrLst/>
-  </dgm:styleLbl>
-  <dgm:styleLbl name="parChTrans1D4">
-    <dgm:fillClrLst meth="repeat">
-      <a:schemeClr val="accent1"/>
-    </dgm:fillClrLst>
-    <dgm:linClrLst meth="repeat">
-      <a:schemeClr val="accent1">
-        <a:shade val="80000"/>
-      </a:schemeClr>
-    </dgm:linClrLst>
-    <dgm:effectClrLst/>
-    <dgm:txLinClrLst/>
-    <dgm:txFillClrLst meth="repeat">
-      <a:schemeClr val="tx1"/>
-    </dgm:txFillClrLst>
-    <dgm:txEffectClrLst/>
-  </dgm:styleLbl>
-  <dgm:styleLbl name="fgAcc1">
-    <dgm:fillClrLst meth="repeat">
-      <a:schemeClr val="lt1">
-        <a:alpha val="90000"/>
-      </a:schemeClr>
-    </dgm:fillClrLst>
-    <dgm:linClrLst meth="repeat">
-      <a:schemeClr val="accent1"/>
-    </dgm:linClrLst>
-    <dgm:effectClrLst/>
-    <dgm:txLinClrLst/>
-    <dgm:txFillClrLst meth="repeat">
-      <a:schemeClr val="dk1"/>
-    </dgm:txFillClrLst>
-    <dgm:txEffectClrLst/>
-  </dgm:styleLbl>
-  <dgm:styleLbl name="conFgAcc1">
-    <dgm:fillClrLst meth="repeat">
-      <a:schemeClr val="lt1">
-        <a:alpha val="90000"/>
-      </a:schemeClr>
-    </dgm:fillClrLst>
-    <dgm:linClrLst meth="repeat">
-      <a:schemeClr val="accent1"/>
-    </dgm:linClrLst>
-    <dgm:effectClrLst/>
-    <dgm:txLinClrLst/>
-    <dgm:txFillClrLst meth="repeat">
-      <a:schemeClr val="dk1"/>
-    </dgm:txFillClrLst>
-    <dgm:txEffectClrLst/>
-  </dgm:styleLbl>
-  <dgm:styleLbl name="alignAcc1">
-    <dgm:fillClrLst meth="repeat">
-      <a:schemeClr val="lt1">
-        <a:alpha val="90000"/>
-      </a:schemeClr>
-    </dgm:fillClrLst>
-    <dgm:linClrLst meth="repeat">
-      <a:schemeClr val="accent1"/>
-    </dgm:linClrLst>
-    <dgm:effectClrLst/>
-    <dgm:txLinClrLst/>
-    <dgm:txFillClrLst meth="repeat">
-      <a:schemeClr val="dk1"/>
-    </dgm:txFillClrLst>
-    <dgm:txEffectClrLst/>
-  </dgm:styleLbl>
-  <dgm:styleLbl name="trAlignAcc1">
-    <dgm:fillClrLst meth="repeat">
-      <a:schemeClr val="lt1">
-        <a:alpha val="40000"/>
-      </a:schemeClr>
-    </dgm:fillClrLst>
-    <dgm:linClrLst meth="repeat">
-      <a:schemeClr val="accent1"/>
-    </dgm:linClrLst>
-    <dgm:effectClrLst/>
-    <dgm:txLinClrLst/>
-    <dgm:txFillClrLst meth="repeat">
-      <a:schemeClr val="dk1"/>
-    </dgm:txFillClrLst>
-    <dgm:txEffectClrLst/>
-  </dgm:styleLbl>
-  <dgm:styleLbl name="bgAcc1">
-    <dgm:fillClrLst meth="repeat">
-      <a:schemeClr val="lt1">
-        <a:alpha val="90000"/>
-      </a:schemeClr>
-    </dgm:fillClrLst>
-    <dgm:linClrLst meth="repeat">
-      <a:schemeClr val="accent1"/>
-    </dgm:linClrLst>
-    <dgm:effectClrLst/>
-    <dgm:txLinClrLst/>
-    <dgm:txFillClrLst meth="repeat">
-      <a:schemeClr val="dk1"/>
-    </dgm:txFillClrLst>
-    <dgm:txEffectClrLst/>
-  </dgm:styleLbl>
-  <dgm:styleLbl name="solidFgAcc1">
-    <dgm:fillClrLst meth="repeat">
-      <a:schemeClr val="lt1"/>
-    </dgm:fillClrLst>
-    <dgm:linClrLst meth="repeat">
-      <a:schemeClr val="accent1"/>
-    </dgm:linClrLst>
-    <dgm:effectClrLst/>
-    <dgm:txLinClrLst/>
-    <dgm:txFillClrLst meth="repeat">
-      <a:schemeClr val="dk1"/>
-    </dgm:txFillClrLst>
-    <dgm:txEffectClrLst/>
-  </dgm:styleLbl>
-  <dgm:styleLbl name="solidAlignAcc1">
-    <dgm:fillClrLst meth="repeat">
-      <a:schemeClr val="lt1"/>
-    </dgm:fillClrLst>
-    <dgm:linClrLst meth="repeat">
-      <a:schemeClr val="accent1"/>
-    </dgm:linClrLst>
-    <dgm:effectClrLst/>
-    <dgm:txLinClrLst/>
-    <dgm:txFillClrLst meth="repeat">
-      <a:schemeClr val="dk1"/>
-    </dgm:txFillClrLst>
-    <dgm:txEffectClrLst/>
-  </dgm:styleLbl>
-  <dgm:styleLbl name="solidBgAcc1">
-    <dgm:fillClrLst meth="repeat">
-      <a:schemeClr val="lt1"/>
-    </dgm:fillClrLst>
-    <dgm:linClrLst meth="repeat">
-      <a:schemeClr val="accent1"/>
-    </dgm:linClrLst>
-    <dgm:effectClrLst/>
-    <dgm:txLinClrLst/>
-    <dgm:txFillClrLst meth="repeat">
-      <a:schemeClr val="dk1"/>
-    </dgm:txFillClrLst>
-    <dgm:txEffectClrLst/>
-  </dgm:styleLbl>
-  <dgm:styleLbl name="fgAccFollowNode1">
-    <dgm:fillClrLst meth="repeat">
-      <a:schemeClr val="accent1">
-        <a:alpha val="90000"/>
-        <a:tint val="40000"/>
-      </a:schemeClr>
-    </dgm:fillClrLst>
-    <dgm:linClrLst meth="repeat">
-      <a:schemeClr val="accent1">
-        <a:alpha val="90000"/>
-        <a:tint val="40000"/>
-      </a:schemeClr>
-    </dgm:linClrLst>
-    <dgm:effectClrLst/>
-    <dgm:txLinClrLst/>
-    <dgm:txFillClrLst meth="repeat">
-      <a:schemeClr val="dk1"/>
-    </dgm:txFillClrLst>
-    <dgm:txEffectClrLst/>
-  </dgm:styleLbl>
-  <dgm:styleLbl name="alignAccFollowNode1">
-    <dgm:fillClrLst meth="repeat">
-      <a:schemeClr val="accent1">
-        <a:alpha val="90000"/>
-        <a:tint val="40000"/>
-      </a:schemeClr>
-    </dgm:fillClrLst>
-    <dgm:linClrLst meth="repeat">
-      <a:schemeClr val="accent1">
-        <a:alpha val="90000"/>
-        <a:tint val="40000"/>
-      </a:schemeClr>
-    </dgm:linClrLst>
-    <dgm:effectClrLst/>
-    <dgm:txLinClrLst/>
-    <dgm:txFillClrLst meth="repeat">
-      <a:schemeClr val="dk1"/>
-    </dgm:txFillClrLst>
-    <dgm:txEffectClrLst/>
-  </dgm:styleLbl>
-  <dgm:styleLbl name="bgAccFollowNode1">
-    <dgm:fillClrLst meth="repeat">
-      <a:schemeClr val="accent1">
-        <a:alpha val="90000"/>
-        <a:tint val="40000"/>
-      </a:schemeClr>
-    </dgm:fillClrLst>
-    <dgm:linClrLst meth="repeat">
-      <a:schemeClr val="accent1">
-        <a:alpha val="90000"/>
-        <a:tint val="40000"/>
-      </a:schemeClr>
-    </dgm:linClrLst>
-    <dgm:effectClrLst/>
-    <dgm:txLinClrLst/>
-    <dgm:txFillClrLst meth="repeat">
-      <a:schemeClr val="dk1"/>
-    </dgm:txFillClrLst>
-    <dgm:txEffectClrLst/>
-  </dgm:styleLbl>
-  <dgm:styleLbl name="fgAcc0">
-    <dgm:fillClrLst meth="repeat">
-      <a:schemeClr val="lt1">
-        <a:alpha val="90000"/>
-      </a:schemeClr>
-    </dgm:fillClrLst>
-    <dgm:linClrLst meth="repeat">
-      <a:schemeClr val="accent1"/>
-    </dgm:linClrLst>
-    <dgm:effectClrLst/>
-    <dgm:txLinClrLst/>
-    <dgm:txFillClrLst meth="repeat">
-      <a:schemeClr val="dk1"/>
-    </dgm:txFillClrLst>
-    <dgm:txEffectClrLst/>
-  </dgm:styleLbl>
-  <dgm:styleLbl name="fgAcc2">
-    <dgm:fillClrLst meth="repeat">
-      <a:schemeClr val="lt1">
-        <a:alpha val="90000"/>
-      </a:schemeClr>
-    </dgm:fillClrLst>
-    <dgm:linClrLst meth="repeat">
-      <a:schemeClr val="accent1"/>
-    </dgm:linClrLst>
-    <dgm:effectClrLst/>
-    <dgm:txLinClrLst/>
-    <dgm:txFillClrLst meth="repeat">
-      <a:schemeClr val="dk1"/>
-    </dgm:txFillClrLst>
-    <dgm:txEffectClrLst/>
-  </dgm:styleLbl>
-  <dgm:styleLbl name="fgAcc3">
-    <dgm:fillClrLst meth="repeat">
-      <a:schemeClr val="lt1">
-        <a:alpha val="90000"/>
-      </a:schemeClr>
-    </dgm:fillClrLst>
-    <dgm:linClrLst meth="repeat">
-      <a:schemeClr val="accent1"/>
-    </dgm:linClrLst>
-    <dgm:effectClrLst/>
-    <dgm:txLinClrLst/>
-    <dgm:txFillClrLst meth="repeat">
-      <a:schemeClr val="dk1"/>
-    </dgm:txFillClrLst>
-    <dgm:txEffectClrLst/>
-  </dgm:styleLbl>
-  <dgm:styleLbl name="fgAcc4">
-    <dgm:fillClrLst meth="repeat">
-      <a:schemeClr val="lt1">
-        <a:alpha val="90000"/>
-      </a:schemeClr>
-    </dgm:fillClrLst>
-    <dgm:linClrLst meth="repeat">
-      <a:schemeClr val="accent1"/>
-    </dgm:linClrLst>
-    <dgm:effectClrLst/>
-    <dgm:txLinClrLst/>
-    <dgm:txFillClrLst meth="repeat">
-      <a:schemeClr val="dk1"/>
-    </dgm:txFillClrLst>
-    <dgm:txEffectClrLst/>
-  </dgm:styleLbl>
-  <dgm:styleLbl name="bgShp">
-    <dgm:fillClrLst meth="repeat">
-      <a:schemeClr val="accent1">
-        <a:tint val="40000"/>
-      </a:schemeClr>
-    </dgm:fillClrLst>
-    <dgm:linClrLst meth="repeat">
-      <a:schemeClr val="accent1"/>
-    </dgm:linClrLst>
-    <dgm:effectClrLst/>
-    <dgm:txLinClrLst/>
-    <dgm:txFillClrLst meth="repeat">
-      <a:schemeClr val="dk1"/>
-    </dgm:txFillClrLst>
-    <dgm:txEffectClrLst/>
-  </dgm:styleLbl>
-  <dgm:styleLbl name="dkBgShp">
-    <dgm:fillClrLst meth="repeat">
-      <a:schemeClr val="accent1">
-        <a:shade val="80000"/>
-      </a:schemeClr>
-    </dgm:fillClrLst>
-    <dgm:linClrLst meth="repeat">
-      <a:schemeClr val="accent1"/>
-    </dgm:linClrLst>
-    <dgm:effectClrLst/>
-    <dgm:txLinClrLst/>
-    <dgm:txFillClrLst meth="repeat">
-      <a:schemeClr val="lt1"/>
-    </dgm:txFillClrLst>
-    <dgm:txEffectClrLst/>
-  </dgm:styleLbl>
-  <dgm:styleLbl name="trBgShp">
-    <dgm:fillClrLst meth="repeat">
-      <a:schemeClr val="accent1">
-        <a:tint val="50000"/>
-        <a:alpha val="40000"/>
-      </a:schemeClr>
-    </dgm:fillClrLst>
-    <dgm:linClrLst meth="repeat">
-      <a:schemeClr val="accent1"/>
-    </dgm:linClrLst>
-    <dgm:effectClrLst/>
-    <dgm:txLinClrLst/>
-    <dgm:txFillClrLst meth="repeat">
-      <a:schemeClr val="lt1"/>
-    </dgm:txFillClrLst>
-    <dgm:txEffectClrLst/>
-  </dgm:styleLbl>
-  <dgm:styleLbl name="fgShp">
-    <dgm:fillClrLst meth="repeat">
-      <a:schemeClr val="accent1">
-        <a:tint val="60000"/>
-      </a:schemeClr>
-    </dgm:fillClrLst>
-    <dgm:linClrLst meth="repeat">
-      <a:schemeClr val="lt1"/>
-    </dgm:linClrLst>
-    <dgm:effectClrLst/>
-    <dgm:txLinClrLst/>
-    <dgm:txFillClrLst meth="repeat">
-      <a:schemeClr val="dk1"/>
-    </dgm:txFillClrLst>
-    <dgm:txEffectClrLst/>
-  </dgm:styleLbl>
-  <dgm:styleLbl name="revTx">
-    <dgm:fillClrLst meth="repeat">
-      <a:schemeClr val="lt1">
-        <a:alpha val="0"/>
-      </a:schemeClr>
-    </dgm:fillClrLst>
-    <dgm:linClrLst meth="repeat">
-      <a:schemeClr val="dk1">
-        <a:alpha val="0"/>
-      </a:schemeClr>
-    </dgm:linClrLst>
-    <dgm:effectClrLst/>
-    <dgm:txLinClrLst/>
-    <dgm:txFillClrLst meth="repeat">
-      <a:schemeClr val="tx1"/>
-    </dgm:txFillClrLst>
-    <dgm:txEffectClrLst/>
-  </dgm:styleLbl>
-</dgm:colorsDef>
-</file>
-
-<file path=ppt/diagrams/colors2.xml><?xml version="1.0" encoding="utf-8"?>
 <dgm:colorsDef xmlns:dgm="http://schemas.openxmlformats.org/drawingml/2006/diagram" xmlns:a="http://schemas.openxmlformats.org/drawingml/2006/main" uniqueId="urn:microsoft.com/office/officeart/2005/8/colors/accent1_2">
   <dgm:title val=""/>
   <dgm:desc val=""/>
@@ -2100,437 +1353,6 @@
 </dgm:dataModel>
 </file>
 
-<file path=ppt/diagrams/data2.xml><?xml version="1.0" encoding="utf-8"?>
-<dgm:dataModel xmlns:dgm="http://schemas.openxmlformats.org/drawingml/2006/diagram" xmlns:a="http://schemas.openxmlformats.org/drawingml/2006/main">
-  <dgm:ptLst>
-    <dgm:pt modelId="{F02220CD-195F-4F70-B795-4DCEB879C7D6}" type="doc">
-      <dgm:prSet loTypeId="urn:microsoft.com/office/officeart/2005/8/layout/default" loCatId="list" qsTypeId="urn:microsoft.com/office/officeart/2005/8/quickstyle/simple5" qsCatId="simple" csTypeId="urn:microsoft.com/office/officeart/2005/8/colors/accent1_2" csCatId="accent1" phldr="1"/>
-      <dgm:spPr/>
-      <dgm:t>
-        <a:bodyPr/>
-        <a:lstStyle/>
-        <a:p>
-          <a:endParaRPr lang="en-US"/>
-        </a:p>
-      </dgm:t>
-    </dgm:pt>
-    <dgm:pt modelId="{7212F558-6C6C-4526-9BA5-0A745D86F318}">
-      <dgm:prSet phldrT="[Text]"/>
-      <dgm:spPr/>
-      <dgm:t>
-        <a:bodyPr/>
-        <a:lstStyle/>
-        <a:p>
-          <a:r>
-            <a:rPr lang="en-US" dirty="0" err="1" smtClean="0"/>
-            <a:t>Zusätzliche</a:t>
-          </a:r>
-          <a:r>
-            <a:rPr lang="en-US" dirty="0" smtClean="0"/>
-            <a:t> </a:t>
-          </a:r>
-          <a:r>
-            <a:rPr lang="en-US" dirty="0" err="1" smtClean="0"/>
-            <a:t>Motivationsfaktoren</a:t>
-          </a:r>
-          <a:endParaRPr lang="en-US" dirty="0"/>
-        </a:p>
-      </dgm:t>
-    </dgm:pt>
-    <dgm:pt modelId="{A023958F-FB7B-485B-AA4A-7F4904AC226E}" type="parTrans" cxnId="{6E4B1942-5803-42D9-A6CD-1E75CA0C572D}">
-      <dgm:prSet/>
-      <dgm:spPr/>
-      <dgm:t>
-        <a:bodyPr/>
-        <a:lstStyle/>
-        <a:p>
-          <a:endParaRPr lang="en-US"/>
-        </a:p>
-      </dgm:t>
-    </dgm:pt>
-    <dgm:pt modelId="{E78D9E37-7BBD-4BC4-932C-1EFDC3B1C908}" type="sibTrans" cxnId="{6E4B1942-5803-42D9-A6CD-1E75CA0C572D}">
-      <dgm:prSet/>
-      <dgm:spPr/>
-      <dgm:t>
-        <a:bodyPr/>
-        <a:lstStyle/>
-        <a:p>
-          <a:endParaRPr lang="en-US"/>
-        </a:p>
-      </dgm:t>
-    </dgm:pt>
-    <dgm:pt modelId="{D0FAC896-BBBC-4343-8875-45A522B13284}">
-      <dgm:prSet phldrT="[Text]"/>
-      <dgm:spPr/>
-      <dgm:t>
-        <a:bodyPr/>
-        <a:lstStyle/>
-        <a:p>
-          <a:r>
-            <a:rPr lang="en-US" dirty="0" err="1" smtClean="0"/>
-            <a:t>Kontinuierliche</a:t>
-          </a:r>
-          <a:r>
-            <a:rPr lang="en-US" dirty="0" smtClean="0"/>
-            <a:t> Integration von Feedback</a:t>
-          </a:r>
-          <a:endParaRPr lang="en-US" dirty="0"/>
-        </a:p>
-      </dgm:t>
-    </dgm:pt>
-    <dgm:pt modelId="{20D62DDF-6633-49E9-A11E-55017B2F8D31}" type="parTrans" cxnId="{DF2E0CA0-E9E3-4DAB-BE30-AAAF1E4F18B1}">
-      <dgm:prSet/>
-      <dgm:spPr/>
-      <dgm:t>
-        <a:bodyPr/>
-        <a:lstStyle/>
-        <a:p>
-          <a:endParaRPr lang="en-US"/>
-        </a:p>
-      </dgm:t>
-    </dgm:pt>
-    <dgm:pt modelId="{0A7503A5-19F2-42C9-BD7A-7136A8FF9C57}" type="sibTrans" cxnId="{DF2E0CA0-E9E3-4DAB-BE30-AAAF1E4F18B1}">
-      <dgm:prSet/>
-      <dgm:spPr/>
-      <dgm:t>
-        <a:bodyPr/>
-        <a:lstStyle/>
-        <a:p>
-          <a:endParaRPr lang="en-US"/>
-        </a:p>
-      </dgm:t>
-    </dgm:pt>
-    <dgm:pt modelId="{BB91052A-CD93-44A9-9AFF-FE0EB946AD44}">
-      <dgm:prSet phldrT="[Text]"/>
-      <dgm:spPr/>
-      <dgm:t>
-        <a:bodyPr/>
-        <a:lstStyle/>
-        <a:p>
-          <a:r>
-            <a:rPr lang="en-US" dirty="0" err="1" smtClean="0"/>
-            <a:t>Nutzergesteuerte</a:t>
-          </a:r>
-          <a:r>
-            <a:rPr lang="en-US" dirty="0" smtClean="0"/>
-            <a:t> </a:t>
-          </a:r>
-          <a:r>
-            <a:rPr lang="en-US" dirty="0" err="1" smtClean="0"/>
-            <a:t>Generierung</a:t>
-          </a:r>
-          <a:r>
-            <a:rPr lang="en-US" dirty="0" smtClean="0"/>
-            <a:t> von </a:t>
-          </a:r>
-          <a:r>
-            <a:rPr lang="en-US" dirty="0" err="1" smtClean="0"/>
-            <a:t>Fragen</a:t>
-          </a:r>
-          <a:endParaRPr lang="en-US" dirty="0"/>
-        </a:p>
-      </dgm:t>
-    </dgm:pt>
-    <dgm:pt modelId="{4AD0F71F-6E77-4BE0-81B5-437BDA658958}" type="parTrans" cxnId="{C4EA32AF-00F9-4386-92E3-E5586B918654}">
-      <dgm:prSet/>
-      <dgm:spPr/>
-      <dgm:t>
-        <a:bodyPr/>
-        <a:lstStyle/>
-        <a:p>
-          <a:endParaRPr lang="en-US"/>
-        </a:p>
-      </dgm:t>
-    </dgm:pt>
-    <dgm:pt modelId="{0511D51D-CBF3-490D-9333-A0F5D350AC02}" type="sibTrans" cxnId="{C4EA32AF-00F9-4386-92E3-E5586B918654}">
-      <dgm:prSet/>
-      <dgm:spPr/>
-      <dgm:t>
-        <a:bodyPr/>
-        <a:lstStyle/>
-        <a:p>
-          <a:endParaRPr lang="en-US"/>
-        </a:p>
-      </dgm:t>
-    </dgm:pt>
-    <dgm:pt modelId="{FC25E710-610A-4428-89DA-156A05D56263}">
-      <dgm:prSet phldrT="[Text]"/>
-      <dgm:spPr/>
-      <dgm:t>
-        <a:bodyPr/>
-        <a:lstStyle/>
-        <a:p>
-          <a:r>
-            <a:rPr lang="en-US" dirty="0" err="1" smtClean="0"/>
-            <a:t>Fortsetzung</a:t>
-          </a:r>
-          <a:r>
-            <a:rPr lang="en-US" dirty="0" smtClean="0"/>
-            <a:t> von Studiduell </a:t>
-          </a:r>
-          <a:r>
-            <a:rPr lang="en-US" dirty="0" err="1" smtClean="0"/>
-            <a:t>durch</a:t>
-          </a:r>
-          <a:r>
-            <a:rPr lang="en-US" dirty="0" smtClean="0"/>
-            <a:t> </a:t>
-          </a:r>
-          <a:r>
-            <a:rPr lang="en-US" dirty="0" err="1" smtClean="0"/>
-            <a:t>regelmäßige</a:t>
-          </a:r>
-          <a:r>
-            <a:rPr lang="en-US" dirty="0" smtClean="0"/>
-            <a:t> </a:t>
-          </a:r>
-          <a:r>
-            <a:rPr lang="en-US" dirty="0" err="1" smtClean="0"/>
-            <a:t>Übergabe</a:t>
-          </a:r>
-          <a:r>
-            <a:rPr lang="en-US" dirty="0" smtClean="0"/>
-            <a:t> </a:t>
-          </a:r>
-          <a:endParaRPr lang="en-US" dirty="0"/>
-        </a:p>
-      </dgm:t>
-    </dgm:pt>
-    <dgm:pt modelId="{635AE1F2-C1A9-48A6-8549-81D56F856214}" type="parTrans" cxnId="{C58F7511-7BBE-4131-9EF0-C501E490EA83}">
-      <dgm:prSet/>
-      <dgm:spPr/>
-      <dgm:t>
-        <a:bodyPr/>
-        <a:lstStyle/>
-        <a:p>
-          <a:endParaRPr lang="en-US"/>
-        </a:p>
-      </dgm:t>
-    </dgm:pt>
-    <dgm:pt modelId="{6BF35E6B-E65D-41D3-9945-C575AE03B9AE}" type="sibTrans" cxnId="{C58F7511-7BBE-4131-9EF0-C501E490EA83}">
-      <dgm:prSet/>
-      <dgm:spPr/>
-      <dgm:t>
-        <a:bodyPr/>
-        <a:lstStyle/>
-        <a:p>
-          <a:endParaRPr lang="en-US"/>
-        </a:p>
-      </dgm:t>
-    </dgm:pt>
-    <dgm:pt modelId="{F837AE0C-899A-492C-A8B6-126C70D60E46}">
-      <dgm:prSet phldrT="[Text]"/>
-      <dgm:spPr/>
-      <dgm:t>
-        <a:bodyPr/>
-        <a:lstStyle/>
-        <a:p>
-          <a:r>
-            <a:rPr lang="en-US" dirty="0" err="1" smtClean="0"/>
-            <a:t>Steigerung</a:t>
-          </a:r>
-          <a:r>
-            <a:rPr lang="en-US" dirty="0" smtClean="0"/>
-            <a:t> des </a:t>
-          </a:r>
-          <a:r>
-            <a:rPr lang="en-US" dirty="0" err="1" smtClean="0"/>
-            <a:t>Bekanntheitsgrades</a:t>
-          </a:r>
-          <a:endParaRPr lang="en-US" dirty="0"/>
-        </a:p>
-      </dgm:t>
-    </dgm:pt>
-    <dgm:pt modelId="{E06DCC9C-162E-4F1F-B9AF-41385687A885}" type="parTrans" cxnId="{9BE26B98-1CC1-4258-803B-870FAB033A0D}">
-      <dgm:prSet/>
-      <dgm:spPr/>
-      <dgm:t>
-        <a:bodyPr/>
-        <a:lstStyle/>
-        <a:p>
-          <a:endParaRPr lang="en-US"/>
-        </a:p>
-      </dgm:t>
-    </dgm:pt>
-    <dgm:pt modelId="{3E023FD0-693E-4875-B110-573D80520944}" type="sibTrans" cxnId="{9BE26B98-1CC1-4258-803B-870FAB033A0D}">
-      <dgm:prSet/>
-      <dgm:spPr/>
-      <dgm:t>
-        <a:bodyPr/>
-        <a:lstStyle/>
-        <a:p>
-          <a:endParaRPr lang="en-US"/>
-        </a:p>
-      </dgm:t>
-    </dgm:pt>
-    <dgm:pt modelId="{22571488-6C65-4418-B332-4B6F484261C5}" type="pres">
-      <dgm:prSet presAssocID="{F02220CD-195F-4F70-B795-4DCEB879C7D6}" presName="diagram" presStyleCnt="0">
-        <dgm:presLayoutVars>
-          <dgm:dir/>
-          <dgm:resizeHandles val="exact"/>
-        </dgm:presLayoutVars>
-      </dgm:prSet>
-      <dgm:spPr/>
-      <dgm:t>
-        <a:bodyPr/>
-        <a:lstStyle/>
-        <a:p>
-          <a:endParaRPr lang="de-DE"/>
-        </a:p>
-      </dgm:t>
-    </dgm:pt>
-    <dgm:pt modelId="{07A42C97-3AE5-4E61-ABA1-81F6A43DDEB9}" type="pres">
-      <dgm:prSet presAssocID="{7212F558-6C6C-4526-9BA5-0A745D86F318}" presName="node" presStyleLbl="node1" presStyleIdx="0" presStyleCnt="5">
-        <dgm:presLayoutVars>
-          <dgm:bulletEnabled val="1"/>
-        </dgm:presLayoutVars>
-      </dgm:prSet>
-      <dgm:spPr/>
-      <dgm:t>
-        <a:bodyPr/>
-        <a:lstStyle/>
-        <a:p>
-          <a:endParaRPr lang="de-DE"/>
-        </a:p>
-      </dgm:t>
-    </dgm:pt>
-    <dgm:pt modelId="{64112997-F5AC-41EA-BF13-4E3D5873E147}" type="pres">
-      <dgm:prSet presAssocID="{E78D9E37-7BBD-4BC4-932C-1EFDC3B1C908}" presName="sibTrans" presStyleCnt="0"/>
-      <dgm:spPr/>
-      <dgm:t>
-        <a:bodyPr/>
-        <a:lstStyle/>
-        <a:p>
-          <a:endParaRPr lang="de-DE"/>
-        </a:p>
-      </dgm:t>
-    </dgm:pt>
-    <dgm:pt modelId="{80955F90-46F8-4436-8C61-4AFF4600EA8D}" type="pres">
-      <dgm:prSet presAssocID="{D0FAC896-BBBC-4343-8875-45A522B13284}" presName="node" presStyleLbl="node1" presStyleIdx="1" presStyleCnt="5">
-        <dgm:presLayoutVars>
-          <dgm:bulletEnabled val="1"/>
-        </dgm:presLayoutVars>
-      </dgm:prSet>
-      <dgm:spPr/>
-      <dgm:t>
-        <a:bodyPr/>
-        <a:lstStyle/>
-        <a:p>
-          <a:endParaRPr lang="de-DE"/>
-        </a:p>
-      </dgm:t>
-    </dgm:pt>
-    <dgm:pt modelId="{EAD13502-AFB5-482C-BE42-DEF06D415C65}" type="pres">
-      <dgm:prSet presAssocID="{0A7503A5-19F2-42C9-BD7A-7136A8FF9C57}" presName="sibTrans" presStyleCnt="0"/>
-      <dgm:spPr/>
-      <dgm:t>
-        <a:bodyPr/>
-        <a:lstStyle/>
-        <a:p>
-          <a:endParaRPr lang="de-DE"/>
-        </a:p>
-      </dgm:t>
-    </dgm:pt>
-    <dgm:pt modelId="{6DDFCB8C-4FA6-4565-9F0D-C9CA1F572AE5}" type="pres">
-      <dgm:prSet presAssocID="{F837AE0C-899A-492C-A8B6-126C70D60E46}" presName="node" presStyleLbl="node1" presStyleIdx="2" presStyleCnt="5">
-        <dgm:presLayoutVars>
-          <dgm:bulletEnabled val="1"/>
-        </dgm:presLayoutVars>
-      </dgm:prSet>
-      <dgm:spPr/>
-      <dgm:t>
-        <a:bodyPr/>
-        <a:lstStyle/>
-        <a:p>
-          <a:endParaRPr lang="en-US"/>
-        </a:p>
-      </dgm:t>
-    </dgm:pt>
-    <dgm:pt modelId="{C94DA24A-C905-48ED-A27C-91F17027E99D}" type="pres">
-      <dgm:prSet presAssocID="{3E023FD0-693E-4875-B110-573D80520944}" presName="sibTrans" presStyleCnt="0"/>
-      <dgm:spPr/>
-      <dgm:t>
-        <a:bodyPr/>
-        <a:lstStyle/>
-        <a:p>
-          <a:endParaRPr lang="de-DE"/>
-        </a:p>
-      </dgm:t>
-    </dgm:pt>
-    <dgm:pt modelId="{A8A46DFC-00DF-40BD-A286-2CEEF4BE5F35}" type="pres">
-      <dgm:prSet presAssocID="{BB91052A-CD93-44A9-9AFF-FE0EB946AD44}" presName="node" presStyleLbl="node1" presStyleIdx="3" presStyleCnt="5">
-        <dgm:presLayoutVars>
-          <dgm:bulletEnabled val="1"/>
-        </dgm:presLayoutVars>
-      </dgm:prSet>
-      <dgm:spPr/>
-      <dgm:t>
-        <a:bodyPr/>
-        <a:lstStyle/>
-        <a:p>
-          <a:endParaRPr lang="de-DE"/>
-        </a:p>
-      </dgm:t>
-    </dgm:pt>
-    <dgm:pt modelId="{DF47CD57-6BC8-4A90-84AD-13F54101661C}" type="pres">
-      <dgm:prSet presAssocID="{0511D51D-CBF3-490D-9333-A0F5D350AC02}" presName="sibTrans" presStyleCnt="0"/>
-      <dgm:spPr/>
-      <dgm:t>
-        <a:bodyPr/>
-        <a:lstStyle/>
-        <a:p>
-          <a:endParaRPr lang="de-DE"/>
-        </a:p>
-      </dgm:t>
-    </dgm:pt>
-    <dgm:pt modelId="{2822AA56-9023-4BBF-9915-C54D2BCD0D96}" type="pres">
-      <dgm:prSet presAssocID="{FC25E710-610A-4428-89DA-156A05D56263}" presName="node" presStyleLbl="node1" presStyleIdx="4" presStyleCnt="5">
-        <dgm:presLayoutVars>
-          <dgm:bulletEnabled val="1"/>
-        </dgm:presLayoutVars>
-      </dgm:prSet>
-      <dgm:spPr/>
-      <dgm:t>
-        <a:bodyPr/>
-        <a:lstStyle/>
-        <a:p>
-          <a:endParaRPr lang="de-DE"/>
-        </a:p>
-      </dgm:t>
-    </dgm:pt>
-  </dgm:ptLst>
-  <dgm:cxnLst>
-    <dgm:cxn modelId="{66B354E3-1F9C-48D7-90AA-1C0BC68C342F}" type="presOf" srcId="{F837AE0C-899A-492C-A8B6-126C70D60E46}" destId="{6DDFCB8C-4FA6-4565-9F0D-C9CA1F572AE5}" srcOrd="0" destOrd="0" presId="urn:microsoft.com/office/officeart/2005/8/layout/default"/>
-    <dgm:cxn modelId="{C4EA32AF-00F9-4386-92E3-E5586B918654}" srcId="{F02220CD-195F-4F70-B795-4DCEB879C7D6}" destId="{BB91052A-CD93-44A9-9AFF-FE0EB946AD44}" srcOrd="3" destOrd="0" parTransId="{4AD0F71F-6E77-4BE0-81B5-437BDA658958}" sibTransId="{0511D51D-CBF3-490D-9333-A0F5D350AC02}"/>
-    <dgm:cxn modelId="{39781B4F-CA2F-43FA-A56A-ED7C56112544}" type="presOf" srcId="{FC25E710-610A-4428-89DA-156A05D56263}" destId="{2822AA56-9023-4BBF-9915-C54D2BCD0D96}" srcOrd="0" destOrd="0" presId="urn:microsoft.com/office/officeart/2005/8/layout/default"/>
-    <dgm:cxn modelId="{4F925F4C-71CF-4814-BEE0-44661076E76C}" type="presOf" srcId="{BB91052A-CD93-44A9-9AFF-FE0EB946AD44}" destId="{A8A46DFC-00DF-40BD-A286-2CEEF4BE5F35}" srcOrd="0" destOrd="0" presId="urn:microsoft.com/office/officeart/2005/8/layout/default"/>
-    <dgm:cxn modelId="{C58F7511-7BBE-4131-9EF0-C501E490EA83}" srcId="{F02220CD-195F-4F70-B795-4DCEB879C7D6}" destId="{FC25E710-610A-4428-89DA-156A05D56263}" srcOrd="4" destOrd="0" parTransId="{635AE1F2-C1A9-48A6-8549-81D56F856214}" sibTransId="{6BF35E6B-E65D-41D3-9945-C575AE03B9AE}"/>
-    <dgm:cxn modelId="{2FA7C27B-15D3-4B42-86A2-DD6C15868C6C}" type="presOf" srcId="{D0FAC896-BBBC-4343-8875-45A522B13284}" destId="{80955F90-46F8-4436-8C61-4AFF4600EA8D}" srcOrd="0" destOrd="0" presId="urn:microsoft.com/office/officeart/2005/8/layout/default"/>
-    <dgm:cxn modelId="{9BE26B98-1CC1-4258-803B-870FAB033A0D}" srcId="{F02220CD-195F-4F70-B795-4DCEB879C7D6}" destId="{F837AE0C-899A-492C-A8B6-126C70D60E46}" srcOrd="2" destOrd="0" parTransId="{E06DCC9C-162E-4F1F-B9AF-41385687A885}" sibTransId="{3E023FD0-693E-4875-B110-573D80520944}"/>
-    <dgm:cxn modelId="{6E4B1942-5803-42D9-A6CD-1E75CA0C572D}" srcId="{F02220CD-195F-4F70-B795-4DCEB879C7D6}" destId="{7212F558-6C6C-4526-9BA5-0A745D86F318}" srcOrd="0" destOrd="0" parTransId="{A023958F-FB7B-485B-AA4A-7F4904AC226E}" sibTransId="{E78D9E37-7BBD-4BC4-932C-1EFDC3B1C908}"/>
-    <dgm:cxn modelId="{CA8A228B-FA19-4E1B-A57D-0B4FB78121DD}" type="presOf" srcId="{F02220CD-195F-4F70-B795-4DCEB879C7D6}" destId="{22571488-6C65-4418-B332-4B6F484261C5}" srcOrd="0" destOrd="0" presId="urn:microsoft.com/office/officeart/2005/8/layout/default"/>
-    <dgm:cxn modelId="{DF2E0CA0-E9E3-4DAB-BE30-AAAF1E4F18B1}" srcId="{F02220CD-195F-4F70-B795-4DCEB879C7D6}" destId="{D0FAC896-BBBC-4343-8875-45A522B13284}" srcOrd="1" destOrd="0" parTransId="{20D62DDF-6633-49E9-A11E-55017B2F8D31}" sibTransId="{0A7503A5-19F2-42C9-BD7A-7136A8FF9C57}"/>
-    <dgm:cxn modelId="{03F6EF4C-5345-47D2-85E7-45604657237B}" type="presOf" srcId="{7212F558-6C6C-4526-9BA5-0A745D86F318}" destId="{07A42C97-3AE5-4E61-ABA1-81F6A43DDEB9}" srcOrd="0" destOrd="0" presId="urn:microsoft.com/office/officeart/2005/8/layout/default"/>
-    <dgm:cxn modelId="{9CD1240E-BD6F-402D-AB2F-DD73C5B10A8A}" type="presParOf" srcId="{22571488-6C65-4418-B332-4B6F484261C5}" destId="{07A42C97-3AE5-4E61-ABA1-81F6A43DDEB9}" srcOrd="0" destOrd="0" presId="urn:microsoft.com/office/officeart/2005/8/layout/default"/>
-    <dgm:cxn modelId="{8CECDC37-1CC1-46DD-9151-FDAB3EF30D56}" type="presParOf" srcId="{22571488-6C65-4418-B332-4B6F484261C5}" destId="{64112997-F5AC-41EA-BF13-4E3D5873E147}" srcOrd="1" destOrd="0" presId="urn:microsoft.com/office/officeart/2005/8/layout/default"/>
-    <dgm:cxn modelId="{1937BFC5-A313-4D8B-A0E8-E5D31C536D00}" type="presParOf" srcId="{22571488-6C65-4418-B332-4B6F484261C5}" destId="{80955F90-46F8-4436-8C61-4AFF4600EA8D}" srcOrd="2" destOrd="0" presId="urn:microsoft.com/office/officeart/2005/8/layout/default"/>
-    <dgm:cxn modelId="{C935A7A5-D557-4052-B013-79D598E82532}" type="presParOf" srcId="{22571488-6C65-4418-B332-4B6F484261C5}" destId="{EAD13502-AFB5-482C-BE42-DEF06D415C65}" srcOrd="3" destOrd="0" presId="urn:microsoft.com/office/officeart/2005/8/layout/default"/>
-    <dgm:cxn modelId="{F7127147-4681-41BB-BC25-A79BD72FA909}" type="presParOf" srcId="{22571488-6C65-4418-B332-4B6F484261C5}" destId="{6DDFCB8C-4FA6-4565-9F0D-C9CA1F572AE5}" srcOrd="4" destOrd="0" presId="urn:microsoft.com/office/officeart/2005/8/layout/default"/>
-    <dgm:cxn modelId="{4EA3C300-49EC-40A4-B195-69BF479C2F06}" type="presParOf" srcId="{22571488-6C65-4418-B332-4B6F484261C5}" destId="{C94DA24A-C905-48ED-A27C-91F17027E99D}" srcOrd="5" destOrd="0" presId="urn:microsoft.com/office/officeart/2005/8/layout/default"/>
-    <dgm:cxn modelId="{EB3F599D-4A95-4D22-9E46-CFA3256892FA}" type="presParOf" srcId="{22571488-6C65-4418-B332-4B6F484261C5}" destId="{A8A46DFC-00DF-40BD-A286-2CEEF4BE5F35}" srcOrd="6" destOrd="0" presId="urn:microsoft.com/office/officeart/2005/8/layout/default"/>
-    <dgm:cxn modelId="{B9299E39-5A08-41E3-855E-1EDA31763982}" type="presParOf" srcId="{22571488-6C65-4418-B332-4B6F484261C5}" destId="{DF47CD57-6BC8-4A90-84AD-13F54101661C}" srcOrd="7" destOrd="0" presId="urn:microsoft.com/office/officeart/2005/8/layout/default"/>
-    <dgm:cxn modelId="{79513513-B7DB-4CAF-B965-9DBBB566354C}" type="presParOf" srcId="{22571488-6C65-4418-B332-4B6F484261C5}" destId="{2822AA56-9023-4BBF-9915-C54D2BCD0D96}" srcOrd="8" destOrd="0" presId="urn:microsoft.com/office/officeart/2005/8/layout/default"/>
-  </dgm:cxnLst>
-  <dgm:bg/>
-  <dgm:whole/>
-  <dgm:extLst>
-    <a:ext uri="http://schemas.microsoft.com/office/drawing/2008/diagram">
-      <dsp:dataModelExt xmlns:dsp="http://schemas.microsoft.com/office/drawing/2008/diagram" relId="rId7" minVer="http://schemas.openxmlformats.org/drawingml/2006/diagram"/>
-    </a:ext>
-  </dgm:extLst>
-</dgm:dataModel>
-</file>
-
 <file path=ppt/diagrams/drawing1.xml><?xml version="1.0" encoding="utf-8"?>
 <dsp:drawing xmlns:dgm="http://schemas.openxmlformats.org/drawingml/2006/diagram" xmlns:dsp="http://schemas.microsoft.com/office/drawing/2008/diagram" xmlns:a="http://schemas.openxmlformats.org/drawingml/2006/main">
   <dsp:spTree>
@@ -3485,607 +2307,6 @@
 </dsp:drawing>
 </file>
 
-<file path=ppt/diagrams/drawing2.xml><?xml version="1.0" encoding="utf-8"?>
-<dsp:drawing xmlns:dgm="http://schemas.openxmlformats.org/drawingml/2006/diagram" xmlns:dsp="http://schemas.microsoft.com/office/drawing/2008/diagram" xmlns:a="http://schemas.openxmlformats.org/drawingml/2006/main">
-  <dsp:spTree>
-    <dsp:nvGrpSpPr>
-      <dsp:cNvPr id="0" name=""/>
-      <dsp:cNvGrpSpPr/>
-    </dsp:nvGrpSpPr>
-    <dsp:grpSpPr/>
-    <dsp:sp modelId="{07A42C97-3AE5-4E61-ABA1-81F6A43DDEB9}">
-      <dsp:nvSpPr>
-        <dsp:cNvPr id="0" name=""/>
-        <dsp:cNvSpPr/>
-      </dsp:nvSpPr>
-      <dsp:spPr>
-        <a:xfrm>
-          <a:off x="0" y="447675"/>
-          <a:ext cx="2476500" cy="1485899"/>
-        </a:xfrm>
-        <a:prstGeom prst="rect">
-          <a:avLst/>
-        </a:prstGeom>
-        <a:gradFill rotWithShape="0">
-          <a:gsLst>
-            <a:gs pos="0">
-              <a:schemeClr val="accent1">
-                <a:hueOff val="0"/>
-                <a:satOff val="0"/>
-                <a:lumOff val="0"/>
-                <a:alphaOff val="0"/>
-                <a:shade val="85000"/>
-              </a:schemeClr>
-            </a:gs>
-            <a:gs pos="100000">
-              <a:schemeClr val="accent1">
-                <a:hueOff val="0"/>
-                <a:satOff val="0"/>
-                <a:lumOff val="0"/>
-                <a:alphaOff val="0"/>
-                <a:tint val="90000"/>
-                <a:alpha val="100000"/>
-                <a:satMod val="200000"/>
-              </a:schemeClr>
-            </a:gs>
-          </a:gsLst>
-          <a:path path="circle">
-            <a:fillToRect l="100000" t="100000" r="100000" b="100000"/>
-          </a:path>
-        </a:gradFill>
-        <a:ln>
-          <a:noFill/>
-        </a:ln>
-        <a:effectLst>
-          <a:outerShdw blurRad="50800" dist="25400" dir="5400000" rotWithShape="0">
-            <a:srgbClr val="000000">
-              <a:alpha val="40000"/>
-            </a:srgbClr>
-          </a:outerShdw>
-        </a:effectLst>
-        <a:scene3d>
-          <a:camera prst="orthographicFront">
-            <a:rot lat="0" lon="0" rev="0"/>
-          </a:camera>
-          <a:lightRig rig="flat" dir="t">
-            <a:rot lat="0" lon="0" rev="3600000"/>
-          </a:lightRig>
-        </a:scene3d>
-        <a:sp3d prstMaterial="flat">
-          <a:bevelT w="34925" h="47625" prst="coolSlant"/>
-        </a:sp3d>
-      </dsp:spPr>
-      <dsp:style>
-        <a:lnRef idx="0">
-          <a:scrgbClr r="0" g="0" b="0"/>
-        </a:lnRef>
-        <a:fillRef idx="3">
-          <a:scrgbClr r="0" g="0" b="0"/>
-        </a:fillRef>
-        <a:effectRef idx="3">
-          <a:scrgbClr r="0" g="0" b="0"/>
-        </a:effectRef>
-        <a:fontRef idx="minor">
-          <a:schemeClr val="lt1"/>
-        </a:fontRef>
-      </dsp:style>
-      <dsp:txBody>
-        <a:bodyPr spcFirstLastPara="0" vert="horz" wrap="square" lIns="91440" tIns="91440" rIns="91440" bIns="91440" numCol="1" spcCol="1270" anchor="ctr" anchorCtr="0">
-          <a:noAutofit/>
-        </a:bodyPr>
-        <a:lstStyle/>
-        <a:p>
-          <a:pPr lvl="0" algn="ctr" defTabSz="1066800">
-            <a:lnSpc>
-              <a:spcPct val="90000"/>
-            </a:lnSpc>
-            <a:spcBef>
-              <a:spcPct val="0"/>
-            </a:spcBef>
-            <a:spcAft>
-              <a:spcPct val="35000"/>
-            </a:spcAft>
-          </a:pPr>
-          <a:r>
-            <a:rPr lang="en-US" sz="2400" kern="1200" dirty="0" err="1" smtClean="0"/>
-            <a:t>Zusätzliche</a:t>
-          </a:r>
-          <a:r>
-            <a:rPr lang="en-US" sz="2400" kern="1200" dirty="0" smtClean="0"/>
-            <a:t> </a:t>
-          </a:r>
-          <a:r>
-            <a:rPr lang="en-US" sz="2400" kern="1200" dirty="0" err="1" smtClean="0"/>
-            <a:t>Motivationsfaktoren</a:t>
-          </a:r>
-          <a:endParaRPr lang="en-US" sz="2400" kern="1200" dirty="0"/>
-        </a:p>
-      </dsp:txBody>
-      <dsp:txXfrm>
-        <a:off x="0" y="447675"/>
-        <a:ext cx="2476500" cy="1485899"/>
-      </dsp:txXfrm>
-    </dsp:sp>
-    <dsp:sp modelId="{80955F90-46F8-4436-8C61-4AFF4600EA8D}">
-      <dsp:nvSpPr>
-        <dsp:cNvPr id="0" name=""/>
-        <dsp:cNvSpPr/>
-      </dsp:nvSpPr>
-      <dsp:spPr>
-        <a:xfrm>
-          <a:off x="2724149" y="447675"/>
-          <a:ext cx="2476500" cy="1485899"/>
-        </a:xfrm>
-        <a:prstGeom prst="rect">
-          <a:avLst/>
-        </a:prstGeom>
-        <a:gradFill rotWithShape="0">
-          <a:gsLst>
-            <a:gs pos="0">
-              <a:schemeClr val="accent1">
-                <a:hueOff val="0"/>
-                <a:satOff val="0"/>
-                <a:lumOff val="0"/>
-                <a:alphaOff val="0"/>
-                <a:shade val="85000"/>
-              </a:schemeClr>
-            </a:gs>
-            <a:gs pos="100000">
-              <a:schemeClr val="accent1">
-                <a:hueOff val="0"/>
-                <a:satOff val="0"/>
-                <a:lumOff val="0"/>
-                <a:alphaOff val="0"/>
-                <a:tint val="90000"/>
-                <a:alpha val="100000"/>
-                <a:satMod val="200000"/>
-              </a:schemeClr>
-            </a:gs>
-          </a:gsLst>
-          <a:path path="circle">
-            <a:fillToRect l="100000" t="100000" r="100000" b="100000"/>
-          </a:path>
-        </a:gradFill>
-        <a:ln>
-          <a:noFill/>
-        </a:ln>
-        <a:effectLst>
-          <a:outerShdw blurRad="50800" dist="25400" dir="5400000" rotWithShape="0">
-            <a:srgbClr val="000000">
-              <a:alpha val="40000"/>
-            </a:srgbClr>
-          </a:outerShdw>
-        </a:effectLst>
-        <a:scene3d>
-          <a:camera prst="orthographicFront">
-            <a:rot lat="0" lon="0" rev="0"/>
-          </a:camera>
-          <a:lightRig rig="flat" dir="t">
-            <a:rot lat="0" lon="0" rev="3600000"/>
-          </a:lightRig>
-        </a:scene3d>
-        <a:sp3d prstMaterial="flat">
-          <a:bevelT w="34925" h="47625" prst="coolSlant"/>
-        </a:sp3d>
-      </dsp:spPr>
-      <dsp:style>
-        <a:lnRef idx="0">
-          <a:scrgbClr r="0" g="0" b="0"/>
-        </a:lnRef>
-        <a:fillRef idx="3">
-          <a:scrgbClr r="0" g="0" b="0"/>
-        </a:fillRef>
-        <a:effectRef idx="3">
-          <a:scrgbClr r="0" g="0" b="0"/>
-        </a:effectRef>
-        <a:fontRef idx="minor">
-          <a:schemeClr val="lt1"/>
-        </a:fontRef>
-      </dsp:style>
-      <dsp:txBody>
-        <a:bodyPr spcFirstLastPara="0" vert="horz" wrap="square" lIns="91440" tIns="91440" rIns="91440" bIns="91440" numCol="1" spcCol="1270" anchor="ctr" anchorCtr="0">
-          <a:noAutofit/>
-        </a:bodyPr>
-        <a:lstStyle/>
-        <a:p>
-          <a:pPr lvl="0" algn="ctr" defTabSz="1066800">
-            <a:lnSpc>
-              <a:spcPct val="90000"/>
-            </a:lnSpc>
-            <a:spcBef>
-              <a:spcPct val="0"/>
-            </a:spcBef>
-            <a:spcAft>
-              <a:spcPct val="35000"/>
-            </a:spcAft>
-          </a:pPr>
-          <a:r>
-            <a:rPr lang="en-US" sz="2400" kern="1200" dirty="0" err="1" smtClean="0"/>
-            <a:t>Kontinuierliche</a:t>
-          </a:r>
-          <a:r>
-            <a:rPr lang="en-US" sz="2400" kern="1200" dirty="0" smtClean="0"/>
-            <a:t> Integration von Feedback</a:t>
-          </a:r>
-          <a:endParaRPr lang="en-US" sz="2400" kern="1200" dirty="0"/>
-        </a:p>
-      </dsp:txBody>
-      <dsp:txXfrm>
-        <a:off x="2724149" y="447675"/>
-        <a:ext cx="2476500" cy="1485899"/>
-      </dsp:txXfrm>
-    </dsp:sp>
-    <dsp:sp modelId="{6DDFCB8C-4FA6-4565-9F0D-C9CA1F572AE5}">
-      <dsp:nvSpPr>
-        <dsp:cNvPr id="0" name=""/>
-        <dsp:cNvSpPr/>
-      </dsp:nvSpPr>
-      <dsp:spPr>
-        <a:xfrm>
-          <a:off x="5448300" y="447675"/>
-          <a:ext cx="2476500" cy="1485899"/>
-        </a:xfrm>
-        <a:prstGeom prst="rect">
-          <a:avLst/>
-        </a:prstGeom>
-        <a:gradFill rotWithShape="0">
-          <a:gsLst>
-            <a:gs pos="0">
-              <a:schemeClr val="accent1">
-                <a:hueOff val="0"/>
-                <a:satOff val="0"/>
-                <a:lumOff val="0"/>
-                <a:alphaOff val="0"/>
-                <a:shade val="85000"/>
-              </a:schemeClr>
-            </a:gs>
-            <a:gs pos="100000">
-              <a:schemeClr val="accent1">
-                <a:hueOff val="0"/>
-                <a:satOff val="0"/>
-                <a:lumOff val="0"/>
-                <a:alphaOff val="0"/>
-                <a:tint val="90000"/>
-                <a:alpha val="100000"/>
-                <a:satMod val="200000"/>
-              </a:schemeClr>
-            </a:gs>
-          </a:gsLst>
-          <a:path path="circle">
-            <a:fillToRect l="100000" t="100000" r="100000" b="100000"/>
-          </a:path>
-        </a:gradFill>
-        <a:ln>
-          <a:noFill/>
-        </a:ln>
-        <a:effectLst>
-          <a:outerShdw blurRad="50800" dist="25400" dir="5400000" rotWithShape="0">
-            <a:srgbClr val="000000">
-              <a:alpha val="40000"/>
-            </a:srgbClr>
-          </a:outerShdw>
-        </a:effectLst>
-        <a:scene3d>
-          <a:camera prst="orthographicFront">
-            <a:rot lat="0" lon="0" rev="0"/>
-          </a:camera>
-          <a:lightRig rig="flat" dir="t">
-            <a:rot lat="0" lon="0" rev="3600000"/>
-          </a:lightRig>
-        </a:scene3d>
-        <a:sp3d prstMaterial="flat">
-          <a:bevelT w="34925" h="47625" prst="coolSlant"/>
-        </a:sp3d>
-      </dsp:spPr>
-      <dsp:style>
-        <a:lnRef idx="0">
-          <a:scrgbClr r="0" g="0" b="0"/>
-        </a:lnRef>
-        <a:fillRef idx="3">
-          <a:scrgbClr r="0" g="0" b="0"/>
-        </a:fillRef>
-        <a:effectRef idx="3">
-          <a:scrgbClr r="0" g="0" b="0"/>
-        </a:effectRef>
-        <a:fontRef idx="minor">
-          <a:schemeClr val="lt1"/>
-        </a:fontRef>
-      </dsp:style>
-      <dsp:txBody>
-        <a:bodyPr spcFirstLastPara="0" vert="horz" wrap="square" lIns="91440" tIns="91440" rIns="91440" bIns="91440" numCol="1" spcCol="1270" anchor="ctr" anchorCtr="0">
-          <a:noAutofit/>
-        </a:bodyPr>
-        <a:lstStyle/>
-        <a:p>
-          <a:pPr lvl="0" algn="ctr" defTabSz="1066800">
-            <a:lnSpc>
-              <a:spcPct val="90000"/>
-            </a:lnSpc>
-            <a:spcBef>
-              <a:spcPct val="0"/>
-            </a:spcBef>
-            <a:spcAft>
-              <a:spcPct val="35000"/>
-            </a:spcAft>
-          </a:pPr>
-          <a:r>
-            <a:rPr lang="en-US" sz="2400" kern="1200" dirty="0" err="1" smtClean="0"/>
-            <a:t>Steigerung</a:t>
-          </a:r>
-          <a:r>
-            <a:rPr lang="en-US" sz="2400" kern="1200" dirty="0" smtClean="0"/>
-            <a:t> des </a:t>
-          </a:r>
-          <a:r>
-            <a:rPr lang="en-US" sz="2400" kern="1200" dirty="0" err="1" smtClean="0"/>
-            <a:t>Bekanntheitsgrades</a:t>
-          </a:r>
-          <a:endParaRPr lang="en-US" sz="2400" kern="1200" dirty="0"/>
-        </a:p>
-      </dsp:txBody>
-      <dsp:txXfrm>
-        <a:off x="5448300" y="447675"/>
-        <a:ext cx="2476500" cy="1485899"/>
-      </dsp:txXfrm>
-    </dsp:sp>
-    <dsp:sp modelId="{A8A46DFC-00DF-40BD-A286-2CEEF4BE5F35}">
-      <dsp:nvSpPr>
-        <dsp:cNvPr id="0" name=""/>
-        <dsp:cNvSpPr/>
-      </dsp:nvSpPr>
-      <dsp:spPr>
-        <a:xfrm>
-          <a:off x="1362074" y="2181225"/>
-          <a:ext cx="2476500" cy="1485899"/>
-        </a:xfrm>
-        <a:prstGeom prst="rect">
-          <a:avLst/>
-        </a:prstGeom>
-        <a:gradFill rotWithShape="0">
-          <a:gsLst>
-            <a:gs pos="0">
-              <a:schemeClr val="accent1">
-                <a:hueOff val="0"/>
-                <a:satOff val="0"/>
-                <a:lumOff val="0"/>
-                <a:alphaOff val="0"/>
-                <a:shade val="85000"/>
-              </a:schemeClr>
-            </a:gs>
-            <a:gs pos="100000">
-              <a:schemeClr val="accent1">
-                <a:hueOff val="0"/>
-                <a:satOff val="0"/>
-                <a:lumOff val="0"/>
-                <a:alphaOff val="0"/>
-                <a:tint val="90000"/>
-                <a:alpha val="100000"/>
-                <a:satMod val="200000"/>
-              </a:schemeClr>
-            </a:gs>
-          </a:gsLst>
-          <a:path path="circle">
-            <a:fillToRect l="100000" t="100000" r="100000" b="100000"/>
-          </a:path>
-        </a:gradFill>
-        <a:ln>
-          <a:noFill/>
-        </a:ln>
-        <a:effectLst>
-          <a:outerShdw blurRad="50800" dist="25400" dir="5400000" rotWithShape="0">
-            <a:srgbClr val="000000">
-              <a:alpha val="40000"/>
-            </a:srgbClr>
-          </a:outerShdw>
-        </a:effectLst>
-        <a:scene3d>
-          <a:camera prst="orthographicFront">
-            <a:rot lat="0" lon="0" rev="0"/>
-          </a:camera>
-          <a:lightRig rig="flat" dir="t">
-            <a:rot lat="0" lon="0" rev="3600000"/>
-          </a:lightRig>
-        </a:scene3d>
-        <a:sp3d prstMaterial="flat">
-          <a:bevelT w="34925" h="47625" prst="coolSlant"/>
-        </a:sp3d>
-      </dsp:spPr>
-      <dsp:style>
-        <a:lnRef idx="0">
-          <a:scrgbClr r="0" g="0" b="0"/>
-        </a:lnRef>
-        <a:fillRef idx="3">
-          <a:scrgbClr r="0" g="0" b="0"/>
-        </a:fillRef>
-        <a:effectRef idx="3">
-          <a:scrgbClr r="0" g="0" b="0"/>
-        </a:effectRef>
-        <a:fontRef idx="minor">
-          <a:schemeClr val="lt1"/>
-        </a:fontRef>
-      </dsp:style>
-      <dsp:txBody>
-        <a:bodyPr spcFirstLastPara="0" vert="horz" wrap="square" lIns="91440" tIns="91440" rIns="91440" bIns="91440" numCol="1" spcCol="1270" anchor="ctr" anchorCtr="0">
-          <a:noAutofit/>
-        </a:bodyPr>
-        <a:lstStyle/>
-        <a:p>
-          <a:pPr lvl="0" algn="ctr" defTabSz="1066800">
-            <a:lnSpc>
-              <a:spcPct val="90000"/>
-            </a:lnSpc>
-            <a:spcBef>
-              <a:spcPct val="0"/>
-            </a:spcBef>
-            <a:spcAft>
-              <a:spcPct val="35000"/>
-            </a:spcAft>
-          </a:pPr>
-          <a:r>
-            <a:rPr lang="en-US" sz="2400" kern="1200" dirty="0" err="1" smtClean="0"/>
-            <a:t>Nutzergesteuerte</a:t>
-          </a:r>
-          <a:r>
-            <a:rPr lang="en-US" sz="2400" kern="1200" dirty="0" smtClean="0"/>
-            <a:t> </a:t>
-          </a:r>
-          <a:r>
-            <a:rPr lang="en-US" sz="2400" kern="1200" dirty="0" err="1" smtClean="0"/>
-            <a:t>Generierung</a:t>
-          </a:r>
-          <a:r>
-            <a:rPr lang="en-US" sz="2400" kern="1200" dirty="0" smtClean="0"/>
-            <a:t> von </a:t>
-          </a:r>
-          <a:r>
-            <a:rPr lang="en-US" sz="2400" kern="1200" dirty="0" err="1" smtClean="0"/>
-            <a:t>Fragen</a:t>
-          </a:r>
-          <a:endParaRPr lang="en-US" sz="2400" kern="1200" dirty="0"/>
-        </a:p>
-      </dsp:txBody>
-      <dsp:txXfrm>
-        <a:off x="1362074" y="2181225"/>
-        <a:ext cx="2476500" cy="1485899"/>
-      </dsp:txXfrm>
-    </dsp:sp>
-    <dsp:sp modelId="{2822AA56-9023-4BBF-9915-C54D2BCD0D96}">
-      <dsp:nvSpPr>
-        <dsp:cNvPr id="0" name=""/>
-        <dsp:cNvSpPr/>
-      </dsp:nvSpPr>
-      <dsp:spPr>
-        <a:xfrm>
-          <a:off x="4086225" y="2181224"/>
-          <a:ext cx="2476500" cy="1485899"/>
-        </a:xfrm>
-        <a:prstGeom prst="rect">
-          <a:avLst/>
-        </a:prstGeom>
-        <a:gradFill rotWithShape="0">
-          <a:gsLst>
-            <a:gs pos="0">
-              <a:schemeClr val="accent1">
-                <a:hueOff val="0"/>
-                <a:satOff val="0"/>
-                <a:lumOff val="0"/>
-                <a:alphaOff val="0"/>
-                <a:shade val="85000"/>
-              </a:schemeClr>
-            </a:gs>
-            <a:gs pos="100000">
-              <a:schemeClr val="accent1">
-                <a:hueOff val="0"/>
-                <a:satOff val="0"/>
-                <a:lumOff val="0"/>
-                <a:alphaOff val="0"/>
-                <a:tint val="90000"/>
-                <a:alpha val="100000"/>
-                <a:satMod val="200000"/>
-              </a:schemeClr>
-            </a:gs>
-          </a:gsLst>
-          <a:path path="circle">
-            <a:fillToRect l="100000" t="100000" r="100000" b="100000"/>
-          </a:path>
-        </a:gradFill>
-        <a:ln>
-          <a:noFill/>
-        </a:ln>
-        <a:effectLst>
-          <a:outerShdw blurRad="50800" dist="25400" dir="5400000" rotWithShape="0">
-            <a:srgbClr val="000000">
-              <a:alpha val="40000"/>
-            </a:srgbClr>
-          </a:outerShdw>
-        </a:effectLst>
-        <a:scene3d>
-          <a:camera prst="orthographicFront">
-            <a:rot lat="0" lon="0" rev="0"/>
-          </a:camera>
-          <a:lightRig rig="flat" dir="t">
-            <a:rot lat="0" lon="0" rev="3600000"/>
-          </a:lightRig>
-        </a:scene3d>
-        <a:sp3d prstMaterial="flat">
-          <a:bevelT w="34925" h="47625" prst="coolSlant"/>
-        </a:sp3d>
-      </dsp:spPr>
-      <dsp:style>
-        <a:lnRef idx="0">
-          <a:scrgbClr r="0" g="0" b="0"/>
-        </a:lnRef>
-        <a:fillRef idx="3">
-          <a:scrgbClr r="0" g="0" b="0"/>
-        </a:fillRef>
-        <a:effectRef idx="3">
-          <a:scrgbClr r="0" g="0" b="0"/>
-        </a:effectRef>
-        <a:fontRef idx="minor">
-          <a:schemeClr val="lt1"/>
-        </a:fontRef>
-      </dsp:style>
-      <dsp:txBody>
-        <a:bodyPr spcFirstLastPara="0" vert="horz" wrap="square" lIns="91440" tIns="91440" rIns="91440" bIns="91440" numCol="1" spcCol="1270" anchor="ctr" anchorCtr="0">
-          <a:noAutofit/>
-        </a:bodyPr>
-        <a:lstStyle/>
-        <a:p>
-          <a:pPr lvl="0" algn="ctr" defTabSz="1066800">
-            <a:lnSpc>
-              <a:spcPct val="90000"/>
-            </a:lnSpc>
-            <a:spcBef>
-              <a:spcPct val="0"/>
-            </a:spcBef>
-            <a:spcAft>
-              <a:spcPct val="35000"/>
-            </a:spcAft>
-          </a:pPr>
-          <a:r>
-            <a:rPr lang="en-US" sz="2400" kern="1200" dirty="0" err="1" smtClean="0"/>
-            <a:t>Fortsetzung</a:t>
-          </a:r>
-          <a:r>
-            <a:rPr lang="en-US" sz="2400" kern="1200" dirty="0" smtClean="0"/>
-            <a:t> von Studiduell </a:t>
-          </a:r>
-          <a:r>
-            <a:rPr lang="en-US" sz="2400" kern="1200" dirty="0" err="1" smtClean="0"/>
-            <a:t>durch</a:t>
-          </a:r>
-          <a:r>
-            <a:rPr lang="en-US" sz="2400" kern="1200" dirty="0" smtClean="0"/>
-            <a:t> </a:t>
-          </a:r>
-          <a:r>
-            <a:rPr lang="en-US" sz="2400" kern="1200" dirty="0" err="1" smtClean="0"/>
-            <a:t>regelmäßige</a:t>
-          </a:r>
-          <a:r>
-            <a:rPr lang="en-US" sz="2400" kern="1200" dirty="0" smtClean="0"/>
-            <a:t> </a:t>
-          </a:r>
-          <a:r>
-            <a:rPr lang="en-US" sz="2400" kern="1200" dirty="0" err="1" smtClean="0"/>
-            <a:t>Übergabe</a:t>
-          </a:r>
-          <a:r>
-            <a:rPr lang="en-US" sz="2400" kern="1200" dirty="0" smtClean="0"/>
-            <a:t> </a:t>
-          </a:r>
-          <a:endParaRPr lang="en-US" sz="2400" kern="1200" dirty="0"/>
-        </a:p>
-      </dsp:txBody>
-      <dsp:txXfrm>
-        <a:off x="4086225" y="2181224"/>
-        <a:ext cx="2476500" cy="1485899"/>
-      </dsp:txXfrm>
-    </dsp:sp>
-  </dsp:spTree>
-</dsp:drawing>
-</file>
-
 <file path=ppt/diagrams/layout1.xml><?xml version="1.0" encoding="utf-8"?>
 <dgm:layoutDef xmlns:dgm="http://schemas.openxmlformats.org/drawingml/2006/diagram" xmlns:a="http://schemas.openxmlformats.org/drawingml/2006/main" uniqueId="urn:microsoft.com/office/officeart/2005/8/layout/cycle6">
   <dgm:title val=""/>
@@ -4295,1188 +2516,7 @@
 </dgm:layoutDef>
 </file>
 
-<file path=ppt/diagrams/layout2.xml><?xml version="1.0" encoding="utf-8"?>
-<dgm:layoutDef xmlns:dgm="http://schemas.openxmlformats.org/drawingml/2006/diagram" xmlns:a="http://schemas.openxmlformats.org/drawingml/2006/main" uniqueId="urn:microsoft.com/office/officeart/2005/8/layout/default">
-  <dgm:title val=""/>
-  <dgm:desc val=""/>
-  <dgm:catLst>
-    <dgm:cat type="list" pri="400"/>
-  </dgm:catLst>
-  <dgm:sampData>
-    <dgm:dataModel>
-      <dgm:ptLst>
-        <dgm:pt modelId="0" type="doc"/>
-        <dgm:pt modelId="1">
-          <dgm:prSet phldr="1"/>
-        </dgm:pt>
-        <dgm:pt modelId="2">
-          <dgm:prSet phldr="1"/>
-        </dgm:pt>
-        <dgm:pt modelId="3">
-          <dgm:prSet phldr="1"/>
-        </dgm:pt>
-        <dgm:pt modelId="4">
-          <dgm:prSet phldr="1"/>
-        </dgm:pt>
-        <dgm:pt modelId="5">
-          <dgm:prSet phldr="1"/>
-        </dgm:pt>
-      </dgm:ptLst>
-      <dgm:cxnLst>
-        <dgm:cxn modelId="6" srcId="0" destId="1" srcOrd="0" destOrd="0"/>
-        <dgm:cxn modelId="7" srcId="0" destId="2" srcOrd="1" destOrd="0"/>
-        <dgm:cxn modelId="8" srcId="0" destId="3" srcOrd="2" destOrd="0"/>
-        <dgm:cxn modelId="9" srcId="0" destId="4" srcOrd="3" destOrd="0"/>
-        <dgm:cxn modelId="10" srcId="0" destId="5" srcOrd="4" destOrd="0"/>
-      </dgm:cxnLst>
-      <dgm:bg/>
-      <dgm:whole/>
-    </dgm:dataModel>
-  </dgm:sampData>
-  <dgm:styleData>
-    <dgm:dataModel>
-      <dgm:ptLst>
-        <dgm:pt modelId="0" type="doc"/>
-        <dgm:pt modelId="1"/>
-        <dgm:pt modelId="2"/>
-      </dgm:ptLst>
-      <dgm:cxnLst>
-        <dgm:cxn modelId="3" srcId="0" destId="1" srcOrd="0" destOrd="0"/>
-        <dgm:cxn modelId="4" srcId="0" destId="2" srcOrd="1" destOrd="0"/>
-      </dgm:cxnLst>
-      <dgm:bg/>
-      <dgm:whole/>
-    </dgm:dataModel>
-  </dgm:styleData>
-  <dgm:clrData>
-    <dgm:dataModel>
-      <dgm:ptLst>
-        <dgm:pt modelId="0" type="doc"/>
-        <dgm:pt modelId="1"/>
-        <dgm:pt modelId="2"/>
-        <dgm:pt modelId="3"/>
-        <dgm:pt modelId="4"/>
-        <dgm:pt modelId="5"/>
-        <dgm:pt modelId="6"/>
-      </dgm:ptLst>
-      <dgm:cxnLst>
-        <dgm:cxn modelId="7" srcId="0" destId="1" srcOrd="0" destOrd="0"/>
-        <dgm:cxn modelId="8" srcId="0" destId="2" srcOrd="1" destOrd="0"/>
-        <dgm:cxn modelId="9" srcId="0" destId="3" srcOrd="2" destOrd="0"/>
-        <dgm:cxn modelId="10" srcId="0" destId="4" srcOrd="3" destOrd="0"/>
-        <dgm:cxn modelId="11" srcId="0" destId="5" srcOrd="4" destOrd="0"/>
-        <dgm:cxn modelId="12" srcId="0" destId="6" srcOrd="5" destOrd="0"/>
-      </dgm:cxnLst>
-      <dgm:bg/>
-      <dgm:whole/>
-    </dgm:dataModel>
-  </dgm:clrData>
-  <dgm:layoutNode name="diagram">
-    <dgm:varLst>
-      <dgm:dir/>
-      <dgm:resizeHandles val="exact"/>
-    </dgm:varLst>
-    <dgm:choose name="Name0">
-      <dgm:if name="Name1" func="var" arg="dir" op="equ" val="norm">
-        <dgm:alg type="snake">
-          <dgm:param type="grDir" val="tL"/>
-          <dgm:param type="flowDir" val="row"/>
-          <dgm:param type="contDir" val="sameDir"/>
-          <dgm:param type="off" val="ctr"/>
-        </dgm:alg>
-      </dgm:if>
-      <dgm:else name="Name2">
-        <dgm:alg type="snake">
-          <dgm:param type="grDir" val="tR"/>
-          <dgm:param type="flowDir" val="row"/>
-          <dgm:param type="contDir" val="sameDir"/>
-          <dgm:param type="off" val="ctr"/>
-        </dgm:alg>
-      </dgm:else>
-    </dgm:choose>
-    <dgm:shape xmlns:r="http://schemas.openxmlformats.org/officeDocument/2006/relationships" r:blip="">
-      <dgm:adjLst/>
-    </dgm:shape>
-    <dgm:presOf/>
-    <dgm:constrLst>
-      <dgm:constr type="w" for="ch" forName="node" refType="w"/>
-      <dgm:constr type="h" for="ch" forName="node" refType="w" refFor="ch" refForName="node" fact="0.6"/>
-      <dgm:constr type="w" for="ch" forName="sibTrans" refType="w" refFor="ch" refForName="node" fact="0.1"/>
-      <dgm:constr type="sp" refType="w" refFor="ch" refForName="sibTrans"/>
-      <dgm:constr type="primFontSz" for="ch" forName="node" op="equ" val="65"/>
-    </dgm:constrLst>
-    <dgm:ruleLst/>
-    <dgm:forEach name="Name3" axis="ch" ptType="node">
-      <dgm:layoutNode name="node">
-        <dgm:varLst>
-          <dgm:bulletEnabled val="1"/>
-        </dgm:varLst>
-        <dgm:alg type="tx"/>
-        <dgm:shape xmlns:r="http://schemas.openxmlformats.org/officeDocument/2006/relationships" type="rect" r:blip="">
-          <dgm:adjLst/>
-        </dgm:shape>
-        <dgm:presOf axis="desOrSelf" ptType="node"/>
-        <dgm:constrLst>
-          <dgm:constr type="lMarg" refType="primFontSz" fact="0.3"/>
-          <dgm:constr type="rMarg" refType="primFontSz" fact="0.3"/>
-          <dgm:constr type="tMarg" refType="primFontSz" fact="0.3"/>
-          <dgm:constr type="bMarg" refType="primFontSz" fact="0.3"/>
-        </dgm:constrLst>
-        <dgm:ruleLst>
-          <dgm:rule type="primFontSz" val="5" fact="NaN" max="NaN"/>
-        </dgm:ruleLst>
-      </dgm:layoutNode>
-      <dgm:forEach name="Name4" axis="followSib" ptType="sibTrans" cnt="1">
-        <dgm:layoutNode name="sibTrans">
-          <dgm:alg type="sp"/>
-          <dgm:shape xmlns:r="http://schemas.openxmlformats.org/officeDocument/2006/relationships" r:blip="">
-            <dgm:adjLst/>
-          </dgm:shape>
-          <dgm:presOf/>
-          <dgm:constrLst/>
-          <dgm:ruleLst/>
-        </dgm:layoutNode>
-      </dgm:forEach>
-    </dgm:forEach>
-  </dgm:layoutNode>
-</dgm:layoutDef>
-</file>
-
 <file path=ppt/diagrams/quickStyle1.xml><?xml version="1.0" encoding="utf-8"?>
-<dgm:styleDef xmlns:dgm="http://schemas.openxmlformats.org/drawingml/2006/diagram" xmlns:a="http://schemas.openxmlformats.org/drawingml/2006/main" uniqueId="urn:microsoft.com/office/officeart/2005/8/quickstyle/simple5">
-  <dgm:title val=""/>
-  <dgm:desc val=""/>
-  <dgm:catLst>
-    <dgm:cat type="simple" pri="10500"/>
-  </dgm:catLst>
-  <dgm:scene3d>
-    <a:camera prst="orthographicFront"/>
-    <a:lightRig rig="threePt" dir="t"/>
-  </dgm:scene3d>
-  <dgm:styleLbl name="node0">
-    <dgm:scene3d>
-      <a:camera prst="orthographicFront"/>
-      <a:lightRig rig="threePt" dir="t"/>
-    </dgm:scene3d>
-    <dgm:sp3d/>
-    <dgm:txPr/>
-    <dgm:style>
-      <a:lnRef idx="0">
-        <a:scrgbClr r="0" g="0" b="0"/>
-      </a:lnRef>
-      <a:fillRef idx="3">
-        <a:scrgbClr r="0" g="0" b="0"/>
-      </a:fillRef>
-      <a:effectRef idx="3">
-        <a:scrgbClr r="0" g="0" b="0"/>
-      </a:effectRef>
-      <a:fontRef idx="minor">
-        <a:schemeClr val="lt1"/>
-      </a:fontRef>
-    </dgm:style>
-  </dgm:styleLbl>
-  <dgm:styleLbl name="lnNode1">
-    <dgm:scene3d>
-      <a:camera prst="orthographicFront"/>
-      <a:lightRig rig="threePt" dir="t"/>
-    </dgm:scene3d>
-    <dgm:sp3d/>
-    <dgm:txPr/>
-    <dgm:style>
-      <a:lnRef idx="0">
-        <a:scrgbClr r="0" g="0" b="0"/>
-      </a:lnRef>
-      <a:fillRef idx="3">
-        <a:scrgbClr r="0" g="0" b="0"/>
-      </a:fillRef>
-      <a:effectRef idx="3">
-        <a:scrgbClr r="0" g="0" b="0"/>
-      </a:effectRef>
-      <a:fontRef idx="minor">
-        <a:schemeClr val="lt1"/>
-      </a:fontRef>
-    </dgm:style>
-  </dgm:styleLbl>
-  <dgm:styleLbl name="vennNode1">
-    <dgm:scene3d>
-      <a:camera prst="orthographicFront"/>
-      <a:lightRig rig="threePt" dir="t"/>
-    </dgm:scene3d>
-    <dgm:sp3d/>
-    <dgm:txPr/>
-    <dgm:style>
-      <a:lnRef idx="0">
-        <a:scrgbClr r="0" g="0" b="0"/>
-      </a:lnRef>
-      <a:fillRef idx="3">
-        <a:scrgbClr r="0" g="0" b="0"/>
-      </a:fillRef>
-      <a:effectRef idx="3">
-        <a:scrgbClr r="0" g="0" b="0"/>
-      </a:effectRef>
-      <a:fontRef idx="minor">
-        <a:schemeClr val="tx1"/>
-      </a:fontRef>
-    </dgm:style>
-  </dgm:styleLbl>
-  <dgm:styleLbl name="alignNode1">
-    <dgm:scene3d>
-      <a:camera prst="orthographicFront"/>
-      <a:lightRig rig="threePt" dir="t"/>
-    </dgm:scene3d>
-    <dgm:sp3d/>
-    <dgm:txPr/>
-    <dgm:style>
-      <a:lnRef idx="1">
-        <a:scrgbClr r="0" g="0" b="0"/>
-      </a:lnRef>
-      <a:fillRef idx="3">
-        <a:scrgbClr r="0" g="0" b="0"/>
-      </a:fillRef>
-      <a:effectRef idx="3">
-        <a:scrgbClr r="0" g="0" b="0"/>
-      </a:effectRef>
-      <a:fontRef idx="minor">
-        <a:schemeClr val="lt1"/>
-      </a:fontRef>
-    </dgm:style>
-  </dgm:styleLbl>
-  <dgm:styleLbl name="node1">
-    <dgm:scene3d>
-      <a:camera prst="orthographicFront"/>
-      <a:lightRig rig="threePt" dir="t"/>
-    </dgm:scene3d>
-    <dgm:sp3d/>
-    <dgm:txPr/>
-    <dgm:style>
-      <a:lnRef idx="0">
-        <a:scrgbClr r="0" g="0" b="0"/>
-      </a:lnRef>
-      <a:fillRef idx="3">
-        <a:scrgbClr r="0" g="0" b="0"/>
-      </a:fillRef>
-      <a:effectRef idx="3">
-        <a:scrgbClr r="0" g="0" b="0"/>
-      </a:effectRef>
-      <a:fontRef idx="minor">
-        <a:schemeClr val="lt1"/>
-      </a:fontRef>
-    </dgm:style>
-  </dgm:styleLbl>
-  <dgm:styleLbl name="node2">
-    <dgm:scene3d>
-      <a:camera prst="orthographicFront"/>
-      <a:lightRig rig="threePt" dir="t"/>
-    </dgm:scene3d>
-    <dgm:sp3d/>
-    <dgm:txPr/>
-    <dgm:style>
-      <a:lnRef idx="0">
-        <a:scrgbClr r="0" g="0" b="0"/>
-      </a:lnRef>
-      <a:fillRef idx="3">
-        <a:scrgbClr r="0" g="0" b="0"/>
-      </a:fillRef>
-      <a:effectRef idx="3">
-        <a:scrgbClr r="0" g="0" b="0"/>
-      </a:effectRef>
-      <a:fontRef idx="minor">
-        <a:schemeClr val="lt1"/>
-      </a:fontRef>
-    </dgm:style>
-  </dgm:styleLbl>
-  <dgm:styleLbl name="node3">
-    <dgm:scene3d>
-      <a:camera prst="orthographicFront"/>
-      <a:lightRig rig="threePt" dir="t"/>
-    </dgm:scene3d>
-    <dgm:sp3d/>
-    <dgm:txPr/>
-    <dgm:style>
-      <a:lnRef idx="0">
-        <a:scrgbClr r="0" g="0" b="0"/>
-      </a:lnRef>
-      <a:fillRef idx="3">
-        <a:scrgbClr r="0" g="0" b="0"/>
-      </a:fillRef>
-      <a:effectRef idx="3">
-        <a:scrgbClr r="0" g="0" b="0"/>
-      </a:effectRef>
-      <a:fontRef idx="minor">
-        <a:schemeClr val="lt1"/>
-      </a:fontRef>
-    </dgm:style>
-  </dgm:styleLbl>
-  <dgm:styleLbl name="node4">
-    <dgm:scene3d>
-      <a:camera prst="orthographicFront"/>
-      <a:lightRig rig="threePt" dir="t"/>
-    </dgm:scene3d>
-    <dgm:sp3d/>
-    <dgm:txPr/>
-    <dgm:style>
-      <a:lnRef idx="0">
-        <a:scrgbClr r="0" g="0" b="0"/>
-      </a:lnRef>
-      <a:fillRef idx="3">
-        <a:scrgbClr r="0" g="0" b="0"/>
-      </a:fillRef>
-      <a:effectRef idx="3">
-        <a:scrgbClr r="0" g="0" b="0"/>
-      </a:effectRef>
-      <a:fontRef idx="minor">
-        <a:schemeClr val="lt1"/>
-      </a:fontRef>
-    </dgm:style>
-  </dgm:styleLbl>
-  <dgm:styleLbl name="fgImgPlace1">
-    <dgm:scene3d>
-      <a:camera prst="orthographicFront"/>
-      <a:lightRig rig="threePt" dir="t"/>
-    </dgm:scene3d>
-    <dgm:sp3d/>
-    <dgm:txPr/>
-    <dgm:style>
-      <a:lnRef idx="0">
-        <a:scrgbClr r="0" g="0" b="0"/>
-      </a:lnRef>
-      <a:fillRef idx="1">
-        <a:scrgbClr r="0" g="0" b="0"/>
-      </a:fillRef>
-      <a:effectRef idx="3">
-        <a:scrgbClr r="0" g="0" b="0"/>
-      </a:effectRef>
-      <a:fontRef idx="minor"/>
-    </dgm:style>
-  </dgm:styleLbl>
-  <dgm:styleLbl name="alignImgPlace1">
-    <dgm:scene3d>
-      <a:camera prst="orthographicFront"/>
-      <a:lightRig rig="threePt" dir="t"/>
-    </dgm:scene3d>
-    <dgm:sp3d/>
-    <dgm:txPr/>
-    <dgm:style>
-      <a:lnRef idx="0">
-        <a:scrgbClr r="0" g="0" b="0"/>
-      </a:lnRef>
-      <a:fillRef idx="1">
-        <a:scrgbClr r="0" g="0" b="0"/>
-      </a:fillRef>
-      <a:effectRef idx="3">
-        <a:scrgbClr r="0" g="0" b="0"/>
-      </a:effectRef>
-      <a:fontRef idx="minor"/>
-    </dgm:style>
-  </dgm:styleLbl>
-  <dgm:styleLbl name="bgImgPlace1">
-    <dgm:scene3d>
-      <a:camera prst="orthographicFront"/>
-      <a:lightRig rig="threePt" dir="t"/>
-    </dgm:scene3d>
-    <dgm:sp3d/>
-    <dgm:txPr/>
-    <dgm:style>
-      <a:lnRef idx="0">
-        <a:scrgbClr r="0" g="0" b="0"/>
-      </a:lnRef>
-      <a:fillRef idx="1">
-        <a:scrgbClr r="0" g="0" b="0"/>
-      </a:fillRef>
-      <a:effectRef idx="3">
-        <a:scrgbClr r="0" g="0" b="0"/>
-      </a:effectRef>
-      <a:fontRef idx="minor"/>
-    </dgm:style>
-  </dgm:styleLbl>
-  <dgm:styleLbl name="sibTrans2D1">
-    <dgm:scene3d>
-      <a:camera prst="orthographicFront"/>
-      <a:lightRig rig="threePt" dir="t"/>
-    </dgm:scene3d>
-    <dgm:sp3d/>
-    <dgm:txPr/>
-    <dgm:style>
-      <a:lnRef idx="0">
-        <a:scrgbClr r="0" g="0" b="0"/>
-      </a:lnRef>
-      <a:fillRef idx="3">
-        <a:scrgbClr r="0" g="0" b="0"/>
-      </a:fillRef>
-      <a:effectRef idx="3">
-        <a:scrgbClr r="0" g="0" b="0"/>
-      </a:effectRef>
-      <a:fontRef idx="minor">
-        <a:schemeClr val="lt1"/>
-      </a:fontRef>
-    </dgm:style>
-  </dgm:styleLbl>
-  <dgm:styleLbl name="fgSibTrans2D1">
-    <dgm:scene3d>
-      <a:camera prst="orthographicFront"/>
-      <a:lightRig rig="threePt" dir="t"/>
-    </dgm:scene3d>
-    <dgm:sp3d/>
-    <dgm:txPr/>
-    <dgm:style>
-      <a:lnRef idx="0">
-        <a:scrgbClr r="0" g="0" b="0"/>
-      </a:lnRef>
-      <a:fillRef idx="3">
-        <a:scrgbClr r="0" g="0" b="0"/>
-      </a:fillRef>
-      <a:effectRef idx="3">
-        <a:scrgbClr r="0" g="0" b="0"/>
-      </a:effectRef>
-      <a:fontRef idx="minor">
-        <a:schemeClr val="lt1"/>
-      </a:fontRef>
-    </dgm:style>
-  </dgm:styleLbl>
-  <dgm:styleLbl name="bgSibTrans2D1">
-    <dgm:scene3d>
-      <a:camera prst="orthographicFront"/>
-      <a:lightRig rig="threePt" dir="t"/>
-    </dgm:scene3d>
-    <dgm:sp3d/>
-    <dgm:txPr/>
-    <dgm:style>
-      <a:lnRef idx="0">
-        <a:scrgbClr r="0" g="0" b="0"/>
-      </a:lnRef>
-      <a:fillRef idx="3">
-        <a:scrgbClr r="0" g="0" b="0"/>
-      </a:fillRef>
-      <a:effectRef idx="3">
-        <a:scrgbClr r="0" g="0" b="0"/>
-      </a:effectRef>
-      <a:fontRef idx="minor">
-        <a:schemeClr val="lt1"/>
-      </a:fontRef>
-    </dgm:style>
-  </dgm:styleLbl>
-  <dgm:styleLbl name="sibTrans1D1">
-    <dgm:scene3d>
-      <a:camera prst="orthographicFront"/>
-      <a:lightRig rig="threePt" dir="t"/>
-    </dgm:scene3d>
-    <dgm:sp3d/>
-    <dgm:txPr/>
-    <dgm:style>
-      <a:lnRef idx="1">
-        <a:scrgbClr r="0" g="0" b="0"/>
-      </a:lnRef>
-      <a:fillRef idx="0">
-        <a:scrgbClr r="0" g="0" b="0"/>
-      </a:fillRef>
-      <a:effectRef idx="0">
-        <a:scrgbClr r="0" g="0" b="0"/>
-      </a:effectRef>
-      <a:fontRef idx="minor"/>
-    </dgm:style>
-  </dgm:styleLbl>
-  <dgm:styleLbl name="callout">
-    <dgm:scene3d>
-      <a:camera prst="orthographicFront"/>
-      <a:lightRig rig="threePt" dir="t"/>
-    </dgm:scene3d>
-    <dgm:sp3d/>
-    <dgm:txPr/>
-    <dgm:style>
-      <a:lnRef idx="1">
-        <a:scrgbClr r="0" g="0" b="0"/>
-      </a:lnRef>
-      <a:fillRef idx="0">
-        <a:scrgbClr r="0" g="0" b="0"/>
-      </a:fillRef>
-      <a:effectRef idx="1">
-        <a:scrgbClr r="0" g="0" b="0"/>
-      </a:effectRef>
-      <a:fontRef idx="minor"/>
-    </dgm:style>
-  </dgm:styleLbl>
-  <dgm:styleLbl name="asst0">
-    <dgm:scene3d>
-      <a:camera prst="orthographicFront"/>
-      <a:lightRig rig="threePt" dir="t"/>
-    </dgm:scene3d>
-    <dgm:sp3d/>
-    <dgm:txPr/>
-    <dgm:style>
-      <a:lnRef idx="0">
-        <a:scrgbClr r="0" g="0" b="0"/>
-      </a:lnRef>
-      <a:fillRef idx="3">
-        <a:scrgbClr r="0" g="0" b="0"/>
-      </a:fillRef>
-      <a:effectRef idx="3">
-        <a:scrgbClr r="0" g="0" b="0"/>
-      </a:effectRef>
-      <a:fontRef idx="minor">
-        <a:schemeClr val="lt1"/>
-      </a:fontRef>
-    </dgm:style>
-  </dgm:styleLbl>
-  <dgm:styleLbl name="asst1">
-    <dgm:scene3d>
-      <a:camera prst="orthographicFront"/>
-      <a:lightRig rig="threePt" dir="t"/>
-    </dgm:scene3d>
-    <dgm:sp3d/>
-    <dgm:txPr/>
-    <dgm:style>
-      <a:lnRef idx="0">
-        <a:scrgbClr r="0" g="0" b="0"/>
-      </a:lnRef>
-      <a:fillRef idx="3">
-        <a:scrgbClr r="0" g="0" b="0"/>
-      </a:fillRef>
-      <a:effectRef idx="3">
-        <a:scrgbClr r="0" g="0" b="0"/>
-      </a:effectRef>
-      <a:fontRef idx="minor">
-        <a:schemeClr val="lt1"/>
-      </a:fontRef>
-    </dgm:style>
-  </dgm:styleLbl>
-  <dgm:styleLbl name="asst2">
-    <dgm:scene3d>
-      <a:camera prst="orthographicFront"/>
-      <a:lightRig rig="threePt" dir="t"/>
-    </dgm:scene3d>
-    <dgm:sp3d/>
-    <dgm:txPr/>
-    <dgm:style>
-      <a:lnRef idx="0">
-        <a:scrgbClr r="0" g="0" b="0"/>
-      </a:lnRef>
-      <a:fillRef idx="3">
-        <a:scrgbClr r="0" g="0" b="0"/>
-      </a:fillRef>
-      <a:effectRef idx="3">
-        <a:scrgbClr r="0" g="0" b="0"/>
-      </a:effectRef>
-      <a:fontRef idx="minor">
-        <a:schemeClr val="lt1"/>
-      </a:fontRef>
-    </dgm:style>
-  </dgm:styleLbl>
-  <dgm:styleLbl name="asst3">
-    <dgm:scene3d>
-      <a:camera prst="orthographicFront"/>
-      <a:lightRig rig="threePt" dir="t"/>
-    </dgm:scene3d>
-    <dgm:sp3d/>
-    <dgm:txPr/>
-    <dgm:style>
-      <a:lnRef idx="0">
-        <a:scrgbClr r="0" g="0" b="0"/>
-      </a:lnRef>
-      <a:fillRef idx="3">
-        <a:scrgbClr r="0" g="0" b="0"/>
-      </a:fillRef>
-      <a:effectRef idx="3">
-        <a:scrgbClr r="0" g="0" b="0"/>
-      </a:effectRef>
-      <a:fontRef idx="minor">
-        <a:schemeClr val="lt1"/>
-      </a:fontRef>
-    </dgm:style>
-  </dgm:styleLbl>
-  <dgm:styleLbl name="asst4">
-    <dgm:scene3d>
-      <a:camera prst="orthographicFront"/>
-      <a:lightRig rig="threePt" dir="t"/>
-    </dgm:scene3d>
-    <dgm:sp3d/>
-    <dgm:txPr/>
-    <dgm:style>
-      <a:lnRef idx="0">
-        <a:scrgbClr r="0" g="0" b="0"/>
-      </a:lnRef>
-      <a:fillRef idx="3">
-        <a:scrgbClr r="0" g="0" b="0"/>
-      </a:fillRef>
-      <a:effectRef idx="3">
-        <a:scrgbClr r="0" g="0" b="0"/>
-      </a:effectRef>
-      <a:fontRef idx="minor">
-        <a:schemeClr val="lt1"/>
-      </a:fontRef>
-    </dgm:style>
-  </dgm:styleLbl>
-  <dgm:styleLbl name="parChTrans2D1">
-    <dgm:scene3d>
-      <a:camera prst="orthographicFront"/>
-      <a:lightRig rig="threePt" dir="t"/>
-    </dgm:scene3d>
-    <dgm:sp3d/>
-    <dgm:txPr/>
-    <dgm:style>
-      <a:lnRef idx="0">
-        <a:scrgbClr r="0" g="0" b="0"/>
-      </a:lnRef>
-      <a:fillRef idx="3">
-        <a:scrgbClr r="0" g="0" b="0"/>
-      </a:fillRef>
-      <a:effectRef idx="3">
-        <a:scrgbClr r="0" g="0" b="0"/>
-      </a:effectRef>
-      <a:fontRef idx="minor">
-        <a:schemeClr val="lt1"/>
-      </a:fontRef>
-    </dgm:style>
-  </dgm:styleLbl>
-  <dgm:styleLbl name="parChTrans2D2">
-    <dgm:scene3d>
-      <a:camera prst="orthographicFront"/>
-      <a:lightRig rig="threePt" dir="t"/>
-    </dgm:scene3d>
-    <dgm:sp3d/>
-    <dgm:txPr/>
-    <dgm:style>
-      <a:lnRef idx="0">
-        <a:scrgbClr r="0" g="0" b="0"/>
-      </a:lnRef>
-      <a:fillRef idx="3">
-        <a:scrgbClr r="0" g="0" b="0"/>
-      </a:fillRef>
-      <a:effectRef idx="3">
-        <a:scrgbClr r="0" g="0" b="0"/>
-      </a:effectRef>
-      <a:fontRef idx="minor">
-        <a:schemeClr val="lt1"/>
-      </a:fontRef>
-    </dgm:style>
-  </dgm:styleLbl>
-  <dgm:styleLbl name="parChTrans2D3">
-    <dgm:scene3d>
-      <a:camera prst="orthographicFront"/>
-      <a:lightRig rig="threePt" dir="t"/>
-    </dgm:scene3d>
-    <dgm:sp3d/>
-    <dgm:txPr/>
-    <dgm:style>
-      <a:lnRef idx="0">
-        <a:scrgbClr r="0" g="0" b="0"/>
-      </a:lnRef>
-      <a:fillRef idx="3">
-        <a:scrgbClr r="0" g="0" b="0"/>
-      </a:fillRef>
-      <a:effectRef idx="3">
-        <a:scrgbClr r="0" g="0" b="0"/>
-      </a:effectRef>
-      <a:fontRef idx="minor">
-        <a:schemeClr val="lt1"/>
-      </a:fontRef>
-    </dgm:style>
-  </dgm:styleLbl>
-  <dgm:styleLbl name="parChTrans2D4">
-    <dgm:scene3d>
-      <a:camera prst="orthographicFront"/>
-      <a:lightRig rig="threePt" dir="t"/>
-    </dgm:scene3d>
-    <dgm:sp3d/>
-    <dgm:txPr/>
-    <dgm:style>
-      <a:lnRef idx="0">
-        <a:scrgbClr r="0" g="0" b="0"/>
-      </a:lnRef>
-      <a:fillRef idx="3">
-        <a:scrgbClr r="0" g="0" b="0"/>
-      </a:fillRef>
-      <a:effectRef idx="3">
-        <a:scrgbClr r="0" g="0" b="0"/>
-      </a:effectRef>
-      <a:fontRef idx="minor">
-        <a:schemeClr val="lt1"/>
-      </a:fontRef>
-    </dgm:style>
-  </dgm:styleLbl>
-  <dgm:styleLbl name="parChTrans1D1">
-    <dgm:scene3d>
-      <a:camera prst="orthographicFront"/>
-      <a:lightRig rig="threePt" dir="t"/>
-    </dgm:scene3d>
-    <dgm:sp3d/>
-    <dgm:txPr/>
-    <dgm:style>
-      <a:lnRef idx="2">
-        <a:scrgbClr r="0" g="0" b="0"/>
-      </a:lnRef>
-      <a:fillRef idx="0">
-        <a:scrgbClr r="0" g="0" b="0"/>
-      </a:fillRef>
-      <a:effectRef idx="0">
-        <a:scrgbClr r="0" g="0" b="0"/>
-      </a:effectRef>
-      <a:fontRef idx="minor"/>
-    </dgm:style>
-  </dgm:styleLbl>
-  <dgm:styleLbl name="parChTrans1D2">
-    <dgm:scene3d>
-      <a:camera prst="orthographicFront"/>
-      <a:lightRig rig="threePt" dir="t"/>
-    </dgm:scene3d>
-    <dgm:sp3d/>
-    <dgm:txPr/>
-    <dgm:style>
-      <a:lnRef idx="2">
-        <a:scrgbClr r="0" g="0" b="0"/>
-      </a:lnRef>
-      <a:fillRef idx="0">
-        <a:scrgbClr r="0" g="0" b="0"/>
-      </a:fillRef>
-      <a:effectRef idx="0">
-        <a:scrgbClr r="0" g="0" b="0"/>
-      </a:effectRef>
-      <a:fontRef idx="minor"/>
-    </dgm:style>
-  </dgm:styleLbl>
-  <dgm:styleLbl name="parChTrans1D3">
-    <dgm:scene3d>
-      <a:camera prst="orthographicFront"/>
-      <a:lightRig rig="threePt" dir="t"/>
-    </dgm:scene3d>
-    <dgm:sp3d/>
-    <dgm:txPr/>
-    <dgm:style>
-      <a:lnRef idx="2">
-        <a:scrgbClr r="0" g="0" b="0"/>
-      </a:lnRef>
-      <a:fillRef idx="0">
-        <a:scrgbClr r="0" g="0" b="0"/>
-      </a:fillRef>
-      <a:effectRef idx="0">
-        <a:scrgbClr r="0" g="0" b="0"/>
-      </a:effectRef>
-      <a:fontRef idx="minor"/>
-    </dgm:style>
-  </dgm:styleLbl>
-  <dgm:styleLbl name="parChTrans1D4">
-    <dgm:scene3d>
-      <a:camera prst="orthographicFront"/>
-      <a:lightRig rig="threePt" dir="t"/>
-    </dgm:scene3d>
-    <dgm:sp3d/>
-    <dgm:txPr/>
-    <dgm:style>
-      <a:lnRef idx="2">
-        <a:scrgbClr r="0" g="0" b="0"/>
-      </a:lnRef>
-      <a:fillRef idx="0">
-        <a:scrgbClr r="0" g="0" b="0"/>
-      </a:fillRef>
-      <a:effectRef idx="0">
-        <a:scrgbClr r="0" g="0" b="0"/>
-      </a:effectRef>
-      <a:fontRef idx="minor"/>
-    </dgm:style>
-  </dgm:styleLbl>
-  <dgm:styleLbl name="fgAcc1">
-    <dgm:scene3d>
-      <a:camera prst="orthographicFront"/>
-      <a:lightRig rig="threePt" dir="t"/>
-    </dgm:scene3d>
-    <dgm:sp3d/>
-    <dgm:txPr/>
-    <dgm:style>
-      <a:lnRef idx="1">
-        <a:scrgbClr r="0" g="0" b="0"/>
-      </a:lnRef>
-      <a:fillRef idx="1">
-        <a:scrgbClr r="0" g="0" b="0"/>
-      </a:fillRef>
-      <a:effectRef idx="2">
-        <a:scrgbClr r="0" g="0" b="0"/>
-      </a:effectRef>
-      <a:fontRef idx="minor"/>
-    </dgm:style>
-  </dgm:styleLbl>
-  <dgm:styleLbl name="conFgAcc1">
-    <dgm:scene3d>
-      <a:camera prst="orthographicFront"/>
-      <a:lightRig rig="threePt" dir="t"/>
-    </dgm:scene3d>
-    <dgm:sp3d/>
-    <dgm:txPr/>
-    <dgm:style>
-      <a:lnRef idx="1">
-        <a:scrgbClr r="0" g="0" b="0"/>
-      </a:lnRef>
-      <a:fillRef idx="1">
-        <a:scrgbClr r="0" g="0" b="0"/>
-      </a:fillRef>
-      <a:effectRef idx="2">
-        <a:scrgbClr r="0" g="0" b="0"/>
-      </a:effectRef>
-      <a:fontRef idx="minor"/>
-    </dgm:style>
-  </dgm:styleLbl>
-  <dgm:styleLbl name="alignAcc1">
-    <dgm:scene3d>
-      <a:camera prst="orthographicFront"/>
-      <a:lightRig rig="threePt" dir="t"/>
-    </dgm:scene3d>
-    <dgm:sp3d/>
-    <dgm:txPr/>
-    <dgm:style>
-      <a:lnRef idx="1">
-        <a:scrgbClr r="0" g="0" b="0"/>
-      </a:lnRef>
-      <a:fillRef idx="1">
-        <a:scrgbClr r="0" g="0" b="0"/>
-      </a:fillRef>
-      <a:effectRef idx="2">
-        <a:scrgbClr r="0" g="0" b="0"/>
-      </a:effectRef>
-      <a:fontRef idx="minor"/>
-    </dgm:style>
-  </dgm:styleLbl>
-  <dgm:styleLbl name="trAlignAcc1">
-    <dgm:scene3d>
-      <a:camera prst="orthographicFront"/>
-      <a:lightRig rig="threePt" dir="t"/>
-    </dgm:scene3d>
-    <dgm:sp3d/>
-    <dgm:txPr/>
-    <dgm:style>
-      <a:lnRef idx="1">
-        <a:scrgbClr r="0" g="0" b="0"/>
-      </a:lnRef>
-      <a:fillRef idx="1">
-        <a:scrgbClr r="0" g="0" b="0"/>
-      </a:fillRef>
-      <a:effectRef idx="0">
-        <a:scrgbClr r="0" g="0" b="0"/>
-      </a:effectRef>
-      <a:fontRef idx="minor"/>
-    </dgm:style>
-  </dgm:styleLbl>
-  <dgm:styleLbl name="bgAcc1">
-    <dgm:scene3d>
-      <a:camera prst="orthographicFront"/>
-      <a:lightRig rig="threePt" dir="t"/>
-    </dgm:scene3d>
-    <dgm:sp3d/>
-    <dgm:txPr/>
-    <dgm:style>
-      <a:lnRef idx="1">
-        <a:scrgbClr r="0" g="0" b="0"/>
-      </a:lnRef>
-      <a:fillRef idx="1">
-        <a:scrgbClr r="0" g="0" b="0"/>
-      </a:fillRef>
-      <a:effectRef idx="2">
-        <a:scrgbClr r="0" g="0" b="0"/>
-      </a:effectRef>
-      <a:fontRef idx="minor"/>
-    </dgm:style>
-  </dgm:styleLbl>
-  <dgm:styleLbl name="solidFgAcc1">
-    <dgm:scene3d>
-      <a:camera prst="orthographicFront"/>
-      <a:lightRig rig="threePt" dir="t"/>
-    </dgm:scene3d>
-    <dgm:sp3d/>
-    <dgm:txPr/>
-    <dgm:style>
-      <a:lnRef idx="1">
-        <a:scrgbClr r="0" g="0" b="0"/>
-      </a:lnRef>
-      <a:fillRef idx="1">
-        <a:scrgbClr r="0" g="0" b="0"/>
-      </a:fillRef>
-      <a:effectRef idx="2">
-        <a:scrgbClr r="0" g="0" b="0"/>
-      </a:effectRef>
-      <a:fontRef idx="minor"/>
-    </dgm:style>
-  </dgm:styleLbl>
-  <dgm:styleLbl name="solidAlignAcc1">
-    <dgm:scene3d>
-      <a:camera prst="orthographicFront"/>
-      <a:lightRig rig="threePt" dir="t"/>
-    </dgm:scene3d>
-    <dgm:sp3d/>
-    <dgm:txPr/>
-    <dgm:style>
-      <a:lnRef idx="1">
-        <a:scrgbClr r="0" g="0" b="0"/>
-      </a:lnRef>
-      <a:fillRef idx="1">
-        <a:scrgbClr r="0" g="0" b="0"/>
-      </a:fillRef>
-      <a:effectRef idx="3">
-        <a:scrgbClr r="0" g="0" b="0"/>
-      </a:effectRef>
-      <a:fontRef idx="minor"/>
-    </dgm:style>
-  </dgm:styleLbl>
-  <dgm:styleLbl name="solidBgAcc1">
-    <dgm:scene3d>
-      <a:camera prst="orthographicFront"/>
-      <a:lightRig rig="threePt" dir="t"/>
-    </dgm:scene3d>
-    <dgm:sp3d/>
-    <dgm:txPr/>
-    <dgm:style>
-      <a:lnRef idx="1">
-        <a:scrgbClr r="0" g="0" b="0"/>
-      </a:lnRef>
-      <a:fillRef idx="1">
-        <a:scrgbClr r="0" g="0" b="0"/>
-      </a:fillRef>
-      <a:effectRef idx="3">
-        <a:scrgbClr r="0" g="0" b="0"/>
-      </a:effectRef>
-      <a:fontRef idx="minor"/>
-    </dgm:style>
-  </dgm:styleLbl>
-  <dgm:styleLbl name="fgAccFollowNode1">
-    <dgm:scene3d>
-      <a:camera prst="orthographicFront"/>
-      <a:lightRig rig="threePt" dir="t"/>
-    </dgm:scene3d>
-    <dgm:sp3d/>
-    <dgm:txPr/>
-    <dgm:style>
-      <a:lnRef idx="1">
-        <a:scrgbClr r="0" g="0" b="0"/>
-      </a:lnRef>
-      <a:fillRef idx="1">
-        <a:scrgbClr r="0" g="0" b="0"/>
-      </a:fillRef>
-      <a:effectRef idx="2">
-        <a:scrgbClr r="0" g="0" b="0"/>
-      </a:effectRef>
-      <a:fontRef idx="minor"/>
-    </dgm:style>
-  </dgm:styleLbl>
-  <dgm:styleLbl name="alignAccFollowNode1">
-    <dgm:scene3d>
-      <a:camera prst="orthographicFront"/>
-      <a:lightRig rig="threePt" dir="t"/>
-    </dgm:scene3d>
-    <dgm:sp3d/>
-    <dgm:txPr/>
-    <dgm:style>
-      <a:lnRef idx="1">
-        <a:scrgbClr r="0" g="0" b="0"/>
-      </a:lnRef>
-      <a:fillRef idx="1">
-        <a:scrgbClr r="0" g="0" b="0"/>
-      </a:fillRef>
-      <a:effectRef idx="2">
-        <a:scrgbClr r="0" g="0" b="0"/>
-      </a:effectRef>
-      <a:fontRef idx="minor"/>
-    </dgm:style>
-  </dgm:styleLbl>
-  <dgm:styleLbl name="bgAccFollowNode1">
-    <dgm:scene3d>
-      <a:camera prst="orthographicFront"/>
-      <a:lightRig rig="threePt" dir="t"/>
-    </dgm:scene3d>
-    <dgm:sp3d/>
-    <dgm:txPr/>
-    <dgm:style>
-      <a:lnRef idx="1">
-        <a:scrgbClr r="0" g="0" b="0"/>
-      </a:lnRef>
-      <a:fillRef idx="1">
-        <a:scrgbClr r="0" g="0" b="0"/>
-      </a:fillRef>
-      <a:effectRef idx="2">
-        <a:scrgbClr r="0" g="0" b="0"/>
-      </a:effectRef>
-      <a:fontRef idx="minor"/>
-    </dgm:style>
-  </dgm:styleLbl>
-  <dgm:styleLbl name="fgAcc0">
-    <dgm:scene3d>
-      <a:camera prst="orthographicFront"/>
-      <a:lightRig rig="threePt" dir="t"/>
-    </dgm:scene3d>
-    <dgm:sp3d/>
-    <dgm:txPr/>
-    <dgm:style>
-      <a:lnRef idx="1">
-        <a:scrgbClr r="0" g="0" b="0"/>
-      </a:lnRef>
-      <a:fillRef idx="1">
-        <a:scrgbClr r="0" g="0" b="0"/>
-      </a:fillRef>
-      <a:effectRef idx="2">
-        <a:scrgbClr r="0" g="0" b="0"/>
-      </a:effectRef>
-      <a:fontRef idx="minor"/>
-    </dgm:style>
-  </dgm:styleLbl>
-  <dgm:styleLbl name="fgAcc2">
-    <dgm:scene3d>
-      <a:camera prst="orthographicFront"/>
-      <a:lightRig rig="threePt" dir="t"/>
-    </dgm:scene3d>
-    <dgm:sp3d/>
-    <dgm:txPr/>
-    <dgm:style>
-      <a:lnRef idx="1">
-        <a:scrgbClr r="0" g="0" b="0"/>
-      </a:lnRef>
-      <a:fillRef idx="1">
-        <a:scrgbClr r="0" g="0" b="0"/>
-      </a:fillRef>
-      <a:effectRef idx="2">
-        <a:scrgbClr r="0" g="0" b="0"/>
-      </a:effectRef>
-      <a:fontRef idx="minor"/>
-    </dgm:style>
-  </dgm:styleLbl>
-  <dgm:styleLbl name="fgAcc3">
-    <dgm:scene3d>
-      <a:camera prst="orthographicFront"/>
-      <a:lightRig rig="threePt" dir="t"/>
-    </dgm:scene3d>
-    <dgm:sp3d/>
-    <dgm:txPr/>
-    <dgm:style>
-      <a:lnRef idx="1">
-        <a:scrgbClr r="0" g="0" b="0"/>
-      </a:lnRef>
-      <a:fillRef idx="1">
-        <a:scrgbClr r="0" g="0" b="0"/>
-      </a:fillRef>
-      <a:effectRef idx="2">
-        <a:scrgbClr r="0" g="0" b="0"/>
-      </a:effectRef>
-      <a:fontRef idx="minor"/>
-    </dgm:style>
-  </dgm:styleLbl>
-  <dgm:styleLbl name="fgAcc4">
-    <dgm:scene3d>
-      <a:camera prst="orthographicFront"/>
-      <a:lightRig rig="threePt" dir="t"/>
-    </dgm:scene3d>
-    <dgm:sp3d/>
-    <dgm:txPr/>
-    <dgm:style>
-      <a:lnRef idx="1">
-        <a:scrgbClr r="0" g="0" b="0"/>
-      </a:lnRef>
-      <a:fillRef idx="1">
-        <a:scrgbClr r="0" g="0" b="0"/>
-      </a:fillRef>
-      <a:effectRef idx="2">
-        <a:scrgbClr r="0" g="0" b="0"/>
-      </a:effectRef>
-      <a:fontRef idx="minor"/>
-    </dgm:style>
-  </dgm:styleLbl>
-  <dgm:styleLbl name="bgShp">
-    <dgm:scene3d>
-      <a:camera prst="orthographicFront"/>
-      <a:lightRig rig="threePt" dir="t"/>
-    </dgm:scene3d>
-    <dgm:sp3d/>
-    <dgm:txPr/>
-    <dgm:style>
-      <a:lnRef idx="0">
-        <a:scrgbClr r="0" g="0" b="0"/>
-      </a:lnRef>
-      <a:fillRef idx="1">
-        <a:scrgbClr r="0" g="0" b="0"/>
-      </a:fillRef>
-      <a:effectRef idx="2">
-        <a:scrgbClr r="0" g="0" b="0"/>
-      </a:effectRef>
-      <a:fontRef idx="minor"/>
-    </dgm:style>
-  </dgm:styleLbl>
-  <dgm:styleLbl name="dkBgShp">
-    <dgm:scene3d>
-      <a:camera prst="orthographicFront"/>
-      <a:lightRig rig="threePt" dir="t"/>
-    </dgm:scene3d>
-    <dgm:sp3d/>
-    <dgm:txPr/>
-    <dgm:style>
-      <a:lnRef idx="0">
-        <a:scrgbClr r="0" g="0" b="0"/>
-      </a:lnRef>
-      <a:fillRef idx="1">
-        <a:scrgbClr r="0" g="0" b="0"/>
-      </a:fillRef>
-      <a:effectRef idx="3">
-        <a:scrgbClr r="0" g="0" b="0"/>
-      </a:effectRef>
-      <a:fontRef idx="minor"/>
-    </dgm:style>
-  </dgm:styleLbl>
-  <dgm:styleLbl name="trBgShp">
-    <dgm:scene3d>
-      <a:camera prst="orthographicFront"/>
-      <a:lightRig rig="threePt" dir="t"/>
-    </dgm:scene3d>
-    <dgm:sp3d/>
-    <dgm:txPr/>
-    <dgm:style>
-      <a:lnRef idx="0">
-        <a:scrgbClr r="0" g="0" b="0"/>
-      </a:lnRef>
-      <a:fillRef idx="1">
-        <a:scrgbClr r="0" g="0" b="0"/>
-      </a:fillRef>
-      <a:effectRef idx="0">
-        <a:scrgbClr r="0" g="0" b="0"/>
-      </a:effectRef>
-      <a:fontRef idx="minor"/>
-    </dgm:style>
-  </dgm:styleLbl>
-  <dgm:styleLbl name="fgShp">
-    <dgm:scene3d>
-      <a:camera prst="orthographicFront"/>
-      <a:lightRig rig="threePt" dir="t"/>
-    </dgm:scene3d>
-    <dgm:sp3d/>
-    <dgm:txPr/>
-    <dgm:style>
-      <a:lnRef idx="0">
-        <a:scrgbClr r="0" g="0" b="0"/>
-      </a:lnRef>
-      <a:fillRef idx="3">
-        <a:scrgbClr r="0" g="0" b="0"/>
-      </a:fillRef>
-      <a:effectRef idx="3">
-        <a:scrgbClr r="0" g="0" b="0"/>
-      </a:effectRef>
-      <a:fontRef idx="minor"/>
-    </dgm:style>
-  </dgm:styleLbl>
-  <dgm:styleLbl name="revTx">
-    <dgm:scene3d>
-      <a:camera prst="orthographicFront"/>
-      <a:lightRig rig="threePt" dir="t"/>
-    </dgm:scene3d>
-    <dgm:sp3d/>
-    <dgm:txPr/>
-    <dgm:style>
-      <a:lnRef idx="0">
-        <a:scrgbClr r="0" g="0" b="0"/>
-      </a:lnRef>
-      <a:fillRef idx="0">
-        <a:scrgbClr r="0" g="0" b="0"/>
-      </a:fillRef>
-      <a:effectRef idx="0">
-        <a:scrgbClr r="0" g="0" b="0"/>
-      </a:effectRef>
-      <a:fontRef idx="minor"/>
-    </dgm:style>
-  </dgm:styleLbl>
-</dgm:styleDef>
-</file>
-
-<file path=ppt/diagrams/quickStyle2.xml><?xml version="1.0" encoding="utf-8"?>
 <dgm:styleDef xmlns:dgm="http://schemas.openxmlformats.org/drawingml/2006/diagram" xmlns:a="http://schemas.openxmlformats.org/drawingml/2006/main" uniqueId="urn:microsoft.com/office/officeart/2005/8/quickstyle/simple5">
   <dgm:title val=""/>
   <dgm:desc val=""/>
@@ -6592,7 +3632,7 @@
           <a:p>
             <a:fld id="{4086DAC7-6420-420E-B534-F3A205017F75}" type="datetimeFigureOut">
               <a:rPr lang="en-US" smtClean="0"/>
-              <a:t>9/15/2014</a:t>
+              <a:t>9/16/2014</a:t>
             </a:fld>
             <a:endParaRPr lang="en-US"/>
           </a:p>
@@ -7657,12 +4697,20 @@
               <a:t>“-Framework: Hybride App </a:t>
             </a:r>
             <a:r>
-              <a:rPr lang="de-DE" baseline="0" dirty="0" err="1" smtClean="0"/>
-              <a:t>Ios</a:t>
-            </a:r>
-            <a:r>
               <a:rPr lang="de-DE" baseline="0" dirty="0" smtClean="0"/>
-              <a:t> &amp; Android, Verfügbar in IOs und Android Store!</a:t>
+              <a:t>iOS </a:t>
+            </a:r>
+            <a:r>
+              <a:rPr lang="de-DE" baseline="0" dirty="0" smtClean="0"/>
+              <a:t>&amp; Android, Verfügbar in </a:t>
+            </a:r>
+            <a:r>
+              <a:rPr lang="de-DE" baseline="0" dirty="0" smtClean="0"/>
+              <a:t>iOS </a:t>
+            </a:r>
+            <a:r>
+              <a:rPr lang="de-DE" baseline="0" dirty="0" smtClean="0"/>
+              <a:t>und Android Store!</a:t>
             </a:r>
           </a:p>
           <a:p>
@@ -7830,8 +4878,12 @@
           <a:lstStyle/>
           <a:p>
             <a:r>
-              <a:rPr lang="en-US" smtClean="0"/>
-              <a:t>Planungsphase:</a:t>
+              <a:rPr lang="en-US" dirty="0" err="1" smtClean="0"/>
+              <a:t>Planungsphase</a:t>
+            </a:r>
+            <a:r>
+              <a:rPr lang="en-US" dirty="0" smtClean="0"/>
+              <a:t>:</a:t>
             </a:r>
           </a:p>
           <a:p>
@@ -7840,9 +4892,14 @@
               <a:buChar char="•"/>
             </a:pPr>
             <a:r>
-              <a:rPr lang="en-US" smtClean="0"/>
-              <a:t>Scope festlegen</a:t>
-            </a:r>
+              <a:rPr lang="en-US" dirty="0" smtClean="0"/>
+              <a:t>Scope </a:t>
+            </a:r>
+            <a:r>
+              <a:rPr lang="en-US" dirty="0" err="1" smtClean="0"/>
+              <a:t>festlegen</a:t>
+            </a:r>
+            <a:endParaRPr lang="en-US" dirty="0" smtClean="0"/>
           </a:p>
           <a:p>
             <a:pPr marL="171450" indent="-171450">
@@ -7850,14 +4907,27 @@
               <a:buChar char="•"/>
             </a:pPr>
             <a:r>
-              <a:rPr lang="en-US" smtClean="0"/>
-              <a:t>Ziele definieren</a:t>
-            </a:r>
-          </a:p>
-          <a:p>
-            <a:r>
-              <a:rPr lang="en-US" smtClean="0"/>
-              <a:t>Konzeptphase:</a:t>
+              <a:rPr lang="en-US" dirty="0" err="1" smtClean="0"/>
+              <a:t>Ziele</a:t>
+            </a:r>
+            <a:r>
+              <a:rPr lang="en-US" dirty="0" smtClean="0"/>
+              <a:t> </a:t>
+            </a:r>
+            <a:r>
+              <a:rPr lang="en-US" dirty="0" err="1" smtClean="0"/>
+              <a:t>definieren</a:t>
+            </a:r>
+            <a:endParaRPr lang="en-US" dirty="0" smtClean="0"/>
+          </a:p>
+          <a:p>
+            <a:r>
+              <a:rPr lang="en-US" dirty="0" err="1" smtClean="0"/>
+              <a:t>Konzeptphase</a:t>
+            </a:r>
+            <a:r>
+              <a:rPr lang="en-US" dirty="0" smtClean="0"/>
+              <a:t>:</a:t>
             </a:r>
           </a:p>
           <a:p>
@@ -7866,9 +4936,10 @@
               <a:buChar char="•"/>
             </a:pPr>
             <a:r>
-              <a:rPr lang="en-US" smtClean="0"/>
+              <a:rPr lang="en-US" dirty="0" err="1" smtClean="0"/>
               <a:t>Technologieauswahl</a:t>
             </a:r>
+            <a:endParaRPr lang="en-US" dirty="0" smtClean="0"/>
           </a:p>
           <a:p>
             <a:pPr marL="171450" indent="-171450">
@@ -7876,9 +4947,14 @@
               <a:buChar char="•"/>
             </a:pPr>
             <a:r>
-              <a:rPr lang="en-US" smtClean="0"/>
-              <a:t>Design modellieren</a:t>
-            </a:r>
+              <a:rPr lang="en-US" dirty="0" smtClean="0"/>
+              <a:t>Design </a:t>
+            </a:r>
+            <a:r>
+              <a:rPr lang="en-US" dirty="0" err="1" smtClean="0"/>
+              <a:t>modellieren</a:t>
+            </a:r>
+            <a:endParaRPr lang="en-US" dirty="0" smtClean="0"/>
           </a:p>
           <a:p>
             <a:pPr marL="171450" indent="-171450">
@@ -7886,13 +4962,18 @@
               <a:buChar char="•"/>
             </a:pPr>
             <a:r>
-              <a:rPr lang="en-US" smtClean="0"/>
+              <a:rPr lang="en-US" dirty="0" err="1" smtClean="0"/>
               <a:t>Datenmodell</a:t>
             </a:r>
             <a:r>
-              <a:rPr lang="en-US" baseline="0" smtClean="0"/>
-              <a:t> erarbeiten</a:t>
-            </a:r>
+              <a:rPr lang="en-US" baseline="0" dirty="0" smtClean="0"/>
+              <a:t> </a:t>
+            </a:r>
+            <a:r>
+              <a:rPr lang="en-US" baseline="0" dirty="0" err="1" smtClean="0"/>
+              <a:t>erarbeiten</a:t>
+            </a:r>
+            <a:endParaRPr lang="en-US" baseline="0" dirty="0" smtClean="0"/>
           </a:p>
           <a:p>
             <a:pPr marL="171450" indent="-171450">
@@ -7900,15 +4981,27 @@
               <a:buChar char="•"/>
             </a:pPr>
             <a:r>
-              <a:rPr lang="en-US" baseline="0" smtClean="0"/>
-              <a:t>Softwareanforderungen definieren</a:t>
-            </a:r>
-            <a:endParaRPr lang="en-US" smtClean="0"/>
-          </a:p>
-          <a:p>
-            <a:r>
-              <a:rPr lang="en-US" smtClean="0"/>
-              <a:t>Prototypbau:</a:t>
+              <a:rPr lang="en-US" baseline="0" dirty="0" err="1" smtClean="0"/>
+              <a:t>Softwareanforderungen</a:t>
+            </a:r>
+            <a:r>
+              <a:rPr lang="en-US" baseline="0" dirty="0" smtClean="0"/>
+              <a:t> </a:t>
+            </a:r>
+            <a:r>
+              <a:rPr lang="en-US" baseline="0" dirty="0" err="1" smtClean="0"/>
+              <a:t>definieren</a:t>
+            </a:r>
+            <a:endParaRPr lang="en-US" dirty="0" smtClean="0"/>
+          </a:p>
+          <a:p>
+            <a:r>
+              <a:rPr lang="en-US" dirty="0" err="1" smtClean="0"/>
+              <a:t>Prototypbau</a:t>
+            </a:r>
+            <a:r>
+              <a:rPr lang="en-US" dirty="0" smtClean="0"/>
+              <a:t>:</a:t>
             </a:r>
           </a:p>
           <a:p>
@@ -7917,11 +5010,15 @@
               <a:buChar char="•"/>
             </a:pPr>
             <a:r>
-              <a:rPr lang="en-US" smtClean="0"/>
-              <a:t>Know How Erarbeiten</a:t>
-            </a:r>
-            <a:r>
-              <a:rPr lang="en-US" baseline="0" smtClean="0"/>
+              <a:rPr lang="en-US" dirty="0" smtClean="0"/>
+              <a:t>Know How </a:t>
+            </a:r>
+            <a:r>
+              <a:rPr lang="en-US" dirty="0" err="1" smtClean="0"/>
+              <a:t>Erarbeiten</a:t>
+            </a:r>
+            <a:r>
+              <a:rPr lang="en-US" baseline="0" dirty="0" smtClean="0"/>
               <a:t> (Steroids, HTML)</a:t>
             </a:r>
           </a:p>
@@ -7931,9 +5028,18 @@
               <a:buChar char="•"/>
             </a:pPr>
             <a:r>
-              <a:rPr lang="en-US" baseline="0" smtClean="0"/>
-              <a:t>Prototyp bauen</a:t>
-            </a:r>
+              <a:rPr lang="en-US" baseline="0" dirty="0" err="1" smtClean="0"/>
+              <a:t>Prototyp</a:t>
+            </a:r>
+            <a:r>
+              <a:rPr lang="en-US" baseline="0" dirty="0" smtClean="0"/>
+              <a:t> </a:t>
+            </a:r>
+            <a:r>
+              <a:rPr lang="en-US" baseline="0" dirty="0" err="1" smtClean="0"/>
+              <a:t>bauen</a:t>
+            </a:r>
+            <a:endParaRPr lang="en-US" baseline="0" dirty="0" smtClean="0"/>
           </a:p>
           <a:p>
             <a:pPr marL="171450" indent="-171450">
@@ -7941,15 +5047,27 @@
               <a:buChar char="•"/>
             </a:pPr>
             <a:r>
-              <a:rPr lang="en-US" baseline="0" smtClean="0"/>
-              <a:t>Prototyp testen</a:t>
-            </a:r>
-            <a:endParaRPr lang="en-US" smtClean="0"/>
-          </a:p>
-          <a:p>
-            <a:r>
-              <a:rPr lang="en-US" smtClean="0"/>
-              <a:t>Entwicklung:</a:t>
+              <a:rPr lang="en-US" baseline="0" dirty="0" err="1" smtClean="0"/>
+              <a:t>Prototyp</a:t>
+            </a:r>
+            <a:r>
+              <a:rPr lang="en-US" baseline="0" dirty="0" smtClean="0"/>
+              <a:t> </a:t>
+            </a:r>
+            <a:r>
+              <a:rPr lang="en-US" baseline="0" dirty="0" err="1" smtClean="0"/>
+              <a:t>testen</a:t>
+            </a:r>
+            <a:endParaRPr lang="en-US" dirty="0" smtClean="0"/>
+          </a:p>
+          <a:p>
+            <a:r>
+              <a:rPr lang="en-US" dirty="0" err="1" smtClean="0"/>
+              <a:t>Entwicklung</a:t>
+            </a:r>
+            <a:r>
+              <a:rPr lang="en-US" dirty="0" smtClean="0"/>
+              <a:t>:</a:t>
             </a:r>
           </a:p>
           <a:p>
@@ -7958,9 +5076,14 @@
               <a:buChar char="•"/>
             </a:pPr>
             <a:r>
-              <a:rPr lang="en-US" smtClean="0"/>
-              <a:t>GUI Entwicklen</a:t>
-            </a:r>
+              <a:rPr lang="en-US" dirty="0" smtClean="0"/>
+              <a:t>GUI </a:t>
+            </a:r>
+            <a:r>
+              <a:rPr lang="en-US" dirty="0" err="1" smtClean="0"/>
+              <a:t>Entwicklen</a:t>
+            </a:r>
+            <a:endParaRPr lang="en-US" dirty="0" smtClean="0"/>
           </a:p>
           <a:p>
             <a:pPr marL="171450" indent="-171450">
@@ -7968,9 +5091,14 @@
               <a:buChar char="•"/>
             </a:pPr>
             <a:r>
-              <a:rPr lang="en-US" smtClean="0"/>
-              <a:t>Backend entwickeln</a:t>
-            </a:r>
+              <a:rPr lang="en-US" dirty="0" smtClean="0"/>
+              <a:t>Backend </a:t>
+            </a:r>
+            <a:r>
+              <a:rPr lang="en-US" dirty="0" err="1" smtClean="0"/>
+              <a:t>entwickeln</a:t>
+            </a:r>
+            <a:endParaRPr lang="en-US" dirty="0" smtClean="0"/>
           </a:p>
           <a:p>
             <a:pPr marL="171450" indent="-171450">
@@ -7978,14 +5106,23 @@
               <a:buChar char="•"/>
             </a:pPr>
             <a:r>
-              <a:rPr lang="en-US" smtClean="0"/>
-              <a:t>Website entwickeln</a:t>
-            </a:r>
-          </a:p>
-          <a:p>
-            <a:r>
-              <a:rPr lang="en-US" smtClean="0"/>
-              <a:t>Überarbeitung:</a:t>
+              <a:rPr lang="en-US" dirty="0" smtClean="0"/>
+              <a:t>Website </a:t>
+            </a:r>
+            <a:r>
+              <a:rPr lang="en-US" dirty="0" err="1" smtClean="0"/>
+              <a:t>entwickeln</a:t>
+            </a:r>
+            <a:endParaRPr lang="en-US" dirty="0" smtClean="0"/>
+          </a:p>
+          <a:p>
+            <a:r>
+              <a:rPr lang="en-US" dirty="0" err="1" smtClean="0"/>
+              <a:t>Überarbeitung</a:t>
+            </a:r>
+            <a:r>
+              <a:rPr lang="en-US" dirty="0" smtClean="0"/>
+              <a:t>:</a:t>
             </a:r>
           </a:p>
           <a:p>
@@ -7994,9 +5131,18 @@
               <a:buChar char="•"/>
             </a:pPr>
             <a:r>
-              <a:rPr lang="en-US" smtClean="0"/>
-              <a:t>Kritische Bugs beheben</a:t>
-            </a:r>
+              <a:rPr lang="en-US" dirty="0" err="1" smtClean="0"/>
+              <a:t>Kritische</a:t>
+            </a:r>
+            <a:r>
+              <a:rPr lang="en-US" dirty="0" smtClean="0"/>
+              <a:t> Bugs </a:t>
+            </a:r>
+            <a:r>
+              <a:rPr lang="en-US" dirty="0" err="1" smtClean="0"/>
+              <a:t>beheben</a:t>
+            </a:r>
+            <a:endParaRPr lang="en-US" dirty="0" smtClean="0"/>
           </a:p>
           <a:p>
             <a:pPr marL="171450" indent="-171450">
@@ -8004,13 +5150,18 @@
               <a:buChar char="•"/>
             </a:pPr>
             <a:r>
-              <a:rPr lang="en-US" smtClean="0"/>
+              <a:rPr lang="en-US" dirty="0" err="1" smtClean="0"/>
               <a:t>Produktvideo</a:t>
             </a:r>
             <a:r>
-              <a:rPr lang="en-US" baseline="0" smtClean="0"/>
-              <a:t> erstellen</a:t>
-            </a:r>
+              <a:rPr lang="en-US" baseline="0" dirty="0" smtClean="0"/>
+              <a:t> </a:t>
+            </a:r>
+            <a:r>
+              <a:rPr lang="en-US" baseline="0" dirty="0" err="1" smtClean="0"/>
+              <a:t>erstellen</a:t>
+            </a:r>
+            <a:endParaRPr lang="en-US" baseline="0" dirty="0" smtClean="0"/>
           </a:p>
           <a:p>
             <a:pPr marL="171450" indent="-171450">
@@ -8018,15 +5169,23 @@
               <a:buChar char="•"/>
             </a:pPr>
             <a:r>
-              <a:rPr lang="en-US" baseline="0" smtClean="0"/>
-              <a:t>Vision und next steps erarbeiten</a:t>
-            </a:r>
-            <a:endParaRPr lang="en-US" smtClean="0"/>
-          </a:p>
-          <a:p>
-            <a:r>
-              <a:rPr lang="en-US" smtClean="0"/>
-              <a:t>Abschluss:</a:t>
+              <a:rPr lang="en-US" baseline="0" dirty="0" smtClean="0"/>
+              <a:t>Vision und next steps </a:t>
+            </a:r>
+            <a:r>
+              <a:rPr lang="en-US" baseline="0" dirty="0" err="1" smtClean="0"/>
+              <a:t>erarbeiten</a:t>
+            </a:r>
+            <a:endParaRPr lang="en-US" dirty="0" smtClean="0"/>
+          </a:p>
+          <a:p>
+            <a:r>
+              <a:rPr lang="en-US" dirty="0" err="1" smtClean="0"/>
+              <a:t>Abschluss</a:t>
+            </a:r>
+            <a:r>
+              <a:rPr lang="en-US" dirty="0" smtClean="0"/>
+              <a:t>:</a:t>
             </a:r>
           </a:p>
           <a:p>
@@ -8035,9 +5194,18 @@
               <a:buChar char="•"/>
             </a:pPr>
             <a:r>
-              <a:rPr lang="en-US" smtClean="0"/>
-              <a:t>Abschlusspräse erstellen</a:t>
-            </a:r>
+              <a:rPr lang="en-US" dirty="0" err="1" smtClean="0"/>
+              <a:t>Abschlusspräse</a:t>
+            </a:r>
+            <a:r>
+              <a:rPr lang="en-US" dirty="0" smtClean="0"/>
+              <a:t> </a:t>
+            </a:r>
+            <a:r>
+              <a:rPr lang="en-US" dirty="0" err="1" smtClean="0"/>
+              <a:t>erstellen</a:t>
+            </a:r>
+            <a:endParaRPr lang="en-US" dirty="0" smtClean="0"/>
           </a:p>
           <a:p>
             <a:pPr marL="171450" indent="-171450">
@@ -8045,11 +5213,11 @@
               <a:buChar char="•"/>
             </a:pPr>
             <a:r>
-              <a:rPr lang="en-US" smtClean="0"/>
+              <a:rPr lang="en-US" dirty="0" smtClean="0"/>
               <a:t>App</a:t>
             </a:r>
             <a:r>
-              <a:rPr lang="en-US" baseline="0" smtClean="0"/>
+              <a:rPr lang="en-US" baseline="0" dirty="0" smtClean="0"/>
               <a:t> in Google Play Store /IOS Store laden</a:t>
             </a:r>
           </a:p>
@@ -8059,10 +5227,22 @@
               <a:buChar char="•"/>
             </a:pPr>
             <a:r>
-              <a:rPr lang="en-US" baseline="0" smtClean="0"/>
-              <a:t>Evaluation &amp; Leistungsbewertung erhalten</a:t>
-            </a:r>
-            <a:endParaRPr lang="en-US"/>
+              <a:rPr lang="en-US" baseline="0" dirty="0" smtClean="0"/>
+              <a:t>Evaluation &amp; </a:t>
+            </a:r>
+            <a:r>
+              <a:rPr lang="en-US" baseline="0" dirty="0" err="1" smtClean="0"/>
+              <a:t>Leistungsbewertung</a:t>
+            </a:r>
+            <a:r>
+              <a:rPr lang="en-US" baseline="0" dirty="0" smtClean="0"/>
+              <a:t> </a:t>
+            </a:r>
+            <a:r>
+              <a:rPr lang="en-US" baseline="0" dirty="0" err="1" smtClean="0"/>
+              <a:t>erhalten</a:t>
+            </a:r>
+            <a:endParaRPr lang="en-US" dirty="0"/>
           </a:p>
         </p:txBody>
       </p:sp>
@@ -8654,7 +5834,7 @@
           <a:p>
             <a:fld id="{24952135-5EF0-4D98-8DE3-3EAE5E88A75B}" type="datetime1">
               <a:rPr lang="de-DE" smtClean="0"/>
-              <a:t>15.09.2014</a:t>
+              <a:t>16.09.2014</a:t>
             </a:fld>
             <a:endParaRPr lang="en-US" dirty="0"/>
           </a:p>
@@ -9012,7 +6192,7 @@
             <a:fld id="{24952135-5EF0-4D98-8DE3-3EAE5E88A75B}" type="datetime1">
               <a:rPr lang="de-DE" smtClean="0"/>
               <a:pPr/>
-              <a:t>15.09.2014</a:t>
+              <a:t>16.09.2014</a:t>
             </a:fld>
             <a:endParaRPr lang="en-US" dirty="0" smtClean="0"/>
           </a:p>
@@ -9217,7 +6397,7 @@
             <a:fld id="{24952135-5EF0-4D98-8DE3-3EAE5E88A75B}" type="datetime1">
               <a:rPr lang="de-DE" smtClean="0"/>
               <a:pPr/>
-              <a:t>15.09.2014</a:t>
+              <a:t>16.09.2014</a:t>
             </a:fld>
             <a:endParaRPr lang="en-US" dirty="0" smtClean="0"/>
           </a:p>
@@ -9357,7 +6537,7 @@
           <a:p>
             <a:fld id="{ECC07F21-0122-44FF-9BB4-230E083EEAEF}" type="datetime1">
               <a:rPr lang="de-DE" smtClean="0"/>
-              <a:t>15.09.2014</a:t>
+              <a:t>16.09.2014</a:t>
             </a:fld>
             <a:endParaRPr lang="en-US" dirty="0"/>
           </a:p>
@@ -9769,7 +6949,7 @@
             <a:fld id="{24952135-5EF0-4D98-8DE3-3EAE5E88A75B}" type="datetime1">
               <a:rPr lang="de-DE" smtClean="0"/>
               <a:pPr/>
-              <a:t>15.09.2014</a:t>
+              <a:t>16.09.2014</a:t>
             </a:fld>
             <a:endParaRPr lang="en-US" dirty="0" smtClean="0"/>
           </a:p>
@@ -10082,7 +7262,7 @@
             <a:fld id="{24952135-5EF0-4D98-8DE3-3EAE5E88A75B}" type="datetime1">
               <a:rPr lang="de-DE" smtClean="0"/>
               <a:pPr/>
-              <a:t>15.09.2014</a:t>
+              <a:t>16.09.2014</a:t>
             </a:fld>
             <a:endParaRPr lang="en-US" dirty="0"/>
           </a:p>
@@ -10548,7 +7728,7 @@
             <a:fld id="{24952135-5EF0-4D98-8DE3-3EAE5E88A75B}" type="datetime1">
               <a:rPr lang="de-DE" smtClean="0"/>
               <a:pPr/>
-              <a:t>15.09.2014</a:t>
+              <a:t>16.09.2014</a:t>
             </a:fld>
             <a:endParaRPr lang="en-US" dirty="0" smtClean="0"/>
           </a:p>
@@ -10696,7 +7876,7 @@
             <a:fld id="{24952135-5EF0-4D98-8DE3-3EAE5E88A75B}" type="datetime1">
               <a:rPr lang="de-DE" smtClean="0"/>
               <a:pPr/>
-              <a:t>15.09.2014</a:t>
+              <a:t>16.09.2014</a:t>
             </a:fld>
             <a:endParaRPr lang="en-US" dirty="0" smtClean="0"/>
           </a:p>
@@ -10824,7 +8004,7 @@
             <a:fld id="{24952135-5EF0-4D98-8DE3-3EAE5E88A75B}" type="datetime1">
               <a:rPr lang="de-DE" smtClean="0"/>
               <a:pPr/>
-              <a:t>15.09.2014</a:t>
+              <a:t>16.09.2014</a:t>
             </a:fld>
             <a:endParaRPr lang="en-US" dirty="0" smtClean="0"/>
           </a:p>
@@ -11112,7 +8292,7 @@
             <a:fld id="{24952135-5EF0-4D98-8DE3-3EAE5E88A75B}" type="datetime1">
               <a:rPr lang="de-DE" smtClean="0"/>
               <a:pPr/>
-              <a:t>15.09.2014</a:t>
+              <a:t>16.09.2014</a:t>
             </a:fld>
             <a:endParaRPr lang="en-US" dirty="0" smtClean="0"/>
           </a:p>
@@ -11666,7 +8846,7 @@
             <a:fld id="{24952135-5EF0-4D98-8DE3-3EAE5E88A75B}" type="datetime1">
               <a:rPr lang="de-DE" smtClean="0"/>
               <a:pPr/>
-              <a:t>15.09.2014</a:t>
+              <a:t>16.09.2014</a:t>
             </a:fld>
             <a:endParaRPr lang="en-US" dirty="0" smtClean="0"/>
           </a:p>
@@ -11907,7 +9087,7 @@
           <a:p>
             <a:fld id="{5360A523-C318-42EE-9F75-F0E7CD241043}" type="datetime1">
               <a:rPr lang="de-DE" smtClean="0"/>
-              <a:t>15.09.2014</a:t>
+              <a:t>16.09.2014</a:t>
             </a:fld>
             <a:endParaRPr lang="en-US" dirty="0"/>
           </a:p>
@@ -12447,7 +9627,7 @@
           <a:p>
             <a:fld id="{ECC07F21-0122-44FF-9BB4-230E083EEAEF}" type="datetime1">
               <a:rPr lang="de-DE" smtClean="0"/>
-              <a:t>15.09.2014</a:t>
+              <a:t>16.09.2014</a:t>
             </a:fld>
             <a:endParaRPr lang="en-US" dirty="0"/>
           </a:p>
@@ -12788,7 +9968,7 @@
             <a:fld id="{7B1C4505-0E0B-47DA-B4D3-6E942B7E56F8}" type="datetime1">
               <a:rPr lang="de-DE" smtClean="0"/>
               <a:pPr/>
-              <a:t>15.09.2014</a:t>
+              <a:t>16.09.2014</a:t>
             </a:fld>
             <a:r>
               <a:rPr lang="de-DE" dirty="0" smtClean="0"/>
@@ -12893,7 +10073,7 @@
           <a:p>
             <a:fld id="{ECC07F21-0122-44FF-9BB4-230E083EEAEF}" type="datetime1">
               <a:rPr lang="de-DE" smtClean="0"/>
-              <a:t>15.09.2014</a:t>
+              <a:t>16.09.2014</a:t>
             </a:fld>
             <a:endParaRPr lang="en-US" dirty="0"/>
           </a:p>
@@ -12977,31 +10157,670 @@
           </a:p>
         </p:txBody>
       </p:sp>
-      <p:graphicFrame>
-        <p:nvGraphicFramePr>
-          <p:cNvPr id="8" name="Inhaltsplatzhalter 6"/>
-          <p:cNvGraphicFramePr>
-            <a:graphicFrameLocks noGrp="1"/>
-          </p:cNvGraphicFramePr>
-          <p:nvPr>
-            <p:ph sz="quarter" idx="13"/>
-            <p:extLst>
-              <p:ext uri="{D42A27DB-BD31-4B8C-83A1-F6EECF244321}">
-                <p14:modId xmlns:p14="http://schemas.microsoft.com/office/powerpoint/2010/main" val="3436096664"/>
-              </p:ext>
-            </p:extLst>
-          </p:nvPr>
-        </p:nvGraphicFramePr>
-        <p:xfrm>
-          <a:off x="609600" y="1600200"/>
-          <a:ext cx="7924800" cy="4114800"/>
-        </p:xfrm>
-        <a:graphic>
-          <a:graphicData uri="http://schemas.openxmlformats.org/drawingml/2006/diagram">
-            <dgm:relIds xmlns:dgm="http://schemas.openxmlformats.org/drawingml/2006/diagram" xmlns:r="http://schemas.openxmlformats.org/officeDocument/2006/relationships" r:dm="rId3" r:lo="rId4" r:qs="rId5" r:cs="rId6"/>
-          </a:graphicData>
-        </a:graphic>
-      </p:graphicFrame>
+      <p:sp>
+        <p:nvSpPr>
+          <p:cNvPr id="6" name="Freeform 5"/>
+          <p:cNvSpPr/>
+          <p:nvPr/>
+        </p:nvSpPr>
+        <p:spPr>
+          <a:xfrm>
+            <a:off x="609600" y="2047875"/>
+            <a:ext cx="2476500" cy="1485899"/>
+          </a:xfrm>
+          <a:custGeom>
+            <a:avLst/>
+            <a:gdLst>
+              <a:gd name="connsiteX0" fmla="*/ 0 w 2476500"/>
+              <a:gd name="connsiteY0" fmla="*/ 0 h 1485899"/>
+              <a:gd name="connsiteX1" fmla="*/ 2476500 w 2476500"/>
+              <a:gd name="connsiteY1" fmla="*/ 0 h 1485899"/>
+              <a:gd name="connsiteX2" fmla="*/ 2476500 w 2476500"/>
+              <a:gd name="connsiteY2" fmla="*/ 1485899 h 1485899"/>
+              <a:gd name="connsiteX3" fmla="*/ 0 w 2476500"/>
+              <a:gd name="connsiteY3" fmla="*/ 1485899 h 1485899"/>
+              <a:gd name="connsiteX4" fmla="*/ 0 w 2476500"/>
+              <a:gd name="connsiteY4" fmla="*/ 0 h 1485899"/>
+            </a:gdLst>
+            <a:ahLst/>
+            <a:cxnLst>
+              <a:cxn ang="0">
+                <a:pos x="connsiteX0" y="connsiteY0"/>
+              </a:cxn>
+              <a:cxn ang="0">
+                <a:pos x="connsiteX1" y="connsiteY1"/>
+              </a:cxn>
+              <a:cxn ang="0">
+                <a:pos x="connsiteX2" y="connsiteY2"/>
+              </a:cxn>
+              <a:cxn ang="0">
+                <a:pos x="connsiteX3" y="connsiteY3"/>
+              </a:cxn>
+              <a:cxn ang="0">
+                <a:pos x="connsiteX4" y="connsiteY4"/>
+              </a:cxn>
+            </a:cxnLst>
+            <a:rect l="l" t="t" r="r" b="b"/>
+            <a:pathLst>
+              <a:path w="2476500" h="1485899">
+                <a:moveTo>
+                  <a:pt x="0" y="0"/>
+                </a:moveTo>
+                <a:lnTo>
+                  <a:pt x="2476500" y="0"/>
+                </a:lnTo>
+                <a:lnTo>
+                  <a:pt x="2476500" y="1485899"/>
+                </a:lnTo>
+                <a:lnTo>
+                  <a:pt x="0" y="1485899"/>
+                </a:lnTo>
+                <a:lnTo>
+                  <a:pt x="0" y="0"/>
+                </a:lnTo>
+                <a:close/>
+              </a:path>
+            </a:pathLst>
+          </a:custGeom>
+        </p:spPr>
+        <p:style>
+          <a:lnRef idx="0">
+            <a:schemeClr val="lt1">
+              <a:hueOff val="0"/>
+              <a:satOff val="0"/>
+              <a:lumOff val="0"/>
+              <a:alphaOff val="0"/>
+            </a:schemeClr>
+          </a:lnRef>
+          <a:fillRef idx="3">
+            <a:schemeClr val="accent1">
+              <a:hueOff val="0"/>
+              <a:satOff val="0"/>
+              <a:lumOff val="0"/>
+              <a:alphaOff val="0"/>
+            </a:schemeClr>
+          </a:fillRef>
+          <a:effectRef idx="3">
+            <a:schemeClr val="accent1">
+              <a:hueOff val="0"/>
+              <a:satOff val="0"/>
+              <a:lumOff val="0"/>
+              <a:alphaOff val="0"/>
+            </a:schemeClr>
+          </a:effectRef>
+          <a:fontRef idx="minor">
+            <a:schemeClr val="lt1"/>
+          </a:fontRef>
+        </p:style>
+        <p:txBody>
+          <a:bodyPr spcFirstLastPara="0" vert="horz" wrap="square" lIns="91440" tIns="91440" rIns="91440" bIns="91440" numCol="1" spcCol="1270" anchor="ctr" anchorCtr="0">
+            <a:noAutofit/>
+          </a:bodyPr>
+          <a:lstStyle/>
+          <a:p>
+            <a:pPr lvl="0" algn="ctr" defTabSz="1066800">
+              <a:lnSpc>
+                <a:spcPct val="90000"/>
+              </a:lnSpc>
+              <a:spcBef>
+                <a:spcPct val="0"/>
+              </a:spcBef>
+              <a:spcAft>
+                <a:spcPct val="35000"/>
+              </a:spcAft>
+            </a:pPr>
+            <a:r>
+              <a:rPr lang="en-US" sz="2400" kern="1200" dirty="0" err="1" smtClean="0"/>
+              <a:t>Zusätzliche</a:t>
+            </a:r>
+            <a:r>
+              <a:rPr lang="en-US" sz="2400" kern="1200" dirty="0" smtClean="0"/>
+              <a:t> </a:t>
+            </a:r>
+            <a:r>
+              <a:rPr lang="en-US" sz="2400" kern="1200" dirty="0" err="1" smtClean="0"/>
+              <a:t>Motivationsfaktoren</a:t>
+            </a:r>
+            <a:endParaRPr lang="en-US" sz="2400" kern="1200" dirty="0"/>
+          </a:p>
+        </p:txBody>
+      </p:sp>
+      <p:sp>
+        <p:nvSpPr>
+          <p:cNvPr id="9" name="Freeform 8"/>
+          <p:cNvSpPr/>
+          <p:nvPr/>
+        </p:nvSpPr>
+        <p:spPr>
+          <a:xfrm>
+            <a:off x="3333749" y="2047875"/>
+            <a:ext cx="2476500" cy="1485899"/>
+          </a:xfrm>
+          <a:custGeom>
+            <a:avLst/>
+            <a:gdLst>
+              <a:gd name="connsiteX0" fmla="*/ 0 w 2476500"/>
+              <a:gd name="connsiteY0" fmla="*/ 0 h 1485899"/>
+              <a:gd name="connsiteX1" fmla="*/ 2476500 w 2476500"/>
+              <a:gd name="connsiteY1" fmla="*/ 0 h 1485899"/>
+              <a:gd name="connsiteX2" fmla="*/ 2476500 w 2476500"/>
+              <a:gd name="connsiteY2" fmla="*/ 1485899 h 1485899"/>
+              <a:gd name="connsiteX3" fmla="*/ 0 w 2476500"/>
+              <a:gd name="connsiteY3" fmla="*/ 1485899 h 1485899"/>
+              <a:gd name="connsiteX4" fmla="*/ 0 w 2476500"/>
+              <a:gd name="connsiteY4" fmla="*/ 0 h 1485899"/>
+            </a:gdLst>
+            <a:ahLst/>
+            <a:cxnLst>
+              <a:cxn ang="0">
+                <a:pos x="connsiteX0" y="connsiteY0"/>
+              </a:cxn>
+              <a:cxn ang="0">
+                <a:pos x="connsiteX1" y="connsiteY1"/>
+              </a:cxn>
+              <a:cxn ang="0">
+                <a:pos x="connsiteX2" y="connsiteY2"/>
+              </a:cxn>
+              <a:cxn ang="0">
+                <a:pos x="connsiteX3" y="connsiteY3"/>
+              </a:cxn>
+              <a:cxn ang="0">
+                <a:pos x="connsiteX4" y="connsiteY4"/>
+              </a:cxn>
+            </a:cxnLst>
+            <a:rect l="l" t="t" r="r" b="b"/>
+            <a:pathLst>
+              <a:path w="2476500" h="1485899">
+                <a:moveTo>
+                  <a:pt x="0" y="0"/>
+                </a:moveTo>
+                <a:lnTo>
+                  <a:pt x="2476500" y="0"/>
+                </a:lnTo>
+                <a:lnTo>
+                  <a:pt x="2476500" y="1485899"/>
+                </a:lnTo>
+                <a:lnTo>
+                  <a:pt x="0" y="1485899"/>
+                </a:lnTo>
+                <a:lnTo>
+                  <a:pt x="0" y="0"/>
+                </a:lnTo>
+                <a:close/>
+              </a:path>
+            </a:pathLst>
+          </a:custGeom>
+        </p:spPr>
+        <p:style>
+          <a:lnRef idx="0">
+            <a:schemeClr val="lt1">
+              <a:hueOff val="0"/>
+              <a:satOff val="0"/>
+              <a:lumOff val="0"/>
+              <a:alphaOff val="0"/>
+            </a:schemeClr>
+          </a:lnRef>
+          <a:fillRef idx="3">
+            <a:schemeClr val="accent1">
+              <a:hueOff val="0"/>
+              <a:satOff val="0"/>
+              <a:lumOff val="0"/>
+              <a:alphaOff val="0"/>
+            </a:schemeClr>
+          </a:fillRef>
+          <a:effectRef idx="3">
+            <a:schemeClr val="accent1">
+              <a:hueOff val="0"/>
+              <a:satOff val="0"/>
+              <a:lumOff val="0"/>
+              <a:alphaOff val="0"/>
+            </a:schemeClr>
+          </a:effectRef>
+          <a:fontRef idx="minor">
+            <a:schemeClr val="lt1"/>
+          </a:fontRef>
+        </p:style>
+        <p:txBody>
+          <a:bodyPr spcFirstLastPara="0" vert="horz" wrap="square" lIns="91440" tIns="91440" rIns="91440" bIns="91440" numCol="1" spcCol="1270" anchor="ctr" anchorCtr="0">
+            <a:noAutofit/>
+          </a:bodyPr>
+          <a:lstStyle/>
+          <a:p>
+            <a:pPr lvl="0" algn="ctr" defTabSz="1066800">
+              <a:lnSpc>
+                <a:spcPct val="90000"/>
+              </a:lnSpc>
+              <a:spcBef>
+                <a:spcPct val="0"/>
+              </a:spcBef>
+              <a:spcAft>
+                <a:spcPct val="35000"/>
+              </a:spcAft>
+            </a:pPr>
+            <a:r>
+              <a:rPr lang="en-US" sz="2400" kern="1200" dirty="0" err="1" smtClean="0"/>
+              <a:t>Kontinuierliche</a:t>
+            </a:r>
+            <a:r>
+              <a:rPr lang="en-US" sz="2400" kern="1200" dirty="0" smtClean="0"/>
+              <a:t> Integration von Feedback</a:t>
+            </a:r>
+            <a:endParaRPr lang="en-US" sz="2400" kern="1200" dirty="0"/>
+          </a:p>
+        </p:txBody>
+      </p:sp>
+      <p:sp>
+        <p:nvSpPr>
+          <p:cNvPr id="10" name="Freeform 9"/>
+          <p:cNvSpPr/>
+          <p:nvPr/>
+        </p:nvSpPr>
+        <p:spPr>
+          <a:xfrm>
+            <a:off x="6057900" y="2047875"/>
+            <a:ext cx="2476500" cy="1485899"/>
+          </a:xfrm>
+          <a:custGeom>
+            <a:avLst/>
+            <a:gdLst>
+              <a:gd name="connsiteX0" fmla="*/ 0 w 2476500"/>
+              <a:gd name="connsiteY0" fmla="*/ 0 h 1485899"/>
+              <a:gd name="connsiteX1" fmla="*/ 2476500 w 2476500"/>
+              <a:gd name="connsiteY1" fmla="*/ 0 h 1485899"/>
+              <a:gd name="connsiteX2" fmla="*/ 2476500 w 2476500"/>
+              <a:gd name="connsiteY2" fmla="*/ 1485899 h 1485899"/>
+              <a:gd name="connsiteX3" fmla="*/ 0 w 2476500"/>
+              <a:gd name="connsiteY3" fmla="*/ 1485899 h 1485899"/>
+              <a:gd name="connsiteX4" fmla="*/ 0 w 2476500"/>
+              <a:gd name="connsiteY4" fmla="*/ 0 h 1485899"/>
+            </a:gdLst>
+            <a:ahLst/>
+            <a:cxnLst>
+              <a:cxn ang="0">
+                <a:pos x="connsiteX0" y="connsiteY0"/>
+              </a:cxn>
+              <a:cxn ang="0">
+                <a:pos x="connsiteX1" y="connsiteY1"/>
+              </a:cxn>
+              <a:cxn ang="0">
+                <a:pos x="connsiteX2" y="connsiteY2"/>
+              </a:cxn>
+              <a:cxn ang="0">
+                <a:pos x="connsiteX3" y="connsiteY3"/>
+              </a:cxn>
+              <a:cxn ang="0">
+                <a:pos x="connsiteX4" y="connsiteY4"/>
+              </a:cxn>
+            </a:cxnLst>
+            <a:rect l="l" t="t" r="r" b="b"/>
+            <a:pathLst>
+              <a:path w="2476500" h="1485899">
+                <a:moveTo>
+                  <a:pt x="0" y="0"/>
+                </a:moveTo>
+                <a:lnTo>
+                  <a:pt x="2476500" y="0"/>
+                </a:lnTo>
+                <a:lnTo>
+                  <a:pt x="2476500" y="1485899"/>
+                </a:lnTo>
+                <a:lnTo>
+                  <a:pt x="0" y="1485899"/>
+                </a:lnTo>
+                <a:lnTo>
+                  <a:pt x="0" y="0"/>
+                </a:lnTo>
+                <a:close/>
+              </a:path>
+            </a:pathLst>
+          </a:custGeom>
+        </p:spPr>
+        <p:style>
+          <a:lnRef idx="0">
+            <a:schemeClr val="lt1">
+              <a:hueOff val="0"/>
+              <a:satOff val="0"/>
+              <a:lumOff val="0"/>
+              <a:alphaOff val="0"/>
+            </a:schemeClr>
+          </a:lnRef>
+          <a:fillRef idx="3">
+            <a:schemeClr val="accent1">
+              <a:hueOff val="0"/>
+              <a:satOff val="0"/>
+              <a:lumOff val="0"/>
+              <a:alphaOff val="0"/>
+            </a:schemeClr>
+          </a:fillRef>
+          <a:effectRef idx="3">
+            <a:schemeClr val="accent1">
+              <a:hueOff val="0"/>
+              <a:satOff val="0"/>
+              <a:lumOff val="0"/>
+              <a:alphaOff val="0"/>
+            </a:schemeClr>
+          </a:effectRef>
+          <a:fontRef idx="minor">
+            <a:schemeClr val="lt1"/>
+          </a:fontRef>
+        </p:style>
+        <p:txBody>
+          <a:bodyPr spcFirstLastPara="0" vert="horz" wrap="square" lIns="91440" tIns="91440" rIns="91440" bIns="91440" numCol="1" spcCol="1270" anchor="ctr" anchorCtr="0">
+            <a:noAutofit/>
+          </a:bodyPr>
+          <a:lstStyle/>
+          <a:p>
+            <a:pPr lvl="0" algn="ctr" defTabSz="1066800">
+              <a:lnSpc>
+                <a:spcPct val="90000"/>
+              </a:lnSpc>
+              <a:spcBef>
+                <a:spcPct val="0"/>
+              </a:spcBef>
+              <a:spcAft>
+                <a:spcPct val="35000"/>
+              </a:spcAft>
+            </a:pPr>
+            <a:r>
+              <a:rPr lang="en-US" sz="2400" kern="1200" dirty="0" err="1" smtClean="0"/>
+              <a:t>Steigerung</a:t>
+            </a:r>
+            <a:r>
+              <a:rPr lang="en-US" sz="2400" kern="1200" dirty="0" smtClean="0"/>
+              <a:t> des </a:t>
+            </a:r>
+            <a:r>
+              <a:rPr lang="en-US" sz="2400" kern="1200" dirty="0" err="1" smtClean="0"/>
+              <a:t>Bekanntheitsgrades</a:t>
+            </a:r>
+            <a:endParaRPr lang="en-US" sz="2400" kern="1200" dirty="0"/>
+          </a:p>
+        </p:txBody>
+      </p:sp>
+      <p:sp>
+        <p:nvSpPr>
+          <p:cNvPr id="11" name="Freeform 10"/>
+          <p:cNvSpPr/>
+          <p:nvPr/>
+        </p:nvSpPr>
+        <p:spPr>
+          <a:xfrm>
+            <a:off x="1971674" y="3781425"/>
+            <a:ext cx="2476500" cy="1485899"/>
+          </a:xfrm>
+          <a:custGeom>
+            <a:avLst/>
+            <a:gdLst>
+              <a:gd name="connsiteX0" fmla="*/ 0 w 2476500"/>
+              <a:gd name="connsiteY0" fmla="*/ 0 h 1485899"/>
+              <a:gd name="connsiteX1" fmla="*/ 2476500 w 2476500"/>
+              <a:gd name="connsiteY1" fmla="*/ 0 h 1485899"/>
+              <a:gd name="connsiteX2" fmla="*/ 2476500 w 2476500"/>
+              <a:gd name="connsiteY2" fmla="*/ 1485899 h 1485899"/>
+              <a:gd name="connsiteX3" fmla="*/ 0 w 2476500"/>
+              <a:gd name="connsiteY3" fmla="*/ 1485899 h 1485899"/>
+              <a:gd name="connsiteX4" fmla="*/ 0 w 2476500"/>
+              <a:gd name="connsiteY4" fmla="*/ 0 h 1485899"/>
+            </a:gdLst>
+            <a:ahLst/>
+            <a:cxnLst>
+              <a:cxn ang="0">
+                <a:pos x="connsiteX0" y="connsiteY0"/>
+              </a:cxn>
+              <a:cxn ang="0">
+                <a:pos x="connsiteX1" y="connsiteY1"/>
+              </a:cxn>
+              <a:cxn ang="0">
+                <a:pos x="connsiteX2" y="connsiteY2"/>
+              </a:cxn>
+              <a:cxn ang="0">
+                <a:pos x="connsiteX3" y="connsiteY3"/>
+              </a:cxn>
+              <a:cxn ang="0">
+                <a:pos x="connsiteX4" y="connsiteY4"/>
+              </a:cxn>
+            </a:cxnLst>
+            <a:rect l="l" t="t" r="r" b="b"/>
+            <a:pathLst>
+              <a:path w="2476500" h="1485899">
+                <a:moveTo>
+                  <a:pt x="0" y="0"/>
+                </a:moveTo>
+                <a:lnTo>
+                  <a:pt x="2476500" y="0"/>
+                </a:lnTo>
+                <a:lnTo>
+                  <a:pt x="2476500" y="1485899"/>
+                </a:lnTo>
+                <a:lnTo>
+                  <a:pt x="0" y="1485899"/>
+                </a:lnTo>
+                <a:lnTo>
+                  <a:pt x="0" y="0"/>
+                </a:lnTo>
+                <a:close/>
+              </a:path>
+            </a:pathLst>
+          </a:custGeom>
+        </p:spPr>
+        <p:style>
+          <a:lnRef idx="0">
+            <a:schemeClr val="lt1">
+              <a:hueOff val="0"/>
+              <a:satOff val="0"/>
+              <a:lumOff val="0"/>
+              <a:alphaOff val="0"/>
+            </a:schemeClr>
+          </a:lnRef>
+          <a:fillRef idx="3">
+            <a:schemeClr val="accent1">
+              <a:hueOff val="0"/>
+              <a:satOff val="0"/>
+              <a:lumOff val="0"/>
+              <a:alphaOff val="0"/>
+            </a:schemeClr>
+          </a:fillRef>
+          <a:effectRef idx="3">
+            <a:schemeClr val="accent1">
+              <a:hueOff val="0"/>
+              <a:satOff val="0"/>
+              <a:lumOff val="0"/>
+              <a:alphaOff val="0"/>
+            </a:schemeClr>
+          </a:effectRef>
+          <a:fontRef idx="minor">
+            <a:schemeClr val="lt1"/>
+          </a:fontRef>
+        </p:style>
+        <p:txBody>
+          <a:bodyPr spcFirstLastPara="0" vert="horz" wrap="square" lIns="91440" tIns="91440" rIns="91440" bIns="91440" numCol="1" spcCol="1270" anchor="ctr" anchorCtr="0">
+            <a:noAutofit/>
+          </a:bodyPr>
+          <a:lstStyle/>
+          <a:p>
+            <a:pPr lvl="0" algn="ctr" defTabSz="1066800">
+              <a:lnSpc>
+                <a:spcPct val="90000"/>
+              </a:lnSpc>
+              <a:spcBef>
+                <a:spcPct val="0"/>
+              </a:spcBef>
+              <a:spcAft>
+                <a:spcPct val="35000"/>
+              </a:spcAft>
+            </a:pPr>
+            <a:r>
+              <a:rPr lang="en-US" sz="2400" kern="1200" dirty="0" err="1" smtClean="0"/>
+              <a:t>Nutzergesteuerte</a:t>
+            </a:r>
+            <a:r>
+              <a:rPr lang="en-US" sz="2400" kern="1200" dirty="0" smtClean="0"/>
+              <a:t> </a:t>
+            </a:r>
+            <a:r>
+              <a:rPr lang="en-US" sz="2400" kern="1200" dirty="0" err="1" smtClean="0"/>
+              <a:t>Generierung</a:t>
+            </a:r>
+            <a:r>
+              <a:rPr lang="en-US" sz="2400" kern="1200" dirty="0" smtClean="0"/>
+              <a:t> von </a:t>
+            </a:r>
+            <a:r>
+              <a:rPr lang="en-US" sz="2400" kern="1200" dirty="0" err="1" smtClean="0"/>
+              <a:t>Fragen</a:t>
+            </a:r>
+            <a:endParaRPr lang="en-US" sz="2400" kern="1200" dirty="0"/>
+          </a:p>
+        </p:txBody>
+      </p:sp>
+      <p:sp>
+        <p:nvSpPr>
+          <p:cNvPr id="12" name="Freeform 11"/>
+          <p:cNvSpPr/>
+          <p:nvPr/>
+        </p:nvSpPr>
+        <p:spPr>
+          <a:xfrm>
+            <a:off x="4695825" y="3781424"/>
+            <a:ext cx="2476500" cy="1485899"/>
+          </a:xfrm>
+          <a:custGeom>
+            <a:avLst/>
+            <a:gdLst>
+              <a:gd name="connsiteX0" fmla="*/ 0 w 2476500"/>
+              <a:gd name="connsiteY0" fmla="*/ 0 h 1485899"/>
+              <a:gd name="connsiteX1" fmla="*/ 2476500 w 2476500"/>
+              <a:gd name="connsiteY1" fmla="*/ 0 h 1485899"/>
+              <a:gd name="connsiteX2" fmla="*/ 2476500 w 2476500"/>
+              <a:gd name="connsiteY2" fmla="*/ 1485899 h 1485899"/>
+              <a:gd name="connsiteX3" fmla="*/ 0 w 2476500"/>
+              <a:gd name="connsiteY3" fmla="*/ 1485899 h 1485899"/>
+              <a:gd name="connsiteX4" fmla="*/ 0 w 2476500"/>
+              <a:gd name="connsiteY4" fmla="*/ 0 h 1485899"/>
+            </a:gdLst>
+            <a:ahLst/>
+            <a:cxnLst>
+              <a:cxn ang="0">
+                <a:pos x="connsiteX0" y="connsiteY0"/>
+              </a:cxn>
+              <a:cxn ang="0">
+                <a:pos x="connsiteX1" y="connsiteY1"/>
+              </a:cxn>
+              <a:cxn ang="0">
+                <a:pos x="connsiteX2" y="connsiteY2"/>
+              </a:cxn>
+              <a:cxn ang="0">
+                <a:pos x="connsiteX3" y="connsiteY3"/>
+              </a:cxn>
+              <a:cxn ang="0">
+                <a:pos x="connsiteX4" y="connsiteY4"/>
+              </a:cxn>
+            </a:cxnLst>
+            <a:rect l="l" t="t" r="r" b="b"/>
+            <a:pathLst>
+              <a:path w="2476500" h="1485899">
+                <a:moveTo>
+                  <a:pt x="0" y="0"/>
+                </a:moveTo>
+                <a:lnTo>
+                  <a:pt x="2476500" y="0"/>
+                </a:lnTo>
+                <a:lnTo>
+                  <a:pt x="2476500" y="1485899"/>
+                </a:lnTo>
+                <a:lnTo>
+                  <a:pt x="0" y="1485899"/>
+                </a:lnTo>
+                <a:lnTo>
+                  <a:pt x="0" y="0"/>
+                </a:lnTo>
+                <a:close/>
+              </a:path>
+            </a:pathLst>
+          </a:custGeom>
+        </p:spPr>
+        <p:style>
+          <a:lnRef idx="0">
+            <a:schemeClr val="lt1">
+              <a:hueOff val="0"/>
+              <a:satOff val="0"/>
+              <a:lumOff val="0"/>
+              <a:alphaOff val="0"/>
+            </a:schemeClr>
+          </a:lnRef>
+          <a:fillRef idx="3">
+            <a:schemeClr val="accent1">
+              <a:hueOff val="0"/>
+              <a:satOff val="0"/>
+              <a:lumOff val="0"/>
+              <a:alphaOff val="0"/>
+            </a:schemeClr>
+          </a:fillRef>
+          <a:effectRef idx="3">
+            <a:schemeClr val="accent1">
+              <a:hueOff val="0"/>
+              <a:satOff val="0"/>
+              <a:lumOff val="0"/>
+              <a:alphaOff val="0"/>
+            </a:schemeClr>
+          </a:effectRef>
+          <a:fontRef idx="minor">
+            <a:schemeClr val="lt1"/>
+          </a:fontRef>
+        </p:style>
+        <p:txBody>
+          <a:bodyPr spcFirstLastPara="0" vert="horz" wrap="square" lIns="91440" tIns="91440" rIns="91440" bIns="91440" numCol="1" spcCol="1270" anchor="ctr" anchorCtr="0">
+            <a:noAutofit/>
+          </a:bodyPr>
+          <a:lstStyle/>
+          <a:p>
+            <a:pPr lvl="0" algn="ctr" defTabSz="1066800">
+              <a:lnSpc>
+                <a:spcPct val="90000"/>
+              </a:lnSpc>
+              <a:spcBef>
+                <a:spcPct val="0"/>
+              </a:spcBef>
+              <a:spcAft>
+                <a:spcPct val="35000"/>
+              </a:spcAft>
+            </a:pPr>
+            <a:r>
+              <a:rPr lang="en-US" sz="2400" kern="1200" dirty="0" err="1" smtClean="0"/>
+              <a:t>Fortsetzung</a:t>
+            </a:r>
+            <a:r>
+              <a:rPr lang="en-US" sz="2400" kern="1200" dirty="0" smtClean="0"/>
+              <a:t> von Studiduell </a:t>
+            </a:r>
+            <a:r>
+              <a:rPr lang="en-US" sz="2400" kern="1200" dirty="0" err="1" smtClean="0"/>
+              <a:t>durch</a:t>
+            </a:r>
+            <a:r>
+              <a:rPr lang="en-US" sz="2400" kern="1200" dirty="0" smtClean="0"/>
+              <a:t> </a:t>
+            </a:r>
+            <a:r>
+              <a:rPr lang="en-US" sz="2400" kern="1200" dirty="0" err="1" smtClean="0"/>
+              <a:t>regelmäßige</a:t>
+            </a:r>
+            <a:r>
+              <a:rPr lang="en-US" sz="2400" kern="1200" dirty="0" smtClean="0"/>
+              <a:t> </a:t>
+            </a:r>
+            <a:r>
+              <a:rPr lang="en-US" sz="2400" kern="1200" dirty="0" err="1" smtClean="0"/>
+              <a:t>Übergabe</a:t>
+            </a:r>
+            <a:r>
+              <a:rPr lang="en-US" sz="2400" kern="1200" dirty="0" smtClean="0"/>
+              <a:t> </a:t>
+            </a:r>
+            <a:endParaRPr lang="en-US" sz="2400" kern="1200" dirty="0"/>
+          </a:p>
+        </p:txBody>
+      </p:sp>
     </p:spTree>
     <p:extLst>
       <p:ext uri="{BB962C8B-B14F-4D97-AF65-F5344CB8AC3E}">
@@ -13015,9 +10834,304 @@
   <p:timing>
     <p:tnLst>
       <p:par>
-        <p:cTn id="1" dur="indefinite" restart="never" nodeType="tmRoot"/>
+        <p:cTn id="1" dur="indefinite" restart="never" nodeType="tmRoot">
+          <p:childTnLst>
+            <p:seq concurrent="1" nextAc="seek">
+              <p:cTn id="2" dur="indefinite" nodeType="mainSeq">
+                <p:childTnLst>
+                  <p:par>
+                    <p:cTn id="3" fill="hold">
+                      <p:stCondLst>
+                        <p:cond delay="indefinite"/>
+                      </p:stCondLst>
+                      <p:childTnLst>
+                        <p:par>
+                          <p:cTn id="4" fill="hold">
+                            <p:stCondLst>
+                              <p:cond delay="0"/>
+                            </p:stCondLst>
+                            <p:childTnLst>
+                              <p:par>
+                                <p:cTn id="5" presetID="10" presetClass="entr" presetSubtype="0" fill="hold" grpId="0" nodeType="clickEffect">
+                                  <p:stCondLst>
+                                    <p:cond delay="0"/>
+                                  </p:stCondLst>
+                                  <p:childTnLst>
+                                    <p:set>
+                                      <p:cBhvr>
+                                        <p:cTn id="6" dur="1" fill="hold">
+                                          <p:stCondLst>
+                                            <p:cond delay="0"/>
+                                          </p:stCondLst>
+                                        </p:cTn>
+                                        <p:tgtEl>
+                                          <p:spTgt spid="6"/>
+                                        </p:tgtEl>
+                                        <p:attrNameLst>
+                                          <p:attrName>style.visibility</p:attrName>
+                                        </p:attrNameLst>
+                                      </p:cBhvr>
+                                      <p:to>
+                                        <p:strVal val="visible"/>
+                                      </p:to>
+                                    </p:set>
+                                    <p:animEffect transition="in" filter="fade">
+                                      <p:cBhvr>
+                                        <p:cTn id="7" dur="500"/>
+                                        <p:tgtEl>
+                                          <p:spTgt spid="6"/>
+                                        </p:tgtEl>
+                                      </p:cBhvr>
+                                    </p:animEffect>
+                                  </p:childTnLst>
+                                </p:cTn>
+                              </p:par>
+                            </p:childTnLst>
+                          </p:cTn>
+                        </p:par>
+                      </p:childTnLst>
+                    </p:cTn>
+                  </p:par>
+                  <p:par>
+                    <p:cTn id="8" fill="hold">
+                      <p:stCondLst>
+                        <p:cond delay="indefinite"/>
+                      </p:stCondLst>
+                      <p:childTnLst>
+                        <p:par>
+                          <p:cTn id="9" fill="hold">
+                            <p:stCondLst>
+                              <p:cond delay="0"/>
+                            </p:stCondLst>
+                            <p:childTnLst>
+                              <p:par>
+                                <p:cTn id="10" presetID="10" presetClass="entr" presetSubtype="0" fill="hold" grpId="0" nodeType="clickEffect">
+                                  <p:stCondLst>
+                                    <p:cond delay="0"/>
+                                  </p:stCondLst>
+                                  <p:childTnLst>
+                                    <p:set>
+                                      <p:cBhvr>
+                                        <p:cTn id="11" dur="1" fill="hold">
+                                          <p:stCondLst>
+                                            <p:cond delay="0"/>
+                                          </p:stCondLst>
+                                        </p:cTn>
+                                        <p:tgtEl>
+                                          <p:spTgt spid="9"/>
+                                        </p:tgtEl>
+                                        <p:attrNameLst>
+                                          <p:attrName>style.visibility</p:attrName>
+                                        </p:attrNameLst>
+                                      </p:cBhvr>
+                                      <p:to>
+                                        <p:strVal val="visible"/>
+                                      </p:to>
+                                    </p:set>
+                                    <p:animEffect transition="in" filter="fade">
+                                      <p:cBhvr>
+                                        <p:cTn id="12" dur="500"/>
+                                        <p:tgtEl>
+                                          <p:spTgt spid="9"/>
+                                        </p:tgtEl>
+                                      </p:cBhvr>
+                                    </p:animEffect>
+                                  </p:childTnLst>
+                                </p:cTn>
+                              </p:par>
+                            </p:childTnLst>
+                          </p:cTn>
+                        </p:par>
+                      </p:childTnLst>
+                    </p:cTn>
+                  </p:par>
+                  <p:par>
+                    <p:cTn id="13" fill="hold">
+                      <p:stCondLst>
+                        <p:cond delay="indefinite"/>
+                      </p:stCondLst>
+                      <p:childTnLst>
+                        <p:par>
+                          <p:cTn id="14" fill="hold">
+                            <p:stCondLst>
+                              <p:cond delay="0"/>
+                            </p:stCondLst>
+                            <p:childTnLst>
+                              <p:par>
+                                <p:cTn id="15" presetID="10" presetClass="entr" presetSubtype="0" fill="hold" grpId="0" nodeType="clickEffect">
+                                  <p:stCondLst>
+                                    <p:cond delay="0"/>
+                                  </p:stCondLst>
+                                  <p:childTnLst>
+                                    <p:set>
+                                      <p:cBhvr>
+                                        <p:cTn id="16" dur="1" fill="hold">
+                                          <p:stCondLst>
+                                            <p:cond delay="0"/>
+                                          </p:stCondLst>
+                                        </p:cTn>
+                                        <p:tgtEl>
+                                          <p:spTgt spid="10"/>
+                                        </p:tgtEl>
+                                        <p:attrNameLst>
+                                          <p:attrName>style.visibility</p:attrName>
+                                        </p:attrNameLst>
+                                      </p:cBhvr>
+                                      <p:to>
+                                        <p:strVal val="visible"/>
+                                      </p:to>
+                                    </p:set>
+                                    <p:animEffect transition="in" filter="fade">
+                                      <p:cBhvr>
+                                        <p:cTn id="17" dur="500"/>
+                                        <p:tgtEl>
+                                          <p:spTgt spid="10"/>
+                                        </p:tgtEl>
+                                      </p:cBhvr>
+                                    </p:animEffect>
+                                  </p:childTnLst>
+                                </p:cTn>
+                              </p:par>
+                            </p:childTnLst>
+                          </p:cTn>
+                        </p:par>
+                      </p:childTnLst>
+                    </p:cTn>
+                  </p:par>
+                  <p:par>
+                    <p:cTn id="18" fill="hold">
+                      <p:stCondLst>
+                        <p:cond delay="indefinite"/>
+                      </p:stCondLst>
+                      <p:childTnLst>
+                        <p:par>
+                          <p:cTn id="19" fill="hold">
+                            <p:stCondLst>
+                              <p:cond delay="0"/>
+                            </p:stCondLst>
+                            <p:childTnLst>
+                              <p:par>
+                                <p:cTn id="20" presetID="10" presetClass="entr" presetSubtype="0" fill="hold" grpId="0" nodeType="clickEffect">
+                                  <p:stCondLst>
+                                    <p:cond delay="0"/>
+                                  </p:stCondLst>
+                                  <p:childTnLst>
+                                    <p:set>
+                                      <p:cBhvr>
+                                        <p:cTn id="21" dur="1" fill="hold">
+                                          <p:stCondLst>
+                                            <p:cond delay="0"/>
+                                          </p:stCondLst>
+                                        </p:cTn>
+                                        <p:tgtEl>
+                                          <p:spTgt spid="11"/>
+                                        </p:tgtEl>
+                                        <p:attrNameLst>
+                                          <p:attrName>style.visibility</p:attrName>
+                                        </p:attrNameLst>
+                                      </p:cBhvr>
+                                      <p:to>
+                                        <p:strVal val="visible"/>
+                                      </p:to>
+                                    </p:set>
+                                    <p:animEffect transition="in" filter="fade">
+                                      <p:cBhvr>
+                                        <p:cTn id="22" dur="500"/>
+                                        <p:tgtEl>
+                                          <p:spTgt spid="11"/>
+                                        </p:tgtEl>
+                                      </p:cBhvr>
+                                    </p:animEffect>
+                                  </p:childTnLst>
+                                </p:cTn>
+                              </p:par>
+                            </p:childTnLst>
+                          </p:cTn>
+                        </p:par>
+                      </p:childTnLst>
+                    </p:cTn>
+                  </p:par>
+                  <p:par>
+                    <p:cTn id="23" fill="hold">
+                      <p:stCondLst>
+                        <p:cond delay="indefinite"/>
+                      </p:stCondLst>
+                      <p:childTnLst>
+                        <p:par>
+                          <p:cTn id="24" fill="hold">
+                            <p:stCondLst>
+                              <p:cond delay="0"/>
+                            </p:stCondLst>
+                            <p:childTnLst>
+                              <p:par>
+                                <p:cTn id="25" presetID="10" presetClass="entr" presetSubtype="0" fill="hold" grpId="0" nodeType="clickEffect">
+                                  <p:stCondLst>
+                                    <p:cond delay="0"/>
+                                  </p:stCondLst>
+                                  <p:childTnLst>
+                                    <p:set>
+                                      <p:cBhvr>
+                                        <p:cTn id="26" dur="1" fill="hold">
+                                          <p:stCondLst>
+                                            <p:cond delay="0"/>
+                                          </p:stCondLst>
+                                        </p:cTn>
+                                        <p:tgtEl>
+                                          <p:spTgt spid="12"/>
+                                        </p:tgtEl>
+                                        <p:attrNameLst>
+                                          <p:attrName>style.visibility</p:attrName>
+                                        </p:attrNameLst>
+                                      </p:cBhvr>
+                                      <p:to>
+                                        <p:strVal val="visible"/>
+                                      </p:to>
+                                    </p:set>
+                                    <p:animEffect transition="in" filter="fade">
+                                      <p:cBhvr>
+                                        <p:cTn id="27" dur="500"/>
+                                        <p:tgtEl>
+                                          <p:spTgt spid="12"/>
+                                        </p:tgtEl>
+                                      </p:cBhvr>
+                                    </p:animEffect>
+                                  </p:childTnLst>
+                                </p:cTn>
+                              </p:par>
+                            </p:childTnLst>
+                          </p:cTn>
+                        </p:par>
+                      </p:childTnLst>
+                    </p:cTn>
+                  </p:par>
+                </p:childTnLst>
+              </p:cTn>
+              <p:prevCondLst>
+                <p:cond evt="onPrev" delay="0">
+                  <p:tgtEl>
+                    <p:sldTgt/>
+                  </p:tgtEl>
+                </p:cond>
+              </p:prevCondLst>
+              <p:nextCondLst>
+                <p:cond evt="onNext" delay="0">
+                  <p:tgtEl>
+                    <p:sldTgt/>
+                  </p:tgtEl>
+                </p:cond>
+              </p:nextCondLst>
+            </p:seq>
+          </p:childTnLst>
+        </p:cTn>
       </p:par>
     </p:tnLst>
+    <p:bldLst>
+      <p:bldP spid="6" grpId="0" animBg="1"/>
+      <p:bldP spid="9" grpId="0" animBg="1"/>
+      <p:bldP spid="10" grpId="0" animBg="1"/>
+      <p:bldP spid="11" grpId="0" animBg="1"/>
+      <p:bldP spid="12" grpId="0" animBg="1"/>
+    </p:bldLst>
   </p:timing>
 </p:sld>
 </file>
@@ -13056,7 +11170,7 @@
           <a:p>
             <a:fld id="{ECC07F21-0122-44FF-9BB4-230E083EEAEF}" type="datetime1">
               <a:rPr lang="de-DE" smtClean="0"/>
-              <a:t>15.09.2014</a:t>
+              <a:t>16.09.2014</a:t>
             </a:fld>
             <a:endParaRPr lang="en-US" dirty="0"/>
           </a:p>
@@ -13149,13 +11263,13 @@
           <p:nvPr>
             <p:extLst>
               <p:ext uri="{D42A27DB-BD31-4B8C-83A1-F6EECF244321}">
-                <p14:modId xmlns:p14="http://schemas.microsoft.com/office/powerpoint/2010/main" val="592285632"/>
+                <p14:modId xmlns:p14="http://schemas.microsoft.com/office/powerpoint/2010/main" val="3103760768"/>
               </p:ext>
             </p:extLst>
           </p:nvPr>
         </p:nvGraphicFramePr>
         <p:xfrm>
-          <a:off x="611560" y="1488152"/>
+          <a:off x="611560" y="1412776"/>
           <a:ext cx="7992888" cy="4968240"/>
         </p:xfrm>
         <a:graphic>
@@ -13824,7 +11938,7 @@
           <a:p>
             <a:fld id="{ECC07F21-0122-44FF-9BB4-230E083EEAEF}" type="datetime1">
               <a:rPr lang="de-DE" smtClean="0"/>
-              <a:t>15.09.2014</a:t>
+              <a:t>16.09.2014</a:t>
             </a:fld>
             <a:endParaRPr lang="en-US" dirty="0"/>
           </a:p>
@@ -13971,7 +12085,7 @@
           <a:p>
             <a:fld id="{ECC07F21-0122-44FF-9BB4-230E083EEAEF}" type="datetime1">
               <a:rPr lang="de-DE" smtClean="0"/>
-              <a:t>15.09.2014</a:t>
+              <a:t>16.09.2014</a:t>
             </a:fld>
             <a:endParaRPr lang="en-US" dirty="0"/>
           </a:p>
@@ -14252,7 +12366,7 @@
           <a:p>
             <a:fld id="{ECC07F21-0122-44FF-9BB4-230E083EEAEF}" type="datetime1">
               <a:rPr lang="de-DE" smtClean="0"/>
-              <a:t>15.09.2014</a:t>
+              <a:t>16.09.2014</a:t>
             </a:fld>
             <a:endParaRPr lang="en-US" dirty="0"/>
           </a:p>
@@ -14433,7 +12547,7 @@
           <a:p>
             <a:fld id="{ECC07F21-0122-44FF-9BB4-230E083EEAEF}" type="datetime1">
               <a:rPr lang="de-DE" smtClean="0"/>
-              <a:t>15.09.2014</a:t>
+              <a:t>16.09.2014</a:t>
             </a:fld>
             <a:endParaRPr lang="en-US" dirty="0"/>
           </a:p>
@@ -15236,7 +13350,7 @@
           <a:p>
             <a:fld id="{ECC07F21-0122-44FF-9BB4-230E083EEAEF}" type="datetime1">
               <a:rPr lang="de-DE" smtClean="0"/>
-              <a:t>15.09.2014</a:t>
+              <a:t>16.09.2014</a:t>
             </a:fld>
             <a:endParaRPr lang="en-US" dirty="0"/>
           </a:p>
@@ -16304,7 +14418,7 @@
           <a:p>
             <a:fld id="{ECC07F21-0122-44FF-9BB4-230E083EEAEF}" type="datetime1">
               <a:rPr lang="de-DE" smtClean="0"/>
-              <a:t>15.09.2014</a:t>
+              <a:t>16.09.2014</a:t>
             </a:fld>
             <a:endParaRPr lang="en-US" dirty="0"/>
           </a:p>
@@ -17368,7 +15482,7 @@
           <a:p>
             <a:fld id="{ECC07F21-0122-44FF-9BB4-230E083EEAEF}" type="datetime1">
               <a:rPr lang="de-DE" smtClean="0"/>
-              <a:t>15.09.2014</a:t>
+              <a:t>16.09.2014</a:t>
             </a:fld>
             <a:endParaRPr lang="en-US" dirty="0"/>
           </a:p>
@@ -17625,7 +15739,7 @@
           <a:p>
             <a:fld id="{ECC07F21-0122-44FF-9BB4-230E083EEAEF}" type="datetime1">
               <a:rPr lang="de-DE" smtClean="0"/>
-              <a:t>15.09.2014</a:t>
+              <a:t>16.09.2014</a:t>
             </a:fld>
             <a:endParaRPr lang="en-US" dirty="0"/>
           </a:p>
@@ -17789,7 +15903,7 @@
           <a:p>
             <a:fld id="{ECC07F21-0122-44FF-9BB4-230E083EEAEF}" type="datetime1">
               <a:rPr lang="de-DE" smtClean="0"/>
-              <a:t>15.09.2014</a:t>
+              <a:t>16.09.2014</a:t>
             </a:fld>
             <a:endParaRPr lang="en-US" dirty="0"/>
           </a:p>
@@ -18993,7 +17107,7 @@
           <a:p>
             <a:fld id="{ECC07F21-0122-44FF-9BB4-230E083EEAEF}" type="datetime1">
               <a:rPr lang="de-DE" smtClean="0"/>
-              <a:t>15.09.2014</a:t>
+              <a:t>16.09.2014</a:t>
             </a:fld>
             <a:endParaRPr lang="en-US" dirty="0"/>
           </a:p>
